--- a/notes/HathiTrust.pptx
+++ b/notes/HathiTrust.pptx
@@ -2,40 +2,37 @@
 <file path=ppt/presentation.xml><?xml version="1.0" encoding="utf-8"?>
 <p:presentation xmlns:a="http://schemas.openxmlformats.org/drawingml/2006/main" xmlns:r="http://schemas.openxmlformats.org/officeDocument/2006/relationships" xmlns:mc="http://schemas.openxmlformats.org/markup-compatibility/2006" xmlns:mv="urn:schemas-microsoft-com:mac:vml" xmlns:p="http://schemas.openxmlformats.org/presentationml/2006/main" mc:Ignorable="mv" mc:PreserveAttributes="mv:*" saveSubsetFonts="1" autoCompressPictures="0">
   <p:sldMasterIdLst>
-    <p:sldMasterId id="2147483648" r:id="rId1"/>
+    <p:sldMasterId id="2147483814" r:id="rId1"/>
   </p:sldMasterIdLst>
   <p:notesMasterIdLst>
-    <p:notesMasterId r:id="rId30"/>
+    <p:notesMasterId r:id="rId27"/>
   </p:notesMasterIdLst>
   <p:sldIdLst>
     <p:sldId id="256" r:id="rId2"/>
-    <p:sldId id="281" r:id="rId3"/>
-    <p:sldId id="279" r:id="rId4"/>
-    <p:sldId id="290" r:id="rId5"/>
-    <p:sldId id="291" r:id="rId6"/>
-    <p:sldId id="278" r:id="rId7"/>
-    <p:sldId id="277" r:id="rId8"/>
-    <p:sldId id="292" r:id="rId9"/>
-    <p:sldId id="257" r:id="rId10"/>
-    <p:sldId id="294" r:id="rId11"/>
-    <p:sldId id="293" r:id="rId12"/>
-    <p:sldId id="282" r:id="rId13"/>
-    <p:sldId id="296" r:id="rId14"/>
-    <p:sldId id="275" r:id="rId15"/>
-    <p:sldId id="270" r:id="rId16"/>
-    <p:sldId id="266" r:id="rId17"/>
-    <p:sldId id="286" r:id="rId18"/>
-    <p:sldId id="299" r:id="rId19"/>
-    <p:sldId id="295" r:id="rId20"/>
-    <p:sldId id="288" r:id="rId21"/>
-    <p:sldId id="300" r:id="rId22"/>
-    <p:sldId id="301" r:id="rId23"/>
-    <p:sldId id="302" r:id="rId24"/>
-    <p:sldId id="276" r:id="rId25"/>
-    <p:sldId id="303" r:id="rId26"/>
-    <p:sldId id="287" r:id="rId27"/>
-    <p:sldId id="298" r:id="rId28"/>
-    <p:sldId id="297" r:id="rId29"/>
+    <p:sldId id="315" r:id="rId3"/>
+    <p:sldId id="317" r:id="rId4"/>
+    <p:sldId id="281" r:id="rId5"/>
+    <p:sldId id="279" r:id="rId6"/>
+    <p:sldId id="290" r:id="rId7"/>
+    <p:sldId id="257" r:id="rId8"/>
+    <p:sldId id="287" r:id="rId9"/>
+    <p:sldId id="293" r:id="rId10"/>
+    <p:sldId id="339" r:id="rId11"/>
+    <p:sldId id="310" r:id="rId12"/>
+    <p:sldId id="309" r:id="rId13"/>
+    <p:sldId id="319" r:id="rId14"/>
+    <p:sldId id="266" r:id="rId15"/>
+    <p:sldId id="321" r:id="rId16"/>
+    <p:sldId id="295" r:id="rId17"/>
+    <p:sldId id="288" r:id="rId18"/>
+    <p:sldId id="286" r:id="rId19"/>
+    <p:sldId id="299" r:id="rId20"/>
+    <p:sldId id="325" r:id="rId21"/>
+    <p:sldId id="338" r:id="rId22"/>
+    <p:sldId id="330" r:id="rId23"/>
+    <p:sldId id="303" r:id="rId24"/>
+    <p:sldId id="297" r:id="rId25"/>
+    <p:sldId id="316" r:id="rId26"/>
   </p:sldIdLst>
   <p:sldSz cx="9144000" cy="6858000" type="screen4x3"/>
   <p:notesSz cx="6858000" cy="9144000"/>
@@ -224,7 +221,7 @@
             <a:fld id="{872864FC-EA9B-7048-B56F-DB1447B92684}" type="datetimeFigureOut">
               <a:rPr lang="en-US" smtClean="0"/>
               <a:pPr/>
-              <a:t>2/18/13</a:t>
+              <a:t>2/19/13</a:t>
             </a:fld>
             <a:endParaRPr lang="en-US" dirty="0"/>
           </a:p>
@@ -540,10 +537,6 @@
           </a:bodyPr>
           <a:lstStyle/>
           <a:p>
-            <a:r>
-              <a:rPr lang="en-US" dirty="0" smtClean="0"/>
-              <a:t>OCR and otherwise / metadata</a:t>
-            </a:r>
             <a:endParaRPr lang="en-US" dirty="0"/>
           </a:p>
         </p:txBody>
@@ -566,9 +559,9 @@
             <a:fld id="{7CE5A297-8EE9-2043-8DCD-DDA24196DA0E}" type="slidenum">
               <a:rPr lang="en-US" smtClean="0"/>
               <a:pPr/>
-              <a:t>14</a:t>
+              <a:t>1</a:t>
             </a:fld>
-            <a:endParaRPr lang="en-US"/>
+            <a:endParaRPr lang="en-US" dirty="0"/>
           </a:p>
         </p:txBody>
       </p:sp>
@@ -626,7 +619,7 @@
           </a:bodyPr>
           <a:lstStyle/>
           <a:p>
-            <a:endParaRPr lang="en-US" dirty="0"/>
+            <a:endParaRPr lang="en-US"/>
           </a:p>
         </p:txBody>
       </p:sp>
@@ -648,9 +641,9 @@
             <a:fld id="{7CE5A297-8EE9-2043-8DCD-DDA24196DA0E}" type="slidenum">
               <a:rPr lang="en-US" smtClean="0"/>
               <a:pPr/>
-              <a:t>15</a:t>
+              <a:t>11</a:t>
             </a:fld>
-            <a:endParaRPr lang="en-US"/>
+            <a:endParaRPr lang="en-US" dirty="0"/>
           </a:p>
         </p:txBody>
       </p:sp>
@@ -681,29 +674,97 @@
       </p:grpSpPr>
       <p:sp>
         <p:nvSpPr>
-          <p:cNvPr id="2" name="Title 1"/>
-          <p:cNvSpPr>
-            <a:spLocks noGrp="1"/>
-          </p:cNvSpPr>
-          <p:nvPr>
-            <p:ph type="ctrTitle"/>
-          </p:nvPr>
+          <p:cNvPr id="9" name="Rectangle 8"/>
+          <p:cNvSpPr/>
+          <p:nvPr/>
         </p:nvSpPr>
         <p:spPr>
           <a:xfrm>
-            <a:off x="685800" y="2130425"/>
-            <a:ext cx="7772400" cy="1470025"/>
+            <a:off x="646113" y="1447800"/>
+            <a:ext cx="7851775" cy="3200400"/>
+          </a:xfrm>
+          <a:prstGeom prst="rect">
+            <a:avLst/>
+          </a:prstGeom>
+          <a:noFill/>
+        </p:spPr>
+        <p:style>
+          <a:lnRef idx="1">
+            <a:schemeClr val="dk1"/>
+          </a:lnRef>
+          <a:fillRef idx="3">
+            <a:schemeClr val="dk1"/>
+          </a:fillRef>
+          <a:effectRef idx="2">
+            <a:schemeClr val="dk1"/>
+          </a:effectRef>
+          <a:fontRef idx="minor">
+            <a:schemeClr val="lt1"/>
+          </a:fontRef>
+        </p:style>
+        <p:txBody>
+          <a:bodyPr rtlCol="0" anchor="ctr"/>
+          <a:lstStyle/>
+          <a:p>
+            <a:pPr algn="ctr"/>
+            <a:endParaRPr dirty="0">
+              <a:latin typeface="Gill Sans Light"/>
+            </a:endParaRPr>
+          </a:p>
+        </p:txBody>
+      </p:sp>
+      <p:sp>
+        <p:nvSpPr>
+          <p:cNvPr id="2" name="Title 1"/>
+          <p:cNvSpPr>
+            <a:spLocks noGrp="1"/>
+          </p:cNvSpPr>
+          <p:nvPr>
+            <p:ph type="ctrTitle"/>
+          </p:nvPr>
+        </p:nvSpPr>
+        <p:spPr>
+          <a:xfrm>
+            <a:off x="658813" y="1537447"/>
+            <a:ext cx="7826281" cy="1627093"/>
           </a:xfrm>
         </p:spPr>
         <p:txBody>
-          <a:bodyPr/>
-          <a:lstStyle/>
-          <a:p>
-            <a:r>
-              <a:rPr lang="en-US" smtClean="0"/>
+          <a:bodyPr vert="horz" lIns="91440" tIns="45720" rIns="91440" bIns="45720" rtlCol="0" anchor="b" anchorCtr="0">
+            <a:noAutofit/>
+          </a:bodyPr>
+          <a:lstStyle>
+            <a:lvl1pPr algn="ctr" defTabSz="914400" rtl="0" eaLnBrk="1" latinLnBrk="0" hangingPunct="1">
+              <a:spcBef>
+                <a:spcPct val="0"/>
+              </a:spcBef>
+              <a:buNone/>
+              <a:defRPr sz="5400" kern="1200">
+                <a:gradFill>
+                  <a:gsLst>
+                    <a:gs pos="0">
+                      <a:schemeClr val="tx1">
+                        <a:lumMod val="85000"/>
+                      </a:schemeClr>
+                    </a:gs>
+                    <a:gs pos="100000">
+                      <a:schemeClr val="tx1"/>
+                    </a:gs>
+                  </a:gsLst>
+                  <a:lin ang="16200000" scaled="1"/>
+                </a:gradFill>
+                <a:latin typeface="Gill Sans Light"/>
+                <a:ea typeface="+mj-ea"/>
+                <a:cs typeface="+mj-cs"/>
+              </a:defRPr>
+            </a:lvl1pPr>
+          </a:lstStyle>
+          <a:p>
+            <a:r>
+              <a:rPr lang="en-US" dirty="0" smtClean="0"/>
               <a:t>Click to edit Master title style</a:t>
             </a:r>
-            <a:endParaRPr lang="en-US"/>
+            <a:endParaRPr dirty="0"/>
           </a:p>
         </p:txBody>
       </p:sp>
@@ -719,21 +780,41 @@
         </p:nvSpPr>
         <p:spPr>
           <a:xfrm>
-            <a:off x="1371600" y="3886200"/>
-            <a:ext cx="6400800" cy="1752600"/>
+            <a:off x="658813" y="3218329"/>
+            <a:ext cx="7826281" cy="860611"/>
           </a:xfrm>
         </p:spPr>
         <p:txBody>
-          <a:bodyPr/>
+          <a:bodyPr vert="horz" lIns="91440" tIns="45720" rIns="91440" bIns="45720" rtlCol="0">
+            <a:normAutofit/>
+          </a:bodyPr>
           <a:lstStyle>
-            <a:lvl1pPr marL="0" indent="0" algn="ctr">
-              <a:buNone/>
-              <a:defRPr>
-                <a:solidFill>
-                  <a:schemeClr val="tx1">
-                    <a:tint val="75000"/>
-                  </a:schemeClr>
-                </a:solidFill>
+            <a:lvl1pPr marL="0" indent="0" algn="ctr" defTabSz="914400" rtl="0" eaLnBrk="1" latinLnBrk="0" hangingPunct="1">
+              <a:lnSpc>
+                <a:spcPct val="100000"/>
+              </a:lnSpc>
+              <a:spcBef>
+                <a:spcPts val="300"/>
+              </a:spcBef>
+              <a:buFont typeface="Wingdings 2" pitchFamily="18" charset="2"/>
+              <a:buNone/>
+              <a:defRPr sz="1800" kern="1200">
+                <a:gradFill>
+                  <a:gsLst>
+                    <a:gs pos="0">
+                      <a:schemeClr val="tx1">
+                        <a:lumMod val="85000"/>
+                      </a:schemeClr>
+                    </a:gs>
+                    <a:gs pos="100000">
+                      <a:schemeClr val="tx1"/>
+                    </a:gs>
+                  </a:gsLst>
+                  <a:lin ang="16200000" scaled="1"/>
+                </a:gradFill>
+                <a:latin typeface="Gill Sans Light"/>
+                <a:ea typeface="+mn-ea"/>
+                <a:cs typeface="+mn-cs"/>
               </a:defRPr>
             </a:lvl1pPr>
             <a:lvl2pPr marL="457200" indent="0" algn="ctr">
@@ -819,10 +900,10 @@
           </a:lstStyle>
           <a:p>
             <a:r>
-              <a:rPr lang="en-US" smtClean="0"/>
+              <a:rPr lang="en-US" dirty="0" smtClean="0"/>
               <a:t>Click to edit Master subtitle style</a:t>
             </a:r>
-            <a:endParaRPr lang="en-US"/>
+            <a:endParaRPr dirty="0"/>
           </a:p>
         </p:txBody>
       </p:sp>
@@ -844,7 +925,7 @@
             <a:fld id="{581A7F65-9957-7141-9336-4964FBAA3047}" type="datetimeFigureOut">
               <a:rPr lang="en-US" smtClean="0"/>
               <a:pPr/>
-              <a:t>2/18/13</a:t>
+              <a:t>2/19/13</a:t>
             </a:fld>
             <a:endParaRPr lang="en-US"/>
           </a:p>
@@ -884,12 +965,17 @@
           <a:bodyPr/>
           <a:lstStyle/>
           <a:p>
-            <a:fld id="{E69D8ABB-42A2-A84C-9A81-214E4CF873D6}" type="slidenum">
-              <a:rPr lang="en-US" smtClean="0"/>
-              <a:pPr/>
+            <a:pPr algn="r" eaLnBrk="1" latinLnBrk="0" hangingPunct="1"/>
+            <a:fld id="{96652B35-718D-4E28-AFEB-B694A3B357E8}" type="slidenum">
+              <a:rPr kumimoji="0" lang="en-US" smtClean="0"/>
+              <a:pPr algn="r" eaLnBrk="1" latinLnBrk="0" hangingPunct="1"/>
               <a:t>‹#›</a:t>
             </a:fld>
-            <a:endParaRPr lang="en-US"/>
+            <a:endParaRPr kumimoji="0" lang="en-US" sz="1800" dirty="0">
+              <a:solidFill>
+                <a:schemeClr val="bg1"/>
+              </a:solidFill>
+            </a:endParaRPr>
           </a:p>
         </p:txBody>
       </p:sp>
@@ -902,6 +988,1707 @@
 </file>
 
 <file path=ppt/slideLayouts/slideLayout10.xml><?xml version="1.0" encoding="utf-8"?>
+<p:sldLayout xmlns:a="http://schemas.openxmlformats.org/drawingml/2006/main" xmlns:r="http://schemas.openxmlformats.org/officeDocument/2006/relationships" xmlns:mc="http://schemas.openxmlformats.org/markup-compatibility/2006" xmlns:mv="urn:schemas-microsoft-com:mac:vml" xmlns:p="http://schemas.openxmlformats.org/presentationml/2006/main" mc:Ignorable="mv" mc:PreserveAttributes="mv:*" type="picTx" preserve="1">
+  <p:cSld name="Picture with Caption">
+    <p:spTree>
+      <p:nvGrpSpPr>
+        <p:cNvPr id="1" name=""/>
+        <p:cNvGrpSpPr/>
+        <p:nvPr/>
+      </p:nvGrpSpPr>
+      <p:grpSpPr>
+        <a:xfrm>
+          <a:off x="0" y="0"/>
+          <a:ext cx="0" cy="0"/>
+          <a:chOff x="0" y="0"/>
+          <a:chExt cx="0" cy="0"/>
+        </a:xfrm>
+      </p:grpSpPr>
+      <p:sp>
+        <p:nvSpPr>
+          <p:cNvPr id="2" name="Title 1"/>
+          <p:cNvSpPr>
+            <a:spLocks noGrp="1"/>
+          </p:cNvSpPr>
+          <p:nvPr>
+            <p:ph type="title"/>
+          </p:nvPr>
+        </p:nvSpPr>
+        <p:spPr>
+          <a:xfrm>
+            <a:off x="4562856" y="1600200"/>
+            <a:ext cx="3931920" cy="566738"/>
+          </a:xfrm>
+        </p:spPr>
+        <p:txBody>
+          <a:bodyPr vert="horz" lIns="91440" tIns="45720" rIns="91440" bIns="45720" rtlCol="0" anchor="b" anchorCtr="0">
+            <a:normAutofit/>
+          </a:bodyPr>
+          <a:lstStyle>
+            <a:lvl1pPr algn="l" defTabSz="914400" rtl="0" eaLnBrk="1" latinLnBrk="0" hangingPunct="1">
+              <a:spcBef>
+                <a:spcPct val="0"/>
+              </a:spcBef>
+              <a:buNone/>
+              <a:defRPr sz="2400" b="0" kern="1200">
+                <a:solidFill>
+                  <a:schemeClr val="tx1"/>
+                </a:solidFill>
+                <a:latin typeface="Gill Sans Light"/>
+                <a:ea typeface="+mj-ea"/>
+                <a:cs typeface="+mj-cs"/>
+              </a:defRPr>
+            </a:lvl1pPr>
+          </a:lstStyle>
+          <a:p>
+            <a:r>
+              <a:rPr lang="en-US" dirty="0" smtClean="0"/>
+              <a:t>Click to edit Master title style</a:t>
+            </a:r>
+            <a:endParaRPr dirty="0"/>
+          </a:p>
+        </p:txBody>
+      </p:sp>
+      <p:sp>
+        <p:nvSpPr>
+          <p:cNvPr id="3" name="Picture Placeholder 2"/>
+          <p:cNvSpPr>
+            <a:spLocks noGrp="1"/>
+          </p:cNvSpPr>
+          <p:nvPr>
+            <p:ph type="pic" idx="1"/>
+          </p:nvPr>
+        </p:nvSpPr>
+        <p:spPr>
+          <a:xfrm>
+            <a:off x="621792" y="457200"/>
+            <a:ext cx="3474720" cy="5102352"/>
+          </a:xfrm>
+          <a:noFill/>
+          <a:ln w="44450">
+            <a:solidFill>
+              <a:schemeClr val="bg1"/>
+            </a:solidFill>
+            <a:miter lim="800000"/>
+          </a:ln>
+        </p:spPr>
+        <p:style>
+          <a:lnRef idx="1">
+            <a:schemeClr val="dk1"/>
+          </a:lnRef>
+          <a:fillRef idx="3">
+            <a:schemeClr val="dk1"/>
+          </a:fillRef>
+          <a:effectRef idx="2">
+            <a:schemeClr val="dk1"/>
+          </a:effectRef>
+          <a:fontRef idx="none"/>
+        </p:style>
+        <p:txBody>
+          <a:bodyPr vert="horz" lIns="91440" tIns="45720" rIns="91440" bIns="45720" rtlCol="0">
+            <a:normAutofit/>
+          </a:bodyPr>
+          <a:lstStyle>
+            <a:lvl1pPr marL="349250" indent="-349250" algn="l" defTabSz="914400" rtl="0" eaLnBrk="1" latinLnBrk="0" hangingPunct="1">
+              <a:spcBef>
+                <a:spcPts val="2000"/>
+              </a:spcBef>
+              <a:buFont typeface="Wingdings 2" pitchFamily="18" charset="2"/>
+              <a:buNone/>
+              <a:defRPr sz="2000" kern="1200">
+                <a:solidFill>
+                  <a:schemeClr val="tx1"/>
+                </a:solidFill>
+                <a:latin typeface="Gill Sans Light"/>
+                <a:ea typeface="+mn-ea"/>
+                <a:cs typeface="+mn-cs"/>
+              </a:defRPr>
+            </a:lvl1pPr>
+            <a:lvl2pPr marL="457200" indent="0">
+              <a:buNone/>
+              <a:defRPr sz="2800"/>
+            </a:lvl2pPr>
+            <a:lvl3pPr marL="914400" indent="0">
+              <a:buNone/>
+              <a:defRPr sz="2400"/>
+            </a:lvl3pPr>
+            <a:lvl4pPr marL="1371600" indent="0">
+              <a:buNone/>
+              <a:defRPr sz="2000"/>
+            </a:lvl4pPr>
+            <a:lvl5pPr marL="1828800" indent="0">
+              <a:buNone/>
+              <a:defRPr sz="2000"/>
+            </a:lvl5pPr>
+            <a:lvl6pPr marL="2286000" indent="0">
+              <a:buNone/>
+              <a:defRPr sz="2000"/>
+            </a:lvl6pPr>
+            <a:lvl7pPr marL="2743200" indent="0">
+              <a:buNone/>
+              <a:defRPr sz="2000"/>
+            </a:lvl7pPr>
+            <a:lvl8pPr marL="3200400" indent="0">
+              <a:buNone/>
+              <a:defRPr sz="2000"/>
+            </a:lvl8pPr>
+            <a:lvl9pPr marL="3657600" indent="0">
+              <a:buNone/>
+              <a:defRPr sz="2000"/>
+            </a:lvl9pPr>
+          </a:lstStyle>
+          <a:p>
+            <a:r>
+              <a:rPr lang="en-US" dirty="0" smtClean="0"/>
+              <a:t>Click icon to add picture</a:t>
+            </a:r>
+            <a:endParaRPr dirty="0"/>
+          </a:p>
+        </p:txBody>
+      </p:sp>
+      <p:sp>
+        <p:nvSpPr>
+          <p:cNvPr id="4" name="Text Placeholder 3"/>
+          <p:cNvSpPr>
+            <a:spLocks noGrp="1"/>
+          </p:cNvSpPr>
+          <p:nvPr>
+            <p:ph type="body" sz="half" idx="2"/>
+          </p:nvPr>
+        </p:nvSpPr>
+        <p:spPr>
+          <a:xfrm>
+            <a:off x="4562856" y="2240280"/>
+            <a:ext cx="3931920" cy="2103120"/>
+          </a:xfrm>
+        </p:spPr>
+        <p:txBody>
+          <a:bodyPr vert="horz" lIns="91440" tIns="45720" rIns="91440" bIns="45720" rtlCol="0">
+            <a:normAutofit/>
+          </a:bodyPr>
+          <a:lstStyle>
+            <a:lvl1pPr marL="0" indent="0">
+              <a:buNone/>
+              <a:defRPr sz="1400" b="0" kern="1200">
+                <a:solidFill>
+                  <a:schemeClr val="tx1"/>
+                </a:solidFill>
+                <a:latin typeface="Gill Sans Light"/>
+                <a:ea typeface="+mn-ea"/>
+                <a:cs typeface="+mn-cs"/>
+              </a:defRPr>
+            </a:lvl1pPr>
+            <a:lvl2pPr marL="457200" indent="0">
+              <a:buNone/>
+              <a:defRPr sz="1200"/>
+            </a:lvl2pPr>
+            <a:lvl3pPr marL="914400" indent="0">
+              <a:buNone/>
+              <a:defRPr sz="1000"/>
+            </a:lvl3pPr>
+            <a:lvl4pPr marL="1371600" indent="0">
+              <a:buNone/>
+              <a:defRPr sz="900"/>
+            </a:lvl4pPr>
+            <a:lvl5pPr marL="1828800" indent="0">
+              <a:buNone/>
+              <a:defRPr sz="900"/>
+            </a:lvl5pPr>
+            <a:lvl6pPr marL="2286000" indent="0">
+              <a:buNone/>
+              <a:defRPr sz="900"/>
+            </a:lvl6pPr>
+            <a:lvl7pPr marL="2743200" indent="0">
+              <a:buNone/>
+              <a:defRPr sz="900"/>
+            </a:lvl7pPr>
+            <a:lvl8pPr marL="3200400" indent="0">
+              <a:buNone/>
+              <a:defRPr sz="900"/>
+            </a:lvl8pPr>
+            <a:lvl9pPr marL="3657600" indent="0">
+              <a:buNone/>
+              <a:defRPr sz="900"/>
+            </a:lvl9pPr>
+          </a:lstStyle>
+          <a:p>
+            <a:pPr marL="0" lvl="0" indent="0" algn="l" defTabSz="914400" rtl="0" eaLnBrk="1" latinLnBrk="0" hangingPunct="1">
+              <a:spcBef>
+                <a:spcPts val="2000"/>
+              </a:spcBef>
+              <a:buFont typeface="Wingdings 2" pitchFamily="18" charset="2"/>
+              <a:buNone/>
+            </a:pPr>
+            <a:r>
+              <a:rPr lang="en-US" dirty="0" smtClean="0"/>
+              <a:t>Click to edit Master text styles</a:t>
+            </a:r>
+          </a:p>
+        </p:txBody>
+      </p:sp>
+      <p:sp>
+        <p:nvSpPr>
+          <p:cNvPr id="5" name="Date Placeholder 4"/>
+          <p:cNvSpPr>
+            <a:spLocks noGrp="1"/>
+          </p:cNvSpPr>
+          <p:nvPr>
+            <p:ph type="dt" sz="half" idx="10"/>
+          </p:nvPr>
+        </p:nvSpPr>
+        <p:spPr/>
+        <p:txBody>
+          <a:bodyPr/>
+          <a:lstStyle/>
+          <a:p>
+            <a:fld id="{581A7F65-9957-7141-9336-4964FBAA3047}" type="datetimeFigureOut">
+              <a:rPr lang="en-US" smtClean="0"/>
+              <a:pPr/>
+              <a:t>2/19/13</a:t>
+            </a:fld>
+            <a:endParaRPr lang="en-US"/>
+          </a:p>
+        </p:txBody>
+      </p:sp>
+      <p:sp>
+        <p:nvSpPr>
+          <p:cNvPr id="6" name="Footer Placeholder 5"/>
+          <p:cNvSpPr>
+            <a:spLocks noGrp="1"/>
+          </p:cNvSpPr>
+          <p:nvPr>
+            <p:ph type="ftr" sz="quarter" idx="11"/>
+          </p:nvPr>
+        </p:nvSpPr>
+        <p:spPr/>
+        <p:txBody>
+          <a:bodyPr/>
+          <a:lstStyle/>
+          <a:p>
+            <a:endParaRPr lang="en-US"/>
+          </a:p>
+        </p:txBody>
+      </p:sp>
+      <p:sp>
+        <p:nvSpPr>
+          <p:cNvPr id="7" name="Slide Number Placeholder 6"/>
+          <p:cNvSpPr>
+            <a:spLocks noGrp="1"/>
+          </p:cNvSpPr>
+          <p:nvPr>
+            <p:ph type="sldNum" sz="quarter" idx="12"/>
+          </p:nvPr>
+        </p:nvSpPr>
+        <p:spPr/>
+        <p:txBody>
+          <a:bodyPr/>
+          <a:lstStyle/>
+          <a:p>
+            <a:fld id="{E69D8ABB-42A2-A84C-9A81-214E4CF873D6}" type="slidenum">
+              <a:rPr lang="en-US" smtClean="0"/>
+              <a:pPr/>
+              <a:t>‹#›</a:t>
+            </a:fld>
+            <a:endParaRPr lang="en-US"/>
+          </a:p>
+        </p:txBody>
+      </p:sp>
+      <p:sp>
+        <p:nvSpPr>
+          <p:cNvPr id="8" name="Freeform 7"/>
+          <p:cNvSpPr/>
+          <p:nvPr/>
+        </p:nvSpPr>
+        <p:spPr>
+          <a:xfrm>
+            <a:off x="280416" y="258580"/>
+            <a:ext cx="8558784" cy="0"/>
+          </a:xfrm>
+          <a:custGeom>
+            <a:avLst/>
+            <a:gdLst>
+              <a:gd name="connsiteX0" fmla="*/ 0 w 8592671"/>
+              <a:gd name="connsiteY0" fmla="*/ 0 h 0"/>
+              <a:gd name="connsiteX1" fmla="*/ 8592671 w 8592671"/>
+              <a:gd name="connsiteY1" fmla="*/ 0 h 0"/>
+            </a:gdLst>
+            <a:ahLst/>
+            <a:cxnLst>
+              <a:cxn ang="0">
+                <a:pos x="connsiteX0" y="connsiteY0"/>
+              </a:cxn>
+              <a:cxn ang="0">
+                <a:pos x="connsiteX1" y="connsiteY1"/>
+              </a:cxn>
+            </a:cxnLst>
+            <a:rect l="l" t="t" r="r" b="b"/>
+            <a:pathLst>
+              <a:path w="8592671">
+                <a:moveTo>
+                  <a:pt x="0" y="0"/>
+                </a:moveTo>
+                <a:lnTo>
+                  <a:pt x="8592671" y="0"/>
+                </a:lnTo>
+              </a:path>
+            </a:pathLst>
+          </a:custGeom>
+          <a:ln w="3175">
+            <a:solidFill>
+              <a:schemeClr val="tx1">
+                <a:lumMod val="75000"/>
+              </a:schemeClr>
+            </a:solidFill>
+          </a:ln>
+        </p:spPr>
+        <p:style>
+          <a:lnRef idx="1">
+            <a:schemeClr val="accent1"/>
+          </a:lnRef>
+          <a:fillRef idx="0">
+            <a:schemeClr val="accent1"/>
+          </a:fillRef>
+          <a:effectRef idx="0">
+            <a:schemeClr val="accent1"/>
+          </a:effectRef>
+          <a:fontRef idx="minor">
+            <a:schemeClr val="tx1"/>
+          </a:fontRef>
+        </p:style>
+        <p:txBody>
+          <a:bodyPr rtlCol="0" anchor="ctr"/>
+          <a:lstStyle/>
+          <a:p>
+            <a:pPr algn="ctr"/>
+            <a:endParaRPr dirty="0">
+              <a:latin typeface="Gill Sans Light"/>
+            </a:endParaRPr>
+          </a:p>
+        </p:txBody>
+      </p:sp>
+      <p:sp>
+        <p:nvSpPr>
+          <p:cNvPr id="9" name="Freeform 8"/>
+          <p:cNvSpPr/>
+          <p:nvPr/>
+        </p:nvSpPr>
+        <p:spPr>
+          <a:xfrm>
+            <a:off x="280416" y="6399213"/>
+            <a:ext cx="8558784" cy="0"/>
+          </a:xfrm>
+          <a:custGeom>
+            <a:avLst/>
+            <a:gdLst>
+              <a:gd name="connsiteX0" fmla="*/ 0 w 8592671"/>
+              <a:gd name="connsiteY0" fmla="*/ 0 h 0"/>
+              <a:gd name="connsiteX1" fmla="*/ 8592671 w 8592671"/>
+              <a:gd name="connsiteY1" fmla="*/ 0 h 0"/>
+            </a:gdLst>
+            <a:ahLst/>
+            <a:cxnLst>
+              <a:cxn ang="0">
+                <a:pos x="connsiteX0" y="connsiteY0"/>
+              </a:cxn>
+              <a:cxn ang="0">
+                <a:pos x="connsiteX1" y="connsiteY1"/>
+              </a:cxn>
+            </a:cxnLst>
+            <a:rect l="l" t="t" r="r" b="b"/>
+            <a:pathLst>
+              <a:path w="8592671">
+                <a:moveTo>
+                  <a:pt x="0" y="0"/>
+                </a:moveTo>
+                <a:lnTo>
+                  <a:pt x="8592671" y="0"/>
+                </a:lnTo>
+              </a:path>
+            </a:pathLst>
+          </a:custGeom>
+          <a:ln w="3175">
+            <a:solidFill>
+              <a:schemeClr val="tx1">
+                <a:lumMod val="75000"/>
+              </a:schemeClr>
+            </a:solidFill>
+          </a:ln>
+        </p:spPr>
+        <p:style>
+          <a:lnRef idx="1">
+            <a:schemeClr val="accent1"/>
+          </a:lnRef>
+          <a:fillRef idx="0">
+            <a:schemeClr val="accent1"/>
+          </a:fillRef>
+          <a:effectRef idx="0">
+            <a:schemeClr val="accent1"/>
+          </a:effectRef>
+          <a:fontRef idx="minor">
+            <a:schemeClr val="tx1"/>
+          </a:fontRef>
+        </p:style>
+        <p:txBody>
+          <a:bodyPr rtlCol="0" anchor="ctr"/>
+          <a:lstStyle/>
+          <a:p>
+            <a:pPr algn="ctr"/>
+            <a:endParaRPr dirty="0">
+              <a:latin typeface="Gill Sans Light"/>
+            </a:endParaRPr>
+          </a:p>
+        </p:txBody>
+      </p:sp>
+    </p:spTree>
+  </p:cSld>
+  <p:clrMapOvr>
+    <a:masterClrMapping/>
+  </p:clrMapOvr>
+</p:sldLayout>
+</file>
+
+<file path=ppt/slideLayouts/slideLayout11.xml><?xml version="1.0" encoding="utf-8"?>
+<p:sldLayout xmlns:a="http://schemas.openxmlformats.org/drawingml/2006/main" xmlns:r="http://schemas.openxmlformats.org/officeDocument/2006/relationships" xmlns:mc="http://schemas.openxmlformats.org/markup-compatibility/2006" xmlns:mv="urn:schemas-microsoft-com:mac:vml" xmlns:p="http://schemas.openxmlformats.org/presentationml/2006/main" mc:Ignorable="mv" mc:PreserveAttributes="mv:*" type="picTx" preserve="1">
+  <p:cSld name="Picture above Caption">
+    <p:spTree>
+      <p:nvGrpSpPr>
+        <p:cNvPr id="1" name=""/>
+        <p:cNvGrpSpPr/>
+        <p:nvPr/>
+      </p:nvGrpSpPr>
+      <p:grpSpPr>
+        <a:xfrm>
+          <a:off x="0" y="0"/>
+          <a:ext cx="0" cy="0"/>
+          <a:chOff x="0" y="0"/>
+          <a:chExt cx="0" cy="0"/>
+        </a:xfrm>
+      </p:grpSpPr>
+      <p:sp>
+        <p:nvSpPr>
+          <p:cNvPr id="3" name="Picture Placeholder 2"/>
+          <p:cNvSpPr>
+            <a:spLocks noGrp="1"/>
+          </p:cNvSpPr>
+          <p:nvPr>
+            <p:ph type="pic" idx="1"/>
+          </p:nvPr>
+        </p:nvSpPr>
+        <p:spPr>
+          <a:xfrm>
+            <a:off x="282575" y="458788"/>
+            <a:ext cx="8577263" cy="3884612"/>
+          </a:xfrm>
+          <a:noFill/>
+          <a:ln w="44450">
+            <a:solidFill>
+              <a:schemeClr val="bg1"/>
+            </a:solidFill>
+            <a:miter lim="800000"/>
+          </a:ln>
+        </p:spPr>
+        <p:style>
+          <a:lnRef idx="1">
+            <a:schemeClr val="dk1"/>
+          </a:lnRef>
+          <a:fillRef idx="3">
+            <a:schemeClr val="dk1"/>
+          </a:fillRef>
+          <a:effectRef idx="2">
+            <a:schemeClr val="dk1"/>
+          </a:effectRef>
+          <a:fontRef idx="none"/>
+        </p:style>
+        <p:txBody>
+          <a:bodyPr vert="horz" lIns="91440" tIns="45720" rIns="91440" bIns="45720" rtlCol="0">
+            <a:normAutofit/>
+          </a:bodyPr>
+          <a:lstStyle>
+            <a:lvl1pPr marL="349250" indent="-349250" algn="l" defTabSz="914400" rtl="0" eaLnBrk="1" latinLnBrk="0" hangingPunct="1">
+              <a:spcBef>
+                <a:spcPts val="2000"/>
+              </a:spcBef>
+              <a:buFont typeface="Wingdings 2" pitchFamily="18" charset="2"/>
+              <a:buNone/>
+              <a:defRPr sz="2000" kern="1200">
+                <a:solidFill>
+                  <a:schemeClr val="tx1"/>
+                </a:solidFill>
+                <a:latin typeface="Gill Sans Light"/>
+                <a:ea typeface="+mn-ea"/>
+                <a:cs typeface="+mn-cs"/>
+              </a:defRPr>
+            </a:lvl1pPr>
+            <a:lvl2pPr marL="457200" indent="0">
+              <a:buNone/>
+              <a:defRPr sz="2800"/>
+            </a:lvl2pPr>
+            <a:lvl3pPr marL="914400" indent="0">
+              <a:buNone/>
+              <a:defRPr sz="2400"/>
+            </a:lvl3pPr>
+            <a:lvl4pPr marL="1371600" indent="0">
+              <a:buNone/>
+              <a:defRPr sz="2000"/>
+            </a:lvl4pPr>
+            <a:lvl5pPr marL="1828800" indent="0">
+              <a:buNone/>
+              <a:defRPr sz="2000"/>
+            </a:lvl5pPr>
+            <a:lvl6pPr marL="2286000" indent="0">
+              <a:buNone/>
+              <a:defRPr sz="2000"/>
+            </a:lvl6pPr>
+            <a:lvl7pPr marL="2743200" indent="0">
+              <a:buNone/>
+              <a:defRPr sz="2000"/>
+            </a:lvl7pPr>
+            <a:lvl8pPr marL="3200400" indent="0">
+              <a:buNone/>
+              <a:defRPr sz="2000"/>
+            </a:lvl8pPr>
+            <a:lvl9pPr marL="3657600" indent="0">
+              <a:buNone/>
+              <a:defRPr sz="2000"/>
+            </a:lvl9pPr>
+          </a:lstStyle>
+          <a:p>
+            <a:r>
+              <a:rPr lang="en-US" dirty="0" smtClean="0"/>
+              <a:t>Click icon to add picture</a:t>
+            </a:r>
+            <a:endParaRPr dirty="0"/>
+          </a:p>
+        </p:txBody>
+      </p:sp>
+      <p:sp>
+        <p:nvSpPr>
+          <p:cNvPr id="2" name="Title 1"/>
+          <p:cNvSpPr>
+            <a:spLocks noGrp="1"/>
+          </p:cNvSpPr>
+          <p:nvPr>
+            <p:ph type="title"/>
+          </p:nvPr>
+        </p:nvSpPr>
+        <p:spPr>
+          <a:xfrm>
+            <a:off x="282575" y="4920520"/>
+            <a:ext cx="3931920" cy="1353312"/>
+          </a:xfrm>
+        </p:spPr>
+        <p:txBody>
+          <a:bodyPr anchor="t" anchorCtr="0">
+            <a:normAutofit/>
+          </a:bodyPr>
+          <a:lstStyle>
+            <a:lvl1pPr algn="l">
+              <a:defRPr sz="2400" b="0"/>
+            </a:lvl1pPr>
+          </a:lstStyle>
+          <a:p>
+            <a:r>
+              <a:rPr lang="en-US" smtClean="0"/>
+              <a:t>Click to edit Master title style</a:t>
+            </a:r>
+            <a:endParaRPr/>
+          </a:p>
+        </p:txBody>
+      </p:sp>
+      <p:sp>
+        <p:nvSpPr>
+          <p:cNvPr id="5" name="Date Placeholder 4"/>
+          <p:cNvSpPr>
+            <a:spLocks noGrp="1"/>
+          </p:cNvSpPr>
+          <p:nvPr>
+            <p:ph type="dt" sz="half" idx="10"/>
+          </p:nvPr>
+        </p:nvSpPr>
+        <p:spPr/>
+        <p:txBody>
+          <a:bodyPr/>
+          <a:lstStyle/>
+          <a:p>
+            <a:fld id="{581A7F65-9957-7141-9336-4964FBAA3047}" type="datetimeFigureOut">
+              <a:rPr lang="en-US" smtClean="0"/>
+              <a:pPr/>
+              <a:t>2/19/13</a:t>
+            </a:fld>
+            <a:endParaRPr lang="en-US" dirty="0"/>
+          </a:p>
+        </p:txBody>
+      </p:sp>
+      <p:sp>
+        <p:nvSpPr>
+          <p:cNvPr id="6" name="Footer Placeholder 5"/>
+          <p:cNvSpPr>
+            <a:spLocks noGrp="1"/>
+          </p:cNvSpPr>
+          <p:nvPr>
+            <p:ph type="ftr" sz="quarter" idx="11"/>
+          </p:nvPr>
+        </p:nvSpPr>
+        <p:spPr/>
+        <p:txBody>
+          <a:bodyPr/>
+          <a:lstStyle/>
+          <a:p>
+            <a:endParaRPr lang="en-US" dirty="0"/>
+          </a:p>
+        </p:txBody>
+      </p:sp>
+      <p:sp>
+        <p:nvSpPr>
+          <p:cNvPr id="7" name="Slide Number Placeholder 6"/>
+          <p:cNvSpPr>
+            <a:spLocks noGrp="1"/>
+          </p:cNvSpPr>
+          <p:nvPr>
+            <p:ph type="sldNum" sz="quarter" idx="12"/>
+          </p:nvPr>
+        </p:nvSpPr>
+        <p:spPr/>
+        <p:txBody>
+          <a:bodyPr/>
+          <a:lstStyle/>
+          <a:p>
+            <a:fld id="{E69D8ABB-42A2-A84C-9A81-214E4CF873D6}" type="slidenum">
+              <a:rPr lang="en-US" smtClean="0"/>
+              <a:pPr/>
+              <a:t>‹#›</a:t>
+            </a:fld>
+            <a:endParaRPr lang="en-US" dirty="0"/>
+          </a:p>
+        </p:txBody>
+      </p:sp>
+      <p:sp>
+        <p:nvSpPr>
+          <p:cNvPr id="8" name="Text Placeholder 3"/>
+          <p:cNvSpPr>
+            <a:spLocks noGrp="1"/>
+          </p:cNvSpPr>
+          <p:nvPr>
+            <p:ph type="body" sz="half" idx="13"/>
+          </p:nvPr>
+        </p:nvSpPr>
+        <p:spPr>
+          <a:xfrm>
+            <a:off x="4927918" y="4899025"/>
+            <a:ext cx="3931920" cy="1352458"/>
+          </a:xfrm>
+        </p:spPr>
+        <p:txBody>
+          <a:bodyPr>
+            <a:normAutofit/>
+          </a:bodyPr>
+          <a:lstStyle>
+            <a:lvl1pPr marL="0" indent="0" algn="l">
+              <a:lnSpc>
+                <a:spcPct val="110000"/>
+              </a:lnSpc>
+              <a:spcBef>
+                <a:spcPts val="300"/>
+              </a:spcBef>
+              <a:buNone/>
+              <a:defRPr sz="1200" b="0"/>
+            </a:lvl1pPr>
+            <a:lvl2pPr marL="457200" indent="0">
+              <a:buNone/>
+              <a:defRPr sz="1200"/>
+            </a:lvl2pPr>
+            <a:lvl3pPr marL="914400" indent="0">
+              <a:buNone/>
+              <a:defRPr sz="1000"/>
+            </a:lvl3pPr>
+            <a:lvl4pPr marL="1371600" indent="0">
+              <a:buNone/>
+              <a:defRPr sz="900"/>
+            </a:lvl4pPr>
+            <a:lvl5pPr marL="1828800" indent="0">
+              <a:buNone/>
+              <a:defRPr sz="900"/>
+            </a:lvl5pPr>
+            <a:lvl6pPr marL="2286000" indent="0">
+              <a:buNone/>
+              <a:defRPr sz="900"/>
+            </a:lvl6pPr>
+            <a:lvl7pPr marL="2743200" indent="0">
+              <a:buNone/>
+              <a:defRPr sz="900"/>
+            </a:lvl7pPr>
+            <a:lvl8pPr marL="3200400" indent="0">
+              <a:buNone/>
+              <a:defRPr sz="900"/>
+            </a:lvl8pPr>
+            <a:lvl9pPr marL="3657600" indent="0">
+              <a:buNone/>
+              <a:defRPr sz="900"/>
+            </a:lvl9pPr>
+          </a:lstStyle>
+          <a:p>
+            <a:pPr lvl="0"/>
+            <a:r>
+              <a:rPr lang="en-US" smtClean="0"/>
+              <a:t>Click to edit Master text styles</a:t>
+            </a:r>
+          </a:p>
+        </p:txBody>
+      </p:sp>
+      <p:sp>
+        <p:nvSpPr>
+          <p:cNvPr id="10" name="Freeform 9"/>
+          <p:cNvSpPr/>
+          <p:nvPr/>
+        </p:nvSpPr>
+        <p:spPr>
+          <a:xfrm>
+            <a:off x="280416" y="6399213"/>
+            <a:ext cx="8558784" cy="0"/>
+          </a:xfrm>
+          <a:custGeom>
+            <a:avLst/>
+            <a:gdLst>
+              <a:gd name="connsiteX0" fmla="*/ 0 w 8592671"/>
+              <a:gd name="connsiteY0" fmla="*/ 0 h 0"/>
+              <a:gd name="connsiteX1" fmla="*/ 8592671 w 8592671"/>
+              <a:gd name="connsiteY1" fmla="*/ 0 h 0"/>
+            </a:gdLst>
+            <a:ahLst/>
+            <a:cxnLst>
+              <a:cxn ang="0">
+                <a:pos x="connsiteX0" y="connsiteY0"/>
+              </a:cxn>
+              <a:cxn ang="0">
+                <a:pos x="connsiteX1" y="connsiteY1"/>
+              </a:cxn>
+            </a:cxnLst>
+            <a:rect l="l" t="t" r="r" b="b"/>
+            <a:pathLst>
+              <a:path w="8592671">
+                <a:moveTo>
+                  <a:pt x="0" y="0"/>
+                </a:moveTo>
+                <a:lnTo>
+                  <a:pt x="8592671" y="0"/>
+                </a:lnTo>
+              </a:path>
+            </a:pathLst>
+          </a:custGeom>
+          <a:ln w="3175">
+            <a:solidFill>
+              <a:schemeClr val="tx1">
+                <a:lumMod val="75000"/>
+              </a:schemeClr>
+            </a:solidFill>
+          </a:ln>
+        </p:spPr>
+        <p:style>
+          <a:lnRef idx="1">
+            <a:schemeClr val="accent1"/>
+          </a:lnRef>
+          <a:fillRef idx="0">
+            <a:schemeClr val="accent1"/>
+          </a:fillRef>
+          <a:effectRef idx="0">
+            <a:schemeClr val="accent1"/>
+          </a:effectRef>
+          <a:fontRef idx="minor">
+            <a:schemeClr val="tx1"/>
+          </a:fontRef>
+        </p:style>
+        <p:txBody>
+          <a:bodyPr rtlCol="0" anchor="ctr"/>
+          <a:lstStyle/>
+          <a:p>
+            <a:pPr algn="ctr"/>
+            <a:endParaRPr dirty="0">
+              <a:latin typeface="Gill Sans Light"/>
+            </a:endParaRPr>
+          </a:p>
+        </p:txBody>
+      </p:sp>
+    </p:spTree>
+  </p:cSld>
+  <p:clrMapOvr>
+    <a:masterClrMapping/>
+  </p:clrMapOvr>
+</p:sldLayout>
+</file>
+
+<file path=ppt/slideLayouts/slideLayout12.xml><?xml version="1.0" encoding="utf-8"?>
+<p:sldLayout xmlns:a="http://schemas.openxmlformats.org/drawingml/2006/main" xmlns:r="http://schemas.openxmlformats.org/officeDocument/2006/relationships" xmlns:mc="http://schemas.openxmlformats.org/markup-compatibility/2006" xmlns:mv="urn:schemas-microsoft-com:mac:vml" xmlns:p="http://schemas.openxmlformats.org/presentationml/2006/main" mc:Ignorable="mv" mc:PreserveAttributes="mv:*" type="picTx" preserve="1">
+  <p:cSld name="2 Pictures with Caption">
+    <p:spTree>
+      <p:nvGrpSpPr>
+        <p:cNvPr id="1" name=""/>
+        <p:cNvGrpSpPr/>
+        <p:nvPr/>
+      </p:nvGrpSpPr>
+      <p:grpSpPr>
+        <a:xfrm>
+          <a:off x="0" y="0"/>
+          <a:ext cx="0" cy="0"/>
+          <a:chOff x="0" y="0"/>
+          <a:chExt cx="0" cy="0"/>
+        </a:xfrm>
+      </p:grpSpPr>
+      <p:sp>
+        <p:nvSpPr>
+          <p:cNvPr id="11" name="Picture Placeholder 2"/>
+          <p:cNvSpPr>
+            <a:spLocks noGrp="1"/>
+          </p:cNvSpPr>
+          <p:nvPr>
+            <p:ph type="pic" idx="14"/>
+          </p:nvPr>
+        </p:nvSpPr>
+        <p:spPr>
+          <a:xfrm>
+            <a:off x="4745038" y="458788"/>
+            <a:ext cx="4114800" cy="3884612"/>
+          </a:xfrm>
+          <a:noFill/>
+          <a:ln w="44450">
+            <a:solidFill>
+              <a:schemeClr val="bg1"/>
+            </a:solidFill>
+            <a:miter lim="800000"/>
+          </a:ln>
+        </p:spPr>
+        <p:style>
+          <a:lnRef idx="1">
+            <a:schemeClr val="dk1"/>
+          </a:lnRef>
+          <a:fillRef idx="3">
+            <a:schemeClr val="dk1"/>
+          </a:fillRef>
+          <a:effectRef idx="2">
+            <a:schemeClr val="dk1"/>
+          </a:effectRef>
+          <a:fontRef idx="none"/>
+        </p:style>
+        <p:txBody>
+          <a:bodyPr vert="horz" lIns="91440" tIns="45720" rIns="91440" bIns="45720" rtlCol="0">
+            <a:normAutofit/>
+          </a:bodyPr>
+          <a:lstStyle>
+            <a:lvl1pPr marL="349250" indent="-349250" algn="l" defTabSz="914400" rtl="0" eaLnBrk="1" latinLnBrk="0" hangingPunct="1">
+              <a:spcBef>
+                <a:spcPts val="2000"/>
+              </a:spcBef>
+              <a:buFont typeface="Wingdings 2" pitchFamily="18" charset="2"/>
+              <a:buNone/>
+              <a:defRPr sz="2000" kern="1200">
+                <a:solidFill>
+                  <a:schemeClr val="tx1"/>
+                </a:solidFill>
+                <a:latin typeface="Gill Sans Light"/>
+                <a:ea typeface="+mn-ea"/>
+                <a:cs typeface="+mn-cs"/>
+              </a:defRPr>
+            </a:lvl1pPr>
+            <a:lvl2pPr marL="457200" indent="0">
+              <a:buNone/>
+              <a:defRPr sz="2800"/>
+            </a:lvl2pPr>
+            <a:lvl3pPr marL="914400" indent="0">
+              <a:buNone/>
+              <a:defRPr sz="2400"/>
+            </a:lvl3pPr>
+            <a:lvl4pPr marL="1371600" indent="0">
+              <a:buNone/>
+              <a:defRPr sz="2000"/>
+            </a:lvl4pPr>
+            <a:lvl5pPr marL="1828800" indent="0">
+              <a:buNone/>
+              <a:defRPr sz="2000"/>
+            </a:lvl5pPr>
+            <a:lvl6pPr marL="2286000" indent="0">
+              <a:buNone/>
+              <a:defRPr sz="2000"/>
+            </a:lvl6pPr>
+            <a:lvl7pPr marL="2743200" indent="0">
+              <a:buNone/>
+              <a:defRPr sz="2000"/>
+            </a:lvl7pPr>
+            <a:lvl8pPr marL="3200400" indent="0">
+              <a:buNone/>
+              <a:defRPr sz="2000"/>
+            </a:lvl8pPr>
+            <a:lvl9pPr marL="3657600" indent="0">
+              <a:buNone/>
+              <a:defRPr sz="2000"/>
+            </a:lvl9pPr>
+          </a:lstStyle>
+          <a:p>
+            <a:r>
+              <a:rPr lang="en-US" dirty="0" smtClean="0"/>
+              <a:t>Click icon to add picture</a:t>
+            </a:r>
+            <a:endParaRPr dirty="0"/>
+          </a:p>
+        </p:txBody>
+      </p:sp>
+      <p:sp>
+        <p:nvSpPr>
+          <p:cNvPr id="3" name="Picture Placeholder 2"/>
+          <p:cNvSpPr>
+            <a:spLocks noGrp="1"/>
+          </p:cNvSpPr>
+          <p:nvPr>
+            <p:ph type="pic" idx="1"/>
+          </p:nvPr>
+        </p:nvSpPr>
+        <p:spPr>
+          <a:xfrm>
+            <a:off x="282575" y="458788"/>
+            <a:ext cx="4114800" cy="3884612"/>
+          </a:xfrm>
+          <a:noFill/>
+          <a:ln w="44450">
+            <a:solidFill>
+              <a:schemeClr val="bg1"/>
+            </a:solidFill>
+            <a:miter lim="800000"/>
+          </a:ln>
+        </p:spPr>
+        <p:style>
+          <a:lnRef idx="1">
+            <a:schemeClr val="dk1"/>
+          </a:lnRef>
+          <a:fillRef idx="3">
+            <a:schemeClr val="dk1"/>
+          </a:fillRef>
+          <a:effectRef idx="2">
+            <a:schemeClr val="dk1"/>
+          </a:effectRef>
+          <a:fontRef idx="none"/>
+        </p:style>
+        <p:txBody>
+          <a:bodyPr vert="horz" lIns="91440" tIns="45720" rIns="91440" bIns="45720" rtlCol="0">
+            <a:normAutofit/>
+          </a:bodyPr>
+          <a:lstStyle>
+            <a:lvl1pPr marL="349250" indent="-349250" algn="l" defTabSz="914400" rtl="0" eaLnBrk="1" latinLnBrk="0" hangingPunct="1">
+              <a:spcBef>
+                <a:spcPts val="2000"/>
+              </a:spcBef>
+              <a:buFont typeface="Wingdings 2" pitchFamily="18" charset="2"/>
+              <a:buNone/>
+              <a:defRPr sz="2000" kern="1200">
+                <a:solidFill>
+                  <a:schemeClr val="tx1"/>
+                </a:solidFill>
+                <a:latin typeface="Gill Sans Light"/>
+                <a:ea typeface="+mn-ea"/>
+                <a:cs typeface="+mn-cs"/>
+              </a:defRPr>
+            </a:lvl1pPr>
+            <a:lvl2pPr marL="457200" indent="0">
+              <a:buNone/>
+              <a:defRPr sz="2800"/>
+            </a:lvl2pPr>
+            <a:lvl3pPr marL="914400" indent="0">
+              <a:buNone/>
+              <a:defRPr sz="2400"/>
+            </a:lvl3pPr>
+            <a:lvl4pPr marL="1371600" indent="0">
+              <a:buNone/>
+              <a:defRPr sz="2000"/>
+            </a:lvl4pPr>
+            <a:lvl5pPr marL="1828800" indent="0">
+              <a:buNone/>
+              <a:defRPr sz="2000"/>
+            </a:lvl5pPr>
+            <a:lvl6pPr marL="2286000" indent="0">
+              <a:buNone/>
+              <a:defRPr sz="2000"/>
+            </a:lvl6pPr>
+            <a:lvl7pPr marL="2743200" indent="0">
+              <a:buNone/>
+              <a:defRPr sz="2000"/>
+            </a:lvl7pPr>
+            <a:lvl8pPr marL="3200400" indent="0">
+              <a:buNone/>
+              <a:defRPr sz="2000"/>
+            </a:lvl8pPr>
+            <a:lvl9pPr marL="3657600" indent="0">
+              <a:buNone/>
+              <a:defRPr sz="2000"/>
+            </a:lvl9pPr>
+          </a:lstStyle>
+          <a:p>
+            <a:r>
+              <a:rPr lang="en-US" dirty="0" smtClean="0"/>
+              <a:t>Click icon to add picture</a:t>
+            </a:r>
+            <a:endParaRPr dirty="0"/>
+          </a:p>
+        </p:txBody>
+      </p:sp>
+      <p:sp>
+        <p:nvSpPr>
+          <p:cNvPr id="2" name="Title 1"/>
+          <p:cNvSpPr>
+            <a:spLocks noGrp="1"/>
+          </p:cNvSpPr>
+          <p:nvPr>
+            <p:ph type="title"/>
+          </p:nvPr>
+        </p:nvSpPr>
+        <p:spPr>
+          <a:xfrm>
+            <a:off x="282575" y="4920520"/>
+            <a:ext cx="3931920" cy="1353312"/>
+          </a:xfrm>
+        </p:spPr>
+        <p:txBody>
+          <a:bodyPr anchor="t" anchorCtr="0">
+            <a:normAutofit/>
+          </a:bodyPr>
+          <a:lstStyle>
+            <a:lvl1pPr algn="l">
+              <a:defRPr sz="2400" b="0"/>
+            </a:lvl1pPr>
+          </a:lstStyle>
+          <a:p>
+            <a:r>
+              <a:rPr lang="en-US" smtClean="0"/>
+              <a:t>Click to edit Master title style</a:t>
+            </a:r>
+            <a:endParaRPr/>
+          </a:p>
+        </p:txBody>
+      </p:sp>
+      <p:sp>
+        <p:nvSpPr>
+          <p:cNvPr id="5" name="Date Placeholder 4"/>
+          <p:cNvSpPr>
+            <a:spLocks noGrp="1"/>
+          </p:cNvSpPr>
+          <p:nvPr>
+            <p:ph type="dt" sz="half" idx="10"/>
+          </p:nvPr>
+        </p:nvSpPr>
+        <p:spPr/>
+        <p:txBody>
+          <a:bodyPr/>
+          <a:lstStyle/>
+          <a:p>
+            <a:fld id="{581A7F65-9957-7141-9336-4964FBAA3047}" type="datetimeFigureOut">
+              <a:rPr lang="en-US" smtClean="0"/>
+              <a:pPr/>
+              <a:t>2/19/13</a:t>
+            </a:fld>
+            <a:endParaRPr lang="en-US" dirty="0"/>
+          </a:p>
+        </p:txBody>
+      </p:sp>
+      <p:sp>
+        <p:nvSpPr>
+          <p:cNvPr id="6" name="Footer Placeholder 5"/>
+          <p:cNvSpPr>
+            <a:spLocks noGrp="1"/>
+          </p:cNvSpPr>
+          <p:nvPr>
+            <p:ph type="ftr" sz="quarter" idx="11"/>
+          </p:nvPr>
+        </p:nvSpPr>
+        <p:spPr/>
+        <p:txBody>
+          <a:bodyPr/>
+          <a:lstStyle/>
+          <a:p>
+            <a:endParaRPr lang="en-US" dirty="0"/>
+          </a:p>
+        </p:txBody>
+      </p:sp>
+      <p:sp>
+        <p:nvSpPr>
+          <p:cNvPr id="7" name="Slide Number Placeholder 6"/>
+          <p:cNvSpPr>
+            <a:spLocks noGrp="1"/>
+          </p:cNvSpPr>
+          <p:nvPr>
+            <p:ph type="sldNum" sz="quarter" idx="12"/>
+          </p:nvPr>
+        </p:nvSpPr>
+        <p:spPr/>
+        <p:txBody>
+          <a:bodyPr/>
+          <a:lstStyle/>
+          <a:p>
+            <a:fld id="{E69D8ABB-42A2-A84C-9A81-214E4CF873D6}" type="slidenum">
+              <a:rPr lang="en-US" smtClean="0"/>
+              <a:pPr/>
+              <a:t>‹#›</a:t>
+            </a:fld>
+            <a:endParaRPr lang="en-US" dirty="0"/>
+          </a:p>
+        </p:txBody>
+      </p:sp>
+      <p:sp>
+        <p:nvSpPr>
+          <p:cNvPr id="8" name="Text Placeholder 3"/>
+          <p:cNvSpPr>
+            <a:spLocks noGrp="1"/>
+          </p:cNvSpPr>
+          <p:nvPr>
+            <p:ph type="body" sz="half" idx="13"/>
+          </p:nvPr>
+        </p:nvSpPr>
+        <p:spPr>
+          <a:xfrm>
+            <a:off x="4927918" y="4899025"/>
+            <a:ext cx="3931920" cy="1352458"/>
+          </a:xfrm>
+        </p:spPr>
+        <p:txBody>
+          <a:bodyPr>
+            <a:normAutofit/>
+          </a:bodyPr>
+          <a:lstStyle>
+            <a:lvl1pPr marL="0" indent="0" algn="l">
+              <a:lnSpc>
+                <a:spcPct val="110000"/>
+              </a:lnSpc>
+              <a:spcBef>
+                <a:spcPts val="300"/>
+              </a:spcBef>
+              <a:buNone/>
+              <a:defRPr sz="1200" b="0"/>
+            </a:lvl1pPr>
+            <a:lvl2pPr marL="457200" indent="0">
+              <a:buNone/>
+              <a:defRPr sz="1200"/>
+            </a:lvl2pPr>
+            <a:lvl3pPr marL="914400" indent="0">
+              <a:buNone/>
+              <a:defRPr sz="1000"/>
+            </a:lvl3pPr>
+            <a:lvl4pPr marL="1371600" indent="0">
+              <a:buNone/>
+              <a:defRPr sz="900"/>
+            </a:lvl4pPr>
+            <a:lvl5pPr marL="1828800" indent="0">
+              <a:buNone/>
+              <a:defRPr sz="900"/>
+            </a:lvl5pPr>
+            <a:lvl6pPr marL="2286000" indent="0">
+              <a:buNone/>
+              <a:defRPr sz="900"/>
+            </a:lvl6pPr>
+            <a:lvl7pPr marL="2743200" indent="0">
+              <a:buNone/>
+              <a:defRPr sz="900"/>
+            </a:lvl7pPr>
+            <a:lvl8pPr marL="3200400" indent="0">
+              <a:buNone/>
+              <a:defRPr sz="900"/>
+            </a:lvl8pPr>
+            <a:lvl9pPr marL="3657600" indent="0">
+              <a:buNone/>
+              <a:defRPr sz="900"/>
+            </a:lvl9pPr>
+          </a:lstStyle>
+          <a:p>
+            <a:pPr lvl="0"/>
+            <a:r>
+              <a:rPr lang="en-US" smtClean="0"/>
+              <a:t>Click to edit Master text styles</a:t>
+            </a:r>
+          </a:p>
+        </p:txBody>
+      </p:sp>
+      <p:sp>
+        <p:nvSpPr>
+          <p:cNvPr id="10" name="Freeform 9"/>
+          <p:cNvSpPr/>
+          <p:nvPr/>
+        </p:nvSpPr>
+        <p:spPr>
+          <a:xfrm>
+            <a:off x="280416" y="6399213"/>
+            <a:ext cx="8558784" cy="0"/>
+          </a:xfrm>
+          <a:custGeom>
+            <a:avLst/>
+            <a:gdLst>
+              <a:gd name="connsiteX0" fmla="*/ 0 w 8592671"/>
+              <a:gd name="connsiteY0" fmla="*/ 0 h 0"/>
+              <a:gd name="connsiteX1" fmla="*/ 8592671 w 8592671"/>
+              <a:gd name="connsiteY1" fmla="*/ 0 h 0"/>
+            </a:gdLst>
+            <a:ahLst/>
+            <a:cxnLst>
+              <a:cxn ang="0">
+                <a:pos x="connsiteX0" y="connsiteY0"/>
+              </a:cxn>
+              <a:cxn ang="0">
+                <a:pos x="connsiteX1" y="connsiteY1"/>
+              </a:cxn>
+            </a:cxnLst>
+            <a:rect l="l" t="t" r="r" b="b"/>
+            <a:pathLst>
+              <a:path w="8592671">
+                <a:moveTo>
+                  <a:pt x="0" y="0"/>
+                </a:moveTo>
+                <a:lnTo>
+                  <a:pt x="8592671" y="0"/>
+                </a:lnTo>
+              </a:path>
+            </a:pathLst>
+          </a:custGeom>
+          <a:ln w="3175">
+            <a:solidFill>
+              <a:schemeClr val="tx1">
+                <a:lumMod val="75000"/>
+              </a:schemeClr>
+            </a:solidFill>
+          </a:ln>
+        </p:spPr>
+        <p:style>
+          <a:lnRef idx="1">
+            <a:schemeClr val="accent1"/>
+          </a:lnRef>
+          <a:fillRef idx="0">
+            <a:schemeClr val="accent1"/>
+          </a:fillRef>
+          <a:effectRef idx="0">
+            <a:schemeClr val="accent1"/>
+          </a:effectRef>
+          <a:fontRef idx="minor">
+            <a:schemeClr val="tx1"/>
+          </a:fontRef>
+        </p:style>
+        <p:txBody>
+          <a:bodyPr rtlCol="0" anchor="ctr"/>
+          <a:lstStyle/>
+          <a:p>
+            <a:pPr algn="ctr"/>
+            <a:endParaRPr dirty="0">
+              <a:latin typeface="Gill Sans Light"/>
+            </a:endParaRPr>
+          </a:p>
+        </p:txBody>
+      </p:sp>
+    </p:spTree>
+  </p:cSld>
+  <p:clrMapOvr>
+    <a:masterClrMapping/>
+  </p:clrMapOvr>
+</p:sldLayout>
+</file>
+
+<file path=ppt/slideLayouts/slideLayout13.xml><?xml version="1.0" encoding="utf-8"?>
+<p:sldLayout xmlns:a="http://schemas.openxmlformats.org/drawingml/2006/main" xmlns:r="http://schemas.openxmlformats.org/officeDocument/2006/relationships" xmlns:mc="http://schemas.openxmlformats.org/markup-compatibility/2006" xmlns:mv="urn:schemas-microsoft-com:mac:vml" xmlns:p="http://schemas.openxmlformats.org/presentationml/2006/main" mc:Ignorable="mv" mc:PreserveAttributes="mv:*" preserve="1">
+  <p:cSld name="Video with Caption">
+    <p:spTree>
+      <p:nvGrpSpPr>
+        <p:cNvPr id="1" name=""/>
+        <p:cNvGrpSpPr/>
+        <p:nvPr/>
+      </p:nvGrpSpPr>
+      <p:grpSpPr>
+        <a:xfrm>
+          <a:off x="0" y="0"/>
+          <a:ext cx="0" cy="0"/>
+          <a:chOff x="0" y="0"/>
+          <a:chExt cx="0" cy="0"/>
+        </a:xfrm>
+      </p:grpSpPr>
+      <p:sp>
+        <p:nvSpPr>
+          <p:cNvPr id="2" name="Title 1"/>
+          <p:cNvSpPr>
+            <a:spLocks noGrp="1"/>
+          </p:cNvSpPr>
+          <p:nvPr>
+            <p:ph type="title"/>
+          </p:nvPr>
+        </p:nvSpPr>
+        <p:spPr>
+          <a:xfrm>
+            <a:off x="282575" y="4920520"/>
+            <a:ext cx="3931920" cy="566738"/>
+          </a:xfrm>
+        </p:spPr>
+        <p:txBody>
+          <a:bodyPr anchor="b">
+            <a:normAutofit/>
+          </a:bodyPr>
+          <a:lstStyle>
+            <a:lvl1pPr algn="l">
+              <a:defRPr sz="2400" b="0"/>
+            </a:lvl1pPr>
+          </a:lstStyle>
+          <a:p>
+            <a:r>
+              <a:rPr lang="en-US" smtClean="0"/>
+              <a:t>Click to edit Master title style</a:t>
+            </a:r>
+            <a:endParaRPr/>
+          </a:p>
+        </p:txBody>
+      </p:sp>
+      <p:sp>
+        <p:nvSpPr>
+          <p:cNvPr id="4" name="Text Placeholder 3"/>
+          <p:cNvSpPr>
+            <a:spLocks noGrp="1"/>
+          </p:cNvSpPr>
+          <p:nvPr>
+            <p:ph type="body" sz="half" idx="2"/>
+          </p:nvPr>
+        </p:nvSpPr>
+        <p:spPr>
+          <a:xfrm>
+            <a:off x="282575" y="5563458"/>
+            <a:ext cx="3931920" cy="652462"/>
+          </a:xfrm>
+        </p:spPr>
+        <p:txBody>
+          <a:bodyPr/>
+          <a:lstStyle>
+            <a:lvl1pPr marL="0" indent="0" algn="l">
+              <a:spcBef>
+                <a:spcPts val="300"/>
+              </a:spcBef>
+              <a:buNone/>
+              <a:defRPr sz="1400" b="0"/>
+            </a:lvl1pPr>
+            <a:lvl2pPr marL="457200" indent="0">
+              <a:buNone/>
+              <a:defRPr sz="1200"/>
+            </a:lvl2pPr>
+            <a:lvl3pPr marL="914400" indent="0">
+              <a:buNone/>
+              <a:defRPr sz="1000"/>
+            </a:lvl3pPr>
+            <a:lvl4pPr marL="1371600" indent="0">
+              <a:buNone/>
+              <a:defRPr sz="900"/>
+            </a:lvl4pPr>
+            <a:lvl5pPr marL="1828800" indent="0">
+              <a:buNone/>
+              <a:defRPr sz="900"/>
+            </a:lvl5pPr>
+            <a:lvl6pPr marL="2286000" indent="0">
+              <a:buNone/>
+              <a:defRPr sz="900"/>
+            </a:lvl6pPr>
+            <a:lvl7pPr marL="2743200" indent="0">
+              <a:buNone/>
+              <a:defRPr sz="900"/>
+            </a:lvl7pPr>
+            <a:lvl8pPr marL="3200400" indent="0">
+              <a:buNone/>
+              <a:defRPr sz="900"/>
+            </a:lvl8pPr>
+            <a:lvl9pPr marL="3657600" indent="0">
+              <a:buNone/>
+              <a:defRPr sz="900"/>
+            </a:lvl9pPr>
+          </a:lstStyle>
+          <a:p>
+            <a:pPr lvl="0"/>
+            <a:r>
+              <a:rPr lang="en-US" smtClean="0"/>
+              <a:t>Click to edit Master text styles</a:t>
+            </a:r>
+          </a:p>
+        </p:txBody>
+      </p:sp>
+      <p:sp>
+        <p:nvSpPr>
+          <p:cNvPr id="5" name="Date Placeholder 4"/>
+          <p:cNvSpPr>
+            <a:spLocks noGrp="1"/>
+          </p:cNvSpPr>
+          <p:nvPr>
+            <p:ph type="dt" sz="half" idx="10"/>
+          </p:nvPr>
+        </p:nvSpPr>
+        <p:spPr/>
+        <p:txBody>
+          <a:bodyPr/>
+          <a:lstStyle/>
+          <a:p>
+            <a:fld id="{581A7F65-9957-7141-9336-4964FBAA3047}" type="datetimeFigureOut">
+              <a:rPr lang="en-US" smtClean="0"/>
+              <a:pPr/>
+              <a:t>2/19/13</a:t>
+            </a:fld>
+            <a:endParaRPr lang="en-US" dirty="0"/>
+          </a:p>
+        </p:txBody>
+      </p:sp>
+      <p:sp>
+        <p:nvSpPr>
+          <p:cNvPr id="6" name="Footer Placeholder 5"/>
+          <p:cNvSpPr>
+            <a:spLocks noGrp="1"/>
+          </p:cNvSpPr>
+          <p:nvPr>
+            <p:ph type="ftr" sz="quarter" idx="11"/>
+          </p:nvPr>
+        </p:nvSpPr>
+        <p:spPr/>
+        <p:txBody>
+          <a:bodyPr/>
+          <a:lstStyle/>
+          <a:p>
+            <a:endParaRPr lang="en-US" dirty="0"/>
+          </a:p>
+        </p:txBody>
+      </p:sp>
+      <p:sp>
+        <p:nvSpPr>
+          <p:cNvPr id="7" name="Slide Number Placeholder 6"/>
+          <p:cNvSpPr>
+            <a:spLocks noGrp="1"/>
+          </p:cNvSpPr>
+          <p:nvPr>
+            <p:ph type="sldNum" sz="quarter" idx="12"/>
+          </p:nvPr>
+        </p:nvSpPr>
+        <p:spPr/>
+        <p:txBody>
+          <a:bodyPr/>
+          <a:lstStyle/>
+          <a:p>
+            <a:fld id="{E69D8ABB-42A2-A84C-9A81-214E4CF873D6}" type="slidenum">
+              <a:rPr lang="en-US" smtClean="0"/>
+              <a:pPr/>
+              <a:t>‹#›</a:t>
+            </a:fld>
+            <a:endParaRPr lang="en-US" dirty="0"/>
+          </a:p>
+        </p:txBody>
+      </p:sp>
+      <p:sp>
+        <p:nvSpPr>
+          <p:cNvPr id="8" name="Text Placeholder 3"/>
+          <p:cNvSpPr>
+            <a:spLocks noGrp="1"/>
+          </p:cNvSpPr>
+          <p:nvPr>
+            <p:ph type="body" sz="half" idx="13"/>
+          </p:nvPr>
+        </p:nvSpPr>
+        <p:spPr>
+          <a:xfrm>
+            <a:off x="4927918" y="4899025"/>
+            <a:ext cx="3931920" cy="1352458"/>
+          </a:xfrm>
+        </p:spPr>
+        <p:txBody>
+          <a:bodyPr>
+            <a:normAutofit/>
+          </a:bodyPr>
+          <a:lstStyle>
+            <a:lvl1pPr marL="0" indent="0" algn="l">
+              <a:lnSpc>
+                <a:spcPct val="110000"/>
+              </a:lnSpc>
+              <a:spcBef>
+                <a:spcPts val="300"/>
+              </a:spcBef>
+              <a:buNone/>
+              <a:defRPr sz="1200" b="0"/>
+            </a:lvl1pPr>
+            <a:lvl2pPr marL="457200" indent="0">
+              <a:buNone/>
+              <a:defRPr sz="1200"/>
+            </a:lvl2pPr>
+            <a:lvl3pPr marL="914400" indent="0">
+              <a:buNone/>
+              <a:defRPr sz="1000"/>
+            </a:lvl3pPr>
+            <a:lvl4pPr marL="1371600" indent="0">
+              <a:buNone/>
+              <a:defRPr sz="900"/>
+            </a:lvl4pPr>
+            <a:lvl5pPr marL="1828800" indent="0">
+              <a:buNone/>
+              <a:defRPr sz="900"/>
+            </a:lvl5pPr>
+            <a:lvl6pPr marL="2286000" indent="0">
+              <a:buNone/>
+              <a:defRPr sz="900"/>
+            </a:lvl6pPr>
+            <a:lvl7pPr marL="2743200" indent="0">
+              <a:buNone/>
+              <a:defRPr sz="900"/>
+            </a:lvl7pPr>
+            <a:lvl8pPr marL="3200400" indent="0">
+              <a:buNone/>
+              <a:defRPr sz="900"/>
+            </a:lvl8pPr>
+            <a:lvl9pPr marL="3657600" indent="0">
+              <a:buNone/>
+              <a:defRPr sz="900"/>
+            </a:lvl9pPr>
+          </a:lstStyle>
+          <a:p>
+            <a:pPr lvl="0"/>
+            <a:r>
+              <a:rPr lang="en-US" smtClean="0"/>
+              <a:t>Click to edit Master text styles</a:t>
+            </a:r>
+          </a:p>
+        </p:txBody>
+      </p:sp>
+      <p:sp>
+        <p:nvSpPr>
+          <p:cNvPr id="10" name="Freeform 9"/>
+          <p:cNvSpPr/>
+          <p:nvPr/>
+        </p:nvSpPr>
+        <p:spPr>
+          <a:xfrm>
+            <a:off x="280416" y="6399213"/>
+            <a:ext cx="8558784" cy="0"/>
+          </a:xfrm>
+          <a:custGeom>
+            <a:avLst/>
+            <a:gdLst>
+              <a:gd name="connsiteX0" fmla="*/ 0 w 8592671"/>
+              <a:gd name="connsiteY0" fmla="*/ 0 h 0"/>
+              <a:gd name="connsiteX1" fmla="*/ 8592671 w 8592671"/>
+              <a:gd name="connsiteY1" fmla="*/ 0 h 0"/>
+            </a:gdLst>
+            <a:ahLst/>
+            <a:cxnLst>
+              <a:cxn ang="0">
+                <a:pos x="connsiteX0" y="connsiteY0"/>
+              </a:cxn>
+              <a:cxn ang="0">
+                <a:pos x="connsiteX1" y="connsiteY1"/>
+              </a:cxn>
+            </a:cxnLst>
+            <a:rect l="l" t="t" r="r" b="b"/>
+            <a:pathLst>
+              <a:path w="8592671">
+                <a:moveTo>
+                  <a:pt x="0" y="0"/>
+                </a:moveTo>
+                <a:lnTo>
+                  <a:pt x="8592671" y="0"/>
+                </a:lnTo>
+              </a:path>
+            </a:pathLst>
+          </a:custGeom>
+          <a:ln w="3175">
+            <a:solidFill>
+              <a:schemeClr val="tx1">
+                <a:lumMod val="75000"/>
+              </a:schemeClr>
+            </a:solidFill>
+          </a:ln>
+        </p:spPr>
+        <p:style>
+          <a:lnRef idx="1">
+            <a:schemeClr val="accent1"/>
+          </a:lnRef>
+          <a:fillRef idx="0">
+            <a:schemeClr val="accent1"/>
+          </a:fillRef>
+          <a:effectRef idx="0">
+            <a:schemeClr val="accent1"/>
+          </a:effectRef>
+          <a:fontRef idx="minor">
+            <a:schemeClr val="tx1"/>
+          </a:fontRef>
+        </p:style>
+        <p:txBody>
+          <a:bodyPr rtlCol="0" anchor="ctr"/>
+          <a:lstStyle/>
+          <a:p>
+            <a:pPr algn="ctr"/>
+            <a:endParaRPr dirty="0">
+              <a:latin typeface="Gill Sans Light"/>
+            </a:endParaRPr>
+          </a:p>
+        </p:txBody>
+      </p:sp>
+      <p:sp>
+        <p:nvSpPr>
+          <p:cNvPr id="12" name="Media Placeholder 11"/>
+          <p:cNvSpPr>
+            <a:spLocks noGrp="1"/>
+          </p:cNvSpPr>
+          <p:nvPr>
+            <p:ph type="media" sz="quarter" idx="14"/>
+          </p:nvPr>
+        </p:nvSpPr>
+        <p:spPr>
+          <a:xfrm>
+            <a:off x="282575" y="458788"/>
+            <a:ext cx="8577263" cy="3849624"/>
+          </a:xfrm>
+          <a:noFill/>
+          <a:ln w="44450">
+            <a:solidFill>
+              <a:schemeClr val="bg1"/>
+            </a:solidFill>
+            <a:miter lim="800000"/>
+          </a:ln>
+          <a:effectLst/>
+        </p:spPr>
+        <p:style>
+          <a:lnRef idx="1">
+            <a:schemeClr val="dk1"/>
+          </a:lnRef>
+          <a:fillRef idx="3">
+            <a:schemeClr val="dk1"/>
+          </a:fillRef>
+          <a:effectRef idx="2">
+            <a:schemeClr val="dk1"/>
+          </a:effectRef>
+          <a:fontRef idx="none"/>
+        </p:style>
+        <p:txBody>
+          <a:bodyPr vert="horz" lIns="91440" tIns="45720" rIns="91440" bIns="45720" rtlCol="0">
+            <a:normAutofit/>
+          </a:bodyPr>
+          <a:lstStyle>
+            <a:lvl1pPr marL="349250" indent="-349250" algn="l" defTabSz="914400" rtl="0" eaLnBrk="1" latinLnBrk="0" hangingPunct="1">
+              <a:spcBef>
+                <a:spcPts val="2000"/>
+              </a:spcBef>
+              <a:buFont typeface="Wingdings 2" pitchFamily="18" charset="2"/>
+              <a:buNone/>
+              <a:defRPr sz="2000" kern="1200">
+                <a:solidFill>
+                  <a:schemeClr val="tx1"/>
+                </a:solidFill>
+                <a:latin typeface="Gill Sans Light"/>
+                <a:ea typeface="+mn-ea"/>
+                <a:cs typeface="+mn-cs"/>
+              </a:defRPr>
+            </a:lvl1pPr>
+          </a:lstStyle>
+          <a:p>
+            <a:r>
+              <a:rPr lang="en-US" dirty="0" smtClean="0"/>
+              <a:t>Click icon to add media</a:t>
+            </a:r>
+            <a:endParaRPr dirty="0"/>
+          </a:p>
+        </p:txBody>
+      </p:sp>
+    </p:spTree>
+  </p:cSld>
+  <p:clrMapOvr>
+    <a:masterClrMapping/>
+  </p:clrMapOvr>
+</p:sldLayout>
+</file>
+
+<file path=ppt/slideLayouts/slideLayout14.xml><?xml version="1.0" encoding="utf-8"?>
 <p:sldLayout xmlns:a="http://schemas.openxmlformats.org/drawingml/2006/main" xmlns:r="http://schemas.openxmlformats.org/officeDocument/2006/relationships" xmlns:mc="http://schemas.openxmlformats.org/markup-compatibility/2006" xmlns:mv="urn:schemas-microsoft-com:mac:vml" xmlns:p="http://schemas.openxmlformats.org/presentationml/2006/main" mc:Ignorable="mv" mc:PreserveAttributes="mv:*" type="vertTx" preserve="1">
   <p:cSld name="Title and Vertical Text">
     <p:spTree>
@@ -937,7 +2724,7 @@
               <a:rPr lang="en-US" smtClean="0"/>
               <a:t>Click to edit Master title style</a:t>
             </a:r>
-            <a:endParaRPr lang="en-US"/>
+            <a:endParaRPr/>
           </a:p>
         </p:txBody>
       </p:sp>
@@ -989,7 +2776,7 @@
               <a:rPr lang="en-US" smtClean="0"/>
               <a:t>Fifth level</a:t>
             </a:r>
-            <a:endParaRPr lang="en-US"/>
+            <a:endParaRPr/>
           </a:p>
         </p:txBody>
       </p:sp>
@@ -1011,7 +2798,7 @@
             <a:fld id="{581A7F65-9957-7141-9336-4964FBAA3047}" type="datetimeFigureOut">
               <a:rPr lang="en-US" smtClean="0"/>
               <a:pPr/>
-              <a:t>2/18/13</a:t>
+              <a:t>2/19/13</a:t>
             </a:fld>
             <a:endParaRPr lang="en-US"/>
           </a:p>
@@ -1057,6 +2844,152 @@
               <a:t>‹#›</a:t>
             </a:fld>
             <a:endParaRPr lang="en-US"/>
+          </a:p>
+        </p:txBody>
+      </p:sp>
+      <p:sp>
+        <p:nvSpPr>
+          <p:cNvPr id="7" name="Freeform 6"/>
+          <p:cNvSpPr/>
+          <p:nvPr/>
+        </p:nvSpPr>
+        <p:spPr>
+          <a:xfrm>
+            <a:off x="280416" y="1525588"/>
+            <a:ext cx="8558784" cy="0"/>
+          </a:xfrm>
+          <a:custGeom>
+            <a:avLst/>
+            <a:gdLst>
+              <a:gd name="connsiteX0" fmla="*/ 0 w 8592671"/>
+              <a:gd name="connsiteY0" fmla="*/ 0 h 0"/>
+              <a:gd name="connsiteX1" fmla="*/ 8592671 w 8592671"/>
+              <a:gd name="connsiteY1" fmla="*/ 0 h 0"/>
+            </a:gdLst>
+            <a:ahLst/>
+            <a:cxnLst>
+              <a:cxn ang="0">
+                <a:pos x="connsiteX0" y="connsiteY0"/>
+              </a:cxn>
+              <a:cxn ang="0">
+                <a:pos x="connsiteX1" y="connsiteY1"/>
+              </a:cxn>
+            </a:cxnLst>
+            <a:rect l="l" t="t" r="r" b="b"/>
+            <a:pathLst>
+              <a:path w="8592671">
+                <a:moveTo>
+                  <a:pt x="0" y="0"/>
+                </a:moveTo>
+                <a:lnTo>
+                  <a:pt x="8592671" y="0"/>
+                </a:lnTo>
+              </a:path>
+            </a:pathLst>
+          </a:custGeom>
+          <a:ln w="3175">
+            <a:solidFill>
+              <a:schemeClr val="tx1">
+                <a:lumMod val="75000"/>
+              </a:schemeClr>
+            </a:solidFill>
+          </a:ln>
+        </p:spPr>
+        <p:style>
+          <a:lnRef idx="1">
+            <a:schemeClr val="accent1"/>
+          </a:lnRef>
+          <a:fillRef idx="0">
+            <a:schemeClr val="accent1"/>
+          </a:fillRef>
+          <a:effectRef idx="0">
+            <a:schemeClr val="accent1"/>
+          </a:effectRef>
+          <a:fontRef idx="minor">
+            <a:schemeClr val="tx1"/>
+          </a:fontRef>
+        </p:style>
+        <p:txBody>
+          <a:bodyPr rtlCol="0" anchor="ctr"/>
+          <a:lstStyle/>
+          <a:p>
+            <a:pPr algn="ctr"/>
+            <a:endParaRPr dirty="0">
+              <a:latin typeface="Gill Sans Light"/>
+            </a:endParaRPr>
+          </a:p>
+        </p:txBody>
+      </p:sp>
+      <p:sp>
+        <p:nvSpPr>
+          <p:cNvPr id="8" name="Freeform 7"/>
+          <p:cNvSpPr/>
+          <p:nvPr/>
+        </p:nvSpPr>
+        <p:spPr>
+          <a:xfrm>
+            <a:off x="280416" y="6399213"/>
+            <a:ext cx="8558784" cy="0"/>
+          </a:xfrm>
+          <a:custGeom>
+            <a:avLst/>
+            <a:gdLst>
+              <a:gd name="connsiteX0" fmla="*/ 0 w 8592671"/>
+              <a:gd name="connsiteY0" fmla="*/ 0 h 0"/>
+              <a:gd name="connsiteX1" fmla="*/ 8592671 w 8592671"/>
+              <a:gd name="connsiteY1" fmla="*/ 0 h 0"/>
+            </a:gdLst>
+            <a:ahLst/>
+            <a:cxnLst>
+              <a:cxn ang="0">
+                <a:pos x="connsiteX0" y="connsiteY0"/>
+              </a:cxn>
+              <a:cxn ang="0">
+                <a:pos x="connsiteX1" y="connsiteY1"/>
+              </a:cxn>
+            </a:cxnLst>
+            <a:rect l="l" t="t" r="r" b="b"/>
+            <a:pathLst>
+              <a:path w="8592671">
+                <a:moveTo>
+                  <a:pt x="0" y="0"/>
+                </a:moveTo>
+                <a:lnTo>
+                  <a:pt x="8592671" y="0"/>
+                </a:lnTo>
+              </a:path>
+            </a:pathLst>
+          </a:custGeom>
+          <a:ln w="3175">
+            <a:solidFill>
+              <a:schemeClr val="tx1">
+                <a:lumMod val="75000"/>
+              </a:schemeClr>
+            </a:solidFill>
+          </a:ln>
+        </p:spPr>
+        <p:style>
+          <a:lnRef idx="1">
+            <a:schemeClr val="accent1"/>
+          </a:lnRef>
+          <a:fillRef idx="0">
+            <a:schemeClr val="accent1"/>
+          </a:fillRef>
+          <a:effectRef idx="0">
+            <a:schemeClr val="accent1"/>
+          </a:effectRef>
+          <a:fontRef idx="minor">
+            <a:schemeClr val="tx1"/>
+          </a:fontRef>
+        </p:style>
+        <p:txBody>
+          <a:bodyPr rtlCol="0" anchor="ctr"/>
+          <a:lstStyle/>
+          <a:p>
+            <a:pPr algn="ctr"/>
+            <a:endParaRPr dirty="0">
+              <a:latin typeface="Gill Sans Light"/>
+            </a:endParaRPr>
           </a:p>
         </p:txBody>
       </p:sp>
@@ -1068,7 +3001,7 @@
 </p:sldLayout>
 </file>
 
-<file path=ppt/slideLayouts/slideLayout11.xml><?xml version="1.0" encoding="utf-8"?>
+<file path=ppt/slideLayouts/slideLayout15.xml><?xml version="1.0" encoding="utf-8"?>
 <p:sldLayout xmlns:a="http://schemas.openxmlformats.org/drawingml/2006/main" xmlns:r="http://schemas.openxmlformats.org/officeDocument/2006/relationships" xmlns:mc="http://schemas.openxmlformats.org/markup-compatibility/2006" xmlns:mv="urn:schemas-microsoft-com:mac:vml" xmlns:p="http://schemas.openxmlformats.org/presentationml/2006/main" mc:Ignorable="mv" mc:PreserveAttributes="mv:*" type="vertTitleAndTx" preserve="1">
   <p:cSld name="Vertical Title and Text">
     <p:spTree>
@@ -1097,8 +3030,8 @@
         </p:nvSpPr>
         <p:spPr>
           <a:xfrm>
-            <a:off x="6629400" y="274638"/>
-            <a:ext cx="2057400" cy="5851525"/>
+            <a:off x="7391400" y="458788"/>
+            <a:ext cx="1447800" cy="5792787"/>
           </a:xfrm>
         </p:spPr>
         <p:txBody>
@@ -1109,7 +3042,7 @@
               <a:rPr lang="en-US" smtClean="0"/>
               <a:t>Click to edit Master title style</a:t>
             </a:r>
-            <a:endParaRPr lang="en-US"/>
+            <a:endParaRPr/>
           </a:p>
         </p:txBody>
       </p:sp>
@@ -1125,8 +3058,8 @@
         </p:nvSpPr>
         <p:spPr>
           <a:xfrm>
-            <a:off x="457200" y="274638"/>
-            <a:ext cx="6019800" cy="5851525"/>
+            <a:off x="641350" y="458788"/>
+            <a:ext cx="6521450" cy="5792787"/>
           </a:xfrm>
         </p:spPr>
         <p:txBody>
@@ -1166,7 +3099,7 @@
               <a:rPr lang="en-US" smtClean="0"/>
               <a:t>Fifth level</a:t>
             </a:r>
-            <a:endParaRPr lang="en-US"/>
+            <a:endParaRPr/>
           </a:p>
         </p:txBody>
       </p:sp>
@@ -1188,7 +3121,7 @@
             <a:fld id="{581A7F65-9957-7141-9336-4964FBAA3047}" type="datetimeFigureOut">
               <a:rPr lang="en-US" smtClean="0"/>
               <a:pPr/>
-              <a:t>2/18/13</a:t>
+              <a:t>2/19/13</a:t>
             </a:fld>
             <a:endParaRPr lang="en-US"/>
           </a:p>
@@ -1234,6 +3167,152 @@
               <a:t>‹#›</a:t>
             </a:fld>
             <a:endParaRPr lang="en-US"/>
+          </a:p>
+        </p:txBody>
+      </p:sp>
+      <p:sp>
+        <p:nvSpPr>
+          <p:cNvPr id="7" name="Freeform 6"/>
+          <p:cNvSpPr/>
+          <p:nvPr/>
+        </p:nvSpPr>
+        <p:spPr>
+          <a:xfrm>
+            <a:off x="280416" y="258580"/>
+            <a:ext cx="8558784" cy="0"/>
+          </a:xfrm>
+          <a:custGeom>
+            <a:avLst/>
+            <a:gdLst>
+              <a:gd name="connsiteX0" fmla="*/ 0 w 8592671"/>
+              <a:gd name="connsiteY0" fmla="*/ 0 h 0"/>
+              <a:gd name="connsiteX1" fmla="*/ 8592671 w 8592671"/>
+              <a:gd name="connsiteY1" fmla="*/ 0 h 0"/>
+            </a:gdLst>
+            <a:ahLst/>
+            <a:cxnLst>
+              <a:cxn ang="0">
+                <a:pos x="connsiteX0" y="connsiteY0"/>
+              </a:cxn>
+              <a:cxn ang="0">
+                <a:pos x="connsiteX1" y="connsiteY1"/>
+              </a:cxn>
+            </a:cxnLst>
+            <a:rect l="l" t="t" r="r" b="b"/>
+            <a:pathLst>
+              <a:path w="8592671">
+                <a:moveTo>
+                  <a:pt x="0" y="0"/>
+                </a:moveTo>
+                <a:lnTo>
+                  <a:pt x="8592671" y="0"/>
+                </a:lnTo>
+              </a:path>
+            </a:pathLst>
+          </a:custGeom>
+          <a:ln w="3175">
+            <a:solidFill>
+              <a:schemeClr val="tx1">
+                <a:lumMod val="75000"/>
+              </a:schemeClr>
+            </a:solidFill>
+          </a:ln>
+        </p:spPr>
+        <p:style>
+          <a:lnRef idx="1">
+            <a:schemeClr val="accent1"/>
+          </a:lnRef>
+          <a:fillRef idx="0">
+            <a:schemeClr val="accent1"/>
+          </a:fillRef>
+          <a:effectRef idx="0">
+            <a:schemeClr val="accent1"/>
+          </a:effectRef>
+          <a:fontRef idx="minor">
+            <a:schemeClr val="tx1"/>
+          </a:fontRef>
+        </p:style>
+        <p:txBody>
+          <a:bodyPr rtlCol="0" anchor="ctr"/>
+          <a:lstStyle/>
+          <a:p>
+            <a:pPr algn="ctr"/>
+            <a:endParaRPr dirty="0">
+              <a:latin typeface="Gill Sans Light"/>
+            </a:endParaRPr>
+          </a:p>
+        </p:txBody>
+      </p:sp>
+      <p:sp>
+        <p:nvSpPr>
+          <p:cNvPr id="8" name="Freeform 7"/>
+          <p:cNvSpPr/>
+          <p:nvPr/>
+        </p:nvSpPr>
+        <p:spPr>
+          <a:xfrm>
+            <a:off x="280416" y="6399213"/>
+            <a:ext cx="8558784" cy="0"/>
+          </a:xfrm>
+          <a:custGeom>
+            <a:avLst/>
+            <a:gdLst>
+              <a:gd name="connsiteX0" fmla="*/ 0 w 8592671"/>
+              <a:gd name="connsiteY0" fmla="*/ 0 h 0"/>
+              <a:gd name="connsiteX1" fmla="*/ 8592671 w 8592671"/>
+              <a:gd name="connsiteY1" fmla="*/ 0 h 0"/>
+            </a:gdLst>
+            <a:ahLst/>
+            <a:cxnLst>
+              <a:cxn ang="0">
+                <a:pos x="connsiteX0" y="connsiteY0"/>
+              </a:cxn>
+              <a:cxn ang="0">
+                <a:pos x="connsiteX1" y="connsiteY1"/>
+              </a:cxn>
+            </a:cxnLst>
+            <a:rect l="l" t="t" r="r" b="b"/>
+            <a:pathLst>
+              <a:path w="8592671">
+                <a:moveTo>
+                  <a:pt x="0" y="0"/>
+                </a:moveTo>
+                <a:lnTo>
+                  <a:pt x="8592671" y="0"/>
+                </a:lnTo>
+              </a:path>
+            </a:pathLst>
+          </a:custGeom>
+          <a:ln w="3175">
+            <a:solidFill>
+              <a:schemeClr val="tx1">
+                <a:lumMod val="75000"/>
+              </a:schemeClr>
+            </a:solidFill>
+          </a:ln>
+        </p:spPr>
+        <p:style>
+          <a:lnRef idx="1">
+            <a:schemeClr val="accent1"/>
+          </a:lnRef>
+          <a:fillRef idx="0">
+            <a:schemeClr val="accent1"/>
+          </a:fillRef>
+          <a:effectRef idx="0">
+            <a:schemeClr val="accent1"/>
+          </a:effectRef>
+          <a:fontRef idx="minor">
+            <a:schemeClr val="tx1"/>
+          </a:fontRef>
+        </p:style>
+        <p:txBody>
+          <a:bodyPr rtlCol="0" anchor="ctr"/>
+          <a:lstStyle/>
+          <a:p>
+            <a:pPr algn="ctr"/>
+            <a:endParaRPr dirty="0">
+              <a:latin typeface="Gill Sans Light"/>
+            </a:endParaRPr>
           </a:p>
         </p:txBody>
       </p:sp>
@@ -1281,7 +3360,7 @@
               <a:rPr lang="en-US" smtClean="0"/>
               <a:t>Click to edit Master title style</a:t>
             </a:r>
-            <a:endParaRPr lang="en-US"/>
+            <a:endParaRPr/>
           </a:p>
         </p:txBody>
       </p:sp>
@@ -1298,7 +3377,38 @@
         <p:spPr/>
         <p:txBody>
           <a:bodyPr/>
-          <a:lstStyle/>
+          <a:lstStyle>
+            <a:lvl1pPr>
+              <a:spcBef>
+                <a:spcPts val="2000"/>
+              </a:spcBef>
+              <a:defRPr/>
+            </a:lvl1pPr>
+            <a:lvl2pPr>
+              <a:spcBef>
+                <a:spcPts val="600"/>
+              </a:spcBef>
+              <a:defRPr/>
+            </a:lvl2pPr>
+            <a:lvl3pPr>
+              <a:spcBef>
+                <a:spcPts val="600"/>
+              </a:spcBef>
+              <a:defRPr/>
+            </a:lvl3pPr>
+            <a:lvl4pPr>
+              <a:spcBef>
+                <a:spcPts val="600"/>
+              </a:spcBef>
+              <a:defRPr/>
+            </a:lvl4pPr>
+            <a:lvl5pPr>
+              <a:spcBef>
+                <a:spcPts val="600"/>
+              </a:spcBef>
+              <a:defRPr/>
+            </a:lvl5pPr>
+          </a:lstStyle>
           <a:p>
             <a:pPr lvl="0"/>
             <a:r>
@@ -1333,7 +3443,7 @@
               <a:rPr lang="en-US" smtClean="0"/>
               <a:t>Fifth level</a:t>
             </a:r>
-            <a:endParaRPr lang="en-US"/>
+            <a:endParaRPr/>
           </a:p>
         </p:txBody>
       </p:sp>
@@ -1355,7 +3465,7 @@
             <a:fld id="{581A7F65-9957-7141-9336-4964FBAA3047}" type="datetimeFigureOut">
               <a:rPr lang="en-US" smtClean="0"/>
               <a:pPr/>
-              <a:t>2/18/13</a:t>
+              <a:t>2/19/13</a:t>
             </a:fld>
             <a:endParaRPr lang="en-US"/>
           </a:p>
@@ -1401,6 +3511,152 @@
               <a:t>‹#›</a:t>
             </a:fld>
             <a:endParaRPr lang="en-US"/>
+          </a:p>
+        </p:txBody>
+      </p:sp>
+      <p:sp>
+        <p:nvSpPr>
+          <p:cNvPr id="19" name="Freeform 18"/>
+          <p:cNvSpPr/>
+          <p:nvPr/>
+        </p:nvSpPr>
+        <p:spPr>
+          <a:xfrm>
+            <a:off x="280416" y="1525588"/>
+            <a:ext cx="8558784" cy="0"/>
+          </a:xfrm>
+          <a:custGeom>
+            <a:avLst/>
+            <a:gdLst>
+              <a:gd name="connsiteX0" fmla="*/ 0 w 8592671"/>
+              <a:gd name="connsiteY0" fmla="*/ 0 h 0"/>
+              <a:gd name="connsiteX1" fmla="*/ 8592671 w 8592671"/>
+              <a:gd name="connsiteY1" fmla="*/ 0 h 0"/>
+            </a:gdLst>
+            <a:ahLst/>
+            <a:cxnLst>
+              <a:cxn ang="0">
+                <a:pos x="connsiteX0" y="connsiteY0"/>
+              </a:cxn>
+              <a:cxn ang="0">
+                <a:pos x="connsiteX1" y="connsiteY1"/>
+              </a:cxn>
+            </a:cxnLst>
+            <a:rect l="l" t="t" r="r" b="b"/>
+            <a:pathLst>
+              <a:path w="8592671">
+                <a:moveTo>
+                  <a:pt x="0" y="0"/>
+                </a:moveTo>
+                <a:lnTo>
+                  <a:pt x="8592671" y="0"/>
+                </a:lnTo>
+              </a:path>
+            </a:pathLst>
+          </a:custGeom>
+          <a:ln w="3175">
+            <a:solidFill>
+              <a:schemeClr val="tx1">
+                <a:lumMod val="75000"/>
+              </a:schemeClr>
+            </a:solidFill>
+          </a:ln>
+        </p:spPr>
+        <p:style>
+          <a:lnRef idx="1">
+            <a:schemeClr val="accent1"/>
+          </a:lnRef>
+          <a:fillRef idx="0">
+            <a:schemeClr val="accent1"/>
+          </a:fillRef>
+          <a:effectRef idx="0">
+            <a:schemeClr val="accent1"/>
+          </a:effectRef>
+          <a:fontRef idx="minor">
+            <a:schemeClr val="tx1"/>
+          </a:fontRef>
+        </p:style>
+        <p:txBody>
+          <a:bodyPr rtlCol="0" anchor="ctr"/>
+          <a:lstStyle/>
+          <a:p>
+            <a:pPr algn="ctr"/>
+            <a:endParaRPr dirty="0">
+              <a:latin typeface="Gill Sans Light"/>
+            </a:endParaRPr>
+          </a:p>
+        </p:txBody>
+      </p:sp>
+      <p:sp>
+        <p:nvSpPr>
+          <p:cNvPr id="20" name="Freeform 19"/>
+          <p:cNvSpPr/>
+          <p:nvPr/>
+        </p:nvSpPr>
+        <p:spPr>
+          <a:xfrm>
+            <a:off x="280416" y="6399213"/>
+            <a:ext cx="8558784" cy="0"/>
+          </a:xfrm>
+          <a:custGeom>
+            <a:avLst/>
+            <a:gdLst>
+              <a:gd name="connsiteX0" fmla="*/ 0 w 8592671"/>
+              <a:gd name="connsiteY0" fmla="*/ 0 h 0"/>
+              <a:gd name="connsiteX1" fmla="*/ 8592671 w 8592671"/>
+              <a:gd name="connsiteY1" fmla="*/ 0 h 0"/>
+            </a:gdLst>
+            <a:ahLst/>
+            <a:cxnLst>
+              <a:cxn ang="0">
+                <a:pos x="connsiteX0" y="connsiteY0"/>
+              </a:cxn>
+              <a:cxn ang="0">
+                <a:pos x="connsiteX1" y="connsiteY1"/>
+              </a:cxn>
+            </a:cxnLst>
+            <a:rect l="l" t="t" r="r" b="b"/>
+            <a:pathLst>
+              <a:path w="8592671">
+                <a:moveTo>
+                  <a:pt x="0" y="0"/>
+                </a:moveTo>
+                <a:lnTo>
+                  <a:pt x="8592671" y="0"/>
+                </a:lnTo>
+              </a:path>
+            </a:pathLst>
+          </a:custGeom>
+          <a:ln w="3175">
+            <a:solidFill>
+              <a:schemeClr val="tx1">
+                <a:lumMod val="75000"/>
+              </a:schemeClr>
+            </a:solidFill>
+          </a:ln>
+        </p:spPr>
+        <p:style>
+          <a:lnRef idx="1">
+            <a:schemeClr val="accent1"/>
+          </a:lnRef>
+          <a:fillRef idx="0">
+            <a:schemeClr val="accent1"/>
+          </a:fillRef>
+          <a:effectRef idx="0">
+            <a:schemeClr val="accent1"/>
+          </a:effectRef>
+          <a:fontRef idx="minor">
+            <a:schemeClr val="tx1"/>
+          </a:fontRef>
+        </p:style>
+        <p:txBody>
+          <a:bodyPr rtlCol="0" anchor="ctr"/>
+          <a:lstStyle/>
+          <a:p>
+            <a:pPr algn="ctr"/>
+            <a:endParaRPr dirty="0">
+              <a:latin typeface="Gill Sans Light"/>
+            </a:endParaRPr>
           </a:p>
         </p:txBody>
       </p:sp>
@@ -1413,6 +3669,313 @@
 </file>
 
 <file path=ppt/slideLayouts/slideLayout3.xml><?xml version="1.0" encoding="utf-8"?>
+<p:sldLayout xmlns:a="http://schemas.openxmlformats.org/drawingml/2006/main" xmlns:r="http://schemas.openxmlformats.org/officeDocument/2006/relationships" xmlns:mc="http://schemas.openxmlformats.org/markup-compatibility/2006" xmlns:mv="urn:schemas-microsoft-com:mac:vml" xmlns:p="http://schemas.openxmlformats.org/presentationml/2006/main" mc:Ignorable="mv" mc:PreserveAttributes="mv:*" preserve="1">
+  <p:cSld name="Title Slide with Picture">
+    <p:spTree>
+      <p:nvGrpSpPr>
+        <p:cNvPr id="1" name=""/>
+        <p:cNvGrpSpPr/>
+        <p:nvPr/>
+      </p:nvGrpSpPr>
+      <p:grpSpPr>
+        <a:xfrm>
+          <a:off x="0" y="0"/>
+          <a:ext cx="0" cy="0"/>
+          <a:chOff x="0" y="0"/>
+          <a:chExt cx="0" cy="0"/>
+        </a:xfrm>
+      </p:grpSpPr>
+      <p:sp>
+        <p:nvSpPr>
+          <p:cNvPr id="8" name="Picture Placeholder 7"/>
+          <p:cNvSpPr>
+            <a:spLocks noGrp="1"/>
+          </p:cNvSpPr>
+          <p:nvPr>
+            <p:ph type="pic" sz="quarter" idx="13"/>
+          </p:nvPr>
+        </p:nvSpPr>
+        <p:spPr>
+          <a:xfrm>
+            <a:off x="2371725" y="381000"/>
+            <a:ext cx="4400550" cy="3048000"/>
+          </a:xfrm>
+          <a:noFill/>
+          <a:ln w="44450">
+            <a:solidFill>
+              <a:schemeClr val="bg1"/>
+            </a:solidFill>
+            <a:miter lim="800000"/>
+          </a:ln>
+        </p:spPr>
+        <p:style>
+          <a:lnRef idx="1">
+            <a:schemeClr val="dk1"/>
+          </a:lnRef>
+          <a:fillRef idx="3">
+            <a:schemeClr val="dk1"/>
+          </a:fillRef>
+          <a:effectRef idx="2">
+            <a:schemeClr val="dk1"/>
+          </a:effectRef>
+          <a:fontRef idx="none"/>
+        </p:style>
+        <p:txBody>
+          <a:bodyPr>
+            <a:normAutofit/>
+          </a:bodyPr>
+          <a:lstStyle>
+            <a:lvl1pPr>
+              <a:buNone/>
+              <a:defRPr sz="2000"/>
+            </a:lvl1pPr>
+          </a:lstStyle>
+          <a:p>
+            <a:r>
+              <a:rPr lang="en-US" smtClean="0"/>
+              <a:t>Click icon to add picture</a:t>
+            </a:r>
+            <a:endParaRPr/>
+          </a:p>
+        </p:txBody>
+      </p:sp>
+      <p:sp>
+        <p:nvSpPr>
+          <p:cNvPr id="2" name="Title 1"/>
+          <p:cNvSpPr>
+            <a:spLocks noGrp="1"/>
+          </p:cNvSpPr>
+          <p:nvPr>
+            <p:ph type="ctrTitle"/>
+          </p:nvPr>
+        </p:nvSpPr>
+        <p:spPr>
+          <a:xfrm>
+            <a:off x="641350" y="4146363"/>
+            <a:ext cx="7856538" cy="1470025"/>
+          </a:xfrm>
+        </p:spPr>
+        <p:txBody>
+          <a:bodyPr>
+            <a:noAutofit/>
+          </a:bodyPr>
+          <a:lstStyle>
+            <a:lvl1pPr>
+              <a:defRPr sz="5400"/>
+            </a:lvl1pPr>
+          </a:lstStyle>
+          <a:p>
+            <a:r>
+              <a:rPr lang="en-US" smtClean="0"/>
+              <a:t>Click to edit Master title style</a:t>
+            </a:r>
+            <a:endParaRPr/>
+          </a:p>
+        </p:txBody>
+      </p:sp>
+      <p:sp>
+        <p:nvSpPr>
+          <p:cNvPr id="3" name="Subtitle 2"/>
+          <p:cNvSpPr>
+            <a:spLocks noGrp="1"/>
+          </p:cNvSpPr>
+          <p:nvPr>
+            <p:ph type="subTitle" idx="1"/>
+          </p:nvPr>
+        </p:nvSpPr>
+        <p:spPr>
+          <a:xfrm>
+            <a:off x="641350" y="5620871"/>
+            <a:ext cx="7856538" cy="614081"/>
+          </a:xfrm>
+        </p:spPr>
+        <p:txBody>
+          <a:bodyPr>
+            <a:normAutofit/>
+          </a:bodyPr>
+          <a:lstStyle>
+            <a:lvl1pPr marL="0" indent="0" algn="ctr">
+              <a:lnSpc>
+                <a:spcPct val="100000"/>
+              </a:lnSpc>
+              <a:spcBef>
+                <a:spcPts val="0"/>
+              </a:spcBef>
+              <a:buNone/>
+              <a:defRPr sz="1800">
+                <a:solidFill>
+                  <a:schemeClr val="tx1">
+                    <a:tint val="75000"/>
+                  </a:schemeClr>
+                </a:solidFill>
+              </a:defRPr>
+            </a:lvl1pPr>
+            <a:lvl2pPr marL="457200" indent="0" algn="ctr">
+              <a:buNone/>
+              <a:defRPr>
+                <a:solidFill>
+                  <a:schemeClr val="tx1">
+                    <a:tint val="75000"/>
+                  </a:schemeClr>
+                </a:solidFill>
+              </a:defRPr>
+            </a:lvl2pPr>
+            <a:lvl3pPr marL="914400" indent="0" algn="ctr">
+              <a:buNone/>
+              <a:defRPr>
+                <a:solidFill>
+                  <a:schemeClr val="tx1">
+                    <a:tint val="75000"/>
+                  </a:schemeClr>
+                </a:solidFill>
+              </a:defRPr>
+            </a:lvl3pPr>
+            <a:lvl4pPr marL="1371600" indent="0" algn="ctr">
+              <a:buNone/>
+              <a:defRPr>
+                <a:solidFill>
+                  <a:schemeClr val="tx1">
+                    <a:tint val="75000"/>
+                  </a:schemeClr>
+                </a:solidFill>
+              </a:defRPr>
+            </a:lvl4pPr>
+            <a:lvl5pPr marL="1828800" indent="0" algn="ctr">
+              <a:buNone/>
+              <a:defRPr>
+                <a:solidFill>
+                  <a:schemeClr val="tx1">
+                    <a:tint val="75000"/>
+                  </a:schemeClr>
+                </a:solidFill>
+              </a:defRPr>
+            </a:lvl5pPr>
+            <a:lvl6pPr marL="2286000" indent="0" algn="ctr">
+              <a:buNone/>
+              <a:defRPr>
+                <a:solidFill>
+                  <a:schemeClr val="tx1">
+                    <a:tint val="75000"/>
+                  </a:schemeClr>
+                </a:solidFill>
+              </a:defRPr>
+            </a:lvl6pPr>
+            <a:lvl7pPr marL="2743200" indent="0" algn="ctr">
+              <a:buNone/>
+              <a:defRPr>
+                <a:solidFill>
+                  <a:schemeClr val="tx1">
+                    <a:tint val="75000"/>
+                  </a:schemeClr>
+                </a:solidFill>
+              </a:defRPr>
+            </a:lvl7pPr>
+            <a:lvl8pPr marL="3200400" indent="0" algn="ctr">
+              <a:buNone/>
+              <a:defRPr>
+                <a:solidFill>
+                  <a:schemeClr val="tx1">
+                    <a:tint val="75000"/>
+                  </a:schemeClr>
+                </a:solidFill>
+              </a:defRPr>
+            </a:lvl8pPr>
+            <a:lvl9pPr marL="3657600" indent="0" algn="ctr">
+              <a:buNone/>
+              <a:defRPr>
+                <a:solidFill>
+                  <a:schemeClr val="tx1">
+                    <a:tint val="75000"/>
+                  </a:schemeClr>
+                </a:solidFill>
+              </a:defRPr>
+            </a:lvl9pPr>
+          </a:lstStyle>
+          <a:p>
+            <a:r>
+              <a:rPr lang="en-US" smtClean="0"/>
+              <a:t>Click to edit Master subtitle style</a:t>
+            </a:r>
+            <a:endParaRPr/>
+          </a:p>
+        </p:txBody>
+      </p:sp>
+      <p:sp>
+        <p:nvSpPr>
+          <p:cNvPr id="4" name="Date Placeholder 3"/>
+          <p:cNvSpPr>
+            <a:spLocks noGrp="1"/>
+          </p:cNvSpPr>
+          <p:nvPr>
+            <p:ph type="dt" sz="half" idx="10"/>
+          </p:nvPr>
+        </p:nvSpPr>
+        <p:spPr/>
+        <p:txBody>
+          <a:bodyPr/>
+          <a:lstStyle/>
+          <a:p>
+            <a:fld id="{581A7F65-9957-7141-9336-4964FBAA3047}" type="datetimeFigureOut">
+              <a:rPr lang="en-US" smtClean="0"/>
+              <a:pPr/>
+              <a:t>2/19/13</a:t>
+            </a:fld>
+            <a:endParaRPr lang="en-US" dirty="0"/>
+          </a:p>
+        </p:txBody>
+      </p:sp>
+      <p:sp>
+        <p:nvSpPr>
+          <p:cNvPr id="5" name="Footer Placeholder 4"/>
+          <p:cNvSpPr>
+            <a:spLocks noGrp="1"/>
+          </p:cNvSpPr>
+          <p:nvPr>
+            <p:ph type="ftr" sz="quarter" idx="11"/>
+          </p:nvPr>
+        </p:nvSpPr>
+        <p:spPr/>
+        <p:txBody>
+          <a:bodyPr/>
+          <a:lstStyle/>
+          <a:p>
+            <a:endParaRPr lang="en-US" dirty="0"/>
+          </a:p>
+        </p:txBody>
+      </p:sp>
+      <p:sp>
+        <p:nvSpPr>
+          <p:cNvPr id="6" name="Slide Number Placeholder 5"/>
+          <p:cNvSpPr>
+            <a:spLocks noGrp="1"/>
+          </p:cNvSpPr>
+          <p:nvPr>
+            <p:ph type="sldNum" sz="quarter" idx="12"/>
+          </p:nvPr>
+        </p:nvSpPr>
+        <p:spPr/>
+        <p:txBody>
+          <a:bodyPr/>
+          <a:lstStyle/>
+          <a:p>
+            <a:fld id="{E69D8ABB-42A2-A84C-9A81-214E4CF873D6}" type="slidenum">
+              <a:rPr lang="en-US" smtClean="0"/>
+              <a:pPr/>
+              <a:t>‹#›</a:t>
+            </a:fld>
+            <a:endParaRPr lang="en-US" dirty="0"/>
+          </a:p>
+        </p:txBody>
+      </p:sp>
+    </p:spTree>
+  </p:cSld>
+  <p:clrMapOvr>
+    <a:masterClrMapping/>
+  </p:clrMapOvr>
+</p:sldLayout>
+</file>
+
+<file path=ppt/slideLayouts/slideLayout4.xml><?xml version="1.0" encoding="utf-8"?>
 <p:sldLayout xmlns:a="http://schemas.openxmlformats.org/drawingml/2006/main" xmlns:r="http://schemas.openxmlformats.org/officeDocument/2006/relationships" xmlns:mc="http://schemas.openxmlformats.org/markup-compatibility/2006" xmlns:mv="urn:schemas-microsoft-com:mac:vml" xmlns:p="http://schemas.openxmlformats.org/presentationml/2006/main" mc:Ignorable="mv" mc:PreserveAttributes="mv:*" type="secHead" preserve="1">
   <p:cSld name="Section Header">
     <p:spTree>
@@ -1441,23 +4004,36 @@
         </p:nvSpPr>
         <p:spPr>
           <a:xfrm>
-            <a:off x="722313" y="4406900"/>
-            <a:ext cx="7772400" cy="1362075"/>
+            <a:off x="685800" y="2017059"/>
+            <a:ext cx="7772400" cy="1655064"/>
           </a:xfrm>
         </p:spPr>
         <p:txBody>
-          <a:bodyPr anchor="t"/>
+          <a:bodyPr vert="horz" lIns="91440" tIns="45720" rIns="91440" bIns="45720" rtlCol="0" anchor="b" anchorCtr="0">
+            <a:noAutofit/>
+          </a:bodyPr>
           <a:lstStyle>
-            <a:lvl1pPr algn="l">
-              <a:defRPr sz="4000" b="1" cap="all"/>
+            <a:lvl1pPr algn="ctr" defTabSz="914400" rtl="0" eaLnBrk="1" latinLnBrk="0" hangingPunct="1">
+              <a:spcBef>
+                <a:spcPct val="0"/>
+              </a:spcBef>
+              <a:buNone/>
+              <a:defRPr sz="5400" b="0" kern="1200" cap="none" baseline="0">
+                <a:solidFill>
+                  <a:schemeClr val="tx1"/>
+                </a:solidFill>
+                <a:latin typeface="Gill Sans Light"/>
+                <a:ea typeface="+mj-ea"/>
+                <a:cs typeface="+mj-cs"/>
+              </a:defRPr>
             </a:lvl1pPr>
           </a:lstStyle>
           <a:p>
             <a:r>
-              <a:rPr lang="en-US" smtClean="0"/>
+              <a:rPr lang="en-US" dirty="0" smtClean="0"/>
               <a:t>Click to edit Master title style</a:t>
             </a:r>
-            <a:endParaRPr lang="en-US"/>
+            <a:endParaRPr dirty="0"/>
           </a:p>
         </p:txBody>
       </p:sp>
@@ -1473,21 +4049,29 @@
         </p:nvSpPr>
         <p:spPr>
           <a:xfrm>
-            <a:off x="722313" y="2906713"/>
+            <a:off x="685800" y="3662979"/>
             <a:ext cx="7772400" cy="1500187"/>
           </a:xfrm>
         </p:spPr>
         <p:txBody>
-          <a:bodyPr anchor="b"/>
+          <a:bodyPr vert="horz" lIns="91440" tIns="45720" rIns="91440" bIns="45720" rtlCol="0" anchor="t" anchorCtr="0">
+            <a:normAutofit/>
+          </a:bodyPr>
           <a:lstStyle>
-            <a:lvl1pPr marL="0" indent="0">
-              <a:buNone/>
-              <a:defRPr sz="2000">
+            <a:lvl1pPr marL="0" indent="0" algn="ctr">
+              <a:spcBef>
+                <a:spcPts val="300"/>
+              </a:spcBef>
+              <a:buNone/>
+              <a:defRPr sz="1800" kern="1200">
                 <a:solidFill>
                   <a:schemeClr val="tx1">
                     <a:tint val="75000"/>
                   </a:schemeClr>
                 </a:solidFill>
+                <a:latin typeface="Gill Sans Light"/>
+                <a:ea typeface="+mn-ea"/>
+                <a:cs typeface="+mn-cs"/>
               </a:defRPr>
             </a:lvl1pPr>
             <a:lvl2pPr marL="457200" indent="0">
@@ -1572,9 +4156,18 @@
             </a:lvl9pPr>
           </a:lstStyle>
           <a:p>
-            <a:pPr lvl="0"/>
-            <a:r>
-              <a:rPr lang="en-US" smtClean="0"/>
+            <a:pPr marL="0" lvl="0" indent="0" algn="ctr" defTabSz="914400" rtl="0" eaLnBrk="1" latinLnBrk="0" hangingPunct="1">
+              <a:lnSpc>
+                <a:spcPts val="2000"/>
+              </a:lnSpc>
+              <a:spcBef>
+                <a:spcPts val="2000"/>
+              </a:spcBef>
+              <a:buFont typeface="Wingdings 2" pitchFamily="18" charset="2"/>
+              <a:buNone/>
+            </a:pPr>
+            <a:r>
+              <a:rPr lang="en-US" dirty="0" smtClean="0"/>
               <a:t>Click to edit Master text styles</a:t>
             </a:r>
           </a:p>
@@ -1595,10 +4188,10 @@
           <a:bodyPr/>
           <a:lstStyle/>
           <a:p>
-            <a:fld id="{581A7F65-9957-7141-9336-4964FBAA3047}" type="datetimeFigureOut">
+            <a:fld id="{E637BB6B-EE1B-48FB-8575-0D55C373DE88}" type="datetimeFigureOut">
               <a:rPr lang="en-US" smtClean="0"/>
               <a:pPr/>
-              <a:t>2/18/13</a:t>
+              <a:t>2/19/13</a:t>
             </a:fld>
             <a:endParaRPr lang="en-US"/>
           </a:p>
@@ -1619,7 +4212,7 @@
           <a:bodyPr/>
           <a:lstStyle/>
           <a:p>
-            <a:endParaRPr lang="en-US"/>
+            <a:endParaRPr kumimoji="0" lang="en-US"/>
           </a:p>
         </p:txBody>
       </p:sp>
@@ -1638,12 +4231,12 @@
           <a:bodyPr/>
           <a:lstStyle/>
           <a:p>
-            <a:fld id="{E69D8ABB-42A2-A84C-9A81-214E4CF873D6}" type="slidenum">
-              <a:rPr lang="en-US" smtClean="0"/>
+            <a:fld id="{2AA957AF-53C0-420B-9C2D-77DB1416566C}" type="slidenum">
+              <a:rPr kumimoji="0" lang="en-US" smtClean="0"/>
               <a:pPr/>
               <a:t>‹#›</a:t>
             </a:fld>
-            <a:endParaRPr lang="en-US"/>
+            <a:endParaRPr kumimoji="0" lang="en-US"/>
           </a:p>
         </p:txBody>
       </p:sp>
@@ -1655,7 +4248,7 @@
 </p:sldLayout>
 </file>
 
-<file path=ppt/slideLayouts/slideLayout4.xml><?xml version="1.0" encoding="utf-8"?>
+<file path=ppt/slideLayouts/slideLayout5.xml><?xml version="1.0" encoding="utf-8"?>
 <p:sldLayout xmlns:a="http://schemas.openxmlformats.org/drawingml/2006/main" xmlns:r="http://schemas.openxmlformats.org/officeDocument/2006/relationships" xmlns:mc="http://schemas.openxmlformats.org/markup-compatibility/2006" xmlns:mv="urn:schemas-microsoft-com:mac:vml" xmlns:p="http://schemas.openxmlformats.org/presentationml/2006/main" mc:Ignorable="mv" mc:PreserveAttributes="mv:*" type="twoObj" preserve="1">
   <p:cSld name="Two Content">
     <p:spTree>
@@ -1691,7 +4284,7 @@
               <a:rPr lang="en-US" smtClean="0"/>
               <a:t>Click to edit Master title style</a:t>
             </a:r>
-            <a:endParaRPr lang="en-US"/>
+            <a:endParaRPr/>
           </a:p>
         </p:txBody>
       </p:sp>
@@ -1707,18 +4300,20 @@
         </p:nvSpPr>
         <p:spPr>
           <a:xfrm>
-            <a:off x="457200" y="1600200"/>
-            <a:ext cx="4038600" cy="4525963"/>
+            <a:off x="641350" y="1600200"/>
+            <a:ext cx="3749040" cy="4651375"/>
           </a:xfrm>
         </p:spPr>
         <p:txBody>
-          <a:bodyPr/>
+          <a:bodyPr>
+            <a:normAutofit/>
+          </a:bodyPr>
           <a:lstStyle>
             <a:lvl1pPr>
-              <a:defRPr sz="2800"/>
+              <a:defRPr sz="2400"/>
             </a:lvl1pPr>
             <a:lvl2pPr>
-              <a:defRPr sz="2400"/>
+              <a:defRPr sz="2200"/>
             </a:lvl2pPr>
             <a:lvl3pPr>
               <a:defRPr sz="2000"/>
@@ -1776,7 +4371,7 @@
               <a:rPr lang="en-US" smtClean="0"/>
               <a:t>Fifth level</a:t>
             </a:r>
-            <a:endParaRPr lang="en-US"/>
+            <a:endParaRPr/>
           </a:p>
         </p:txBody>
       </p:sp>
@@ -1792,18 +4387,20 @@
         </p:nvSpPr>
         <p:spPr>
           <a:xfrm>
-            <a:off x="4648200" y="1600200"/>
-            <a:ext cx="4038600" cy="4525963"/>
+            <a:off x="4749501" y="1600200"/>
+            <a:ext cx="3749040" cy="4651375"/>
           </a:xfrm>
         </p:spPr>
         <p:txBody>
-          <a:bodyPr/>
+          <a:bodyPr>
+            <a:normAutofit/>
+          </a:bodyPr>
           <a:lstStyle>
             <a:lvl1pPr>
-              <a:defRPr sz="2800"/>
+              <a:defRPr sz="2400"/>
             </a:lvl1pPr>
             <a:lvl2pPr>
-              <a:defRPr sz="2400"/>
+              <a:defRPr sz="2200"/>
             </a:lvl2pPr>
             <a:lvl3pPr>
               <a:defRPr sz="2000"/>
@@ -1861,7 +4458,7 @@
               <a:rPr lang="en-US" smtClean="0"/>
               <a:t>Fifth level</a:t>
             </a:r>
-            <a:endParaRPr lang="en-US"/>
+            <a:endParaRPr/>
           </a:p>
         </p:txBody>
       </p:sp>
@@ -1883,7 +4480,7 @@
             <a:fld id="{581A7F65-9957-7141-9336-4964FBAA3047}" type="datetimeFigureOut">
               <a:rPr lang="en-US" smtClean="0"/>
               <a:pPr/>
-              <a:t>2/18/13</a:t>
+              <a:t>2/19/13</a:t>
             </a:fld>
             <a:endParaRPr lang="en-US"/>
           </a:p>
@@ -1929,6 +4526,152 @@
               <a:t>‹#›</a:t>
             </a:fld>
             <a:endParaRPr lang="en-US"/>
+          </a:p>
+        </p:txBody>
+      </p:sp>
+      <p:sp>
+        <p:nvSpPr>
+          <p:cNvPr id="16" name="Freeform 15"/>
+          <p:cNvSpPr/>
+          <p:nvPr/>
+        </p:nvSpPr>
+        <p:spPr>
+          <a:xfrm>
+            <a:off x="280416" y="1525588"/>
+            <a:ext cx="8558784" cy="0"/>
+          </a:xfrm>
+          <a:custGeom>
+            <a:avLst/>
+            <a:gdLst>
+              <a:gd name="connsiteX0" fmla="*/ 0 w 8592671"/>
+              <a:gd name="connsiteY0" fmla="*/ 0 h 0"/>
+              <a:gd name="connsiteX1" fmla="*/ 8592671 w 8592671"/>
+              <a:gd name="connsiteY1" fmla="*/ 0 h 0"/>
+            </a:gdLst>
+            <a:ahLst/>
+            <a:cxnLst>
+              <a:cxn ang="0">
+                <a:pos x="connsiteX0" y="connsiteY0"/>
+              </a:cxn>
+              <a:cxn ang="0">
+                <a:pos x="connsiteX1" y="connsiteY1"/>
+              </a:cxn>
+            </a:cxnLst>
+            <a:rect l="l" t="t" r="r" b="b"/>
+            <a:pathLst>
+              <a:path w="8592671">
+                <a:moveTo>
+                  <a:pt x="0" y="0"/>
+                </a:moveTo>
+                <a:lnTo>
+                  <a:pt x="8592671" y="0"/>
+                </a:lnTo>
+              </a:path>
+            </a:pathLst>
+          </a:custGeom>
+          <a:ln w="3175">
+            <a:solidFill>
+              <a:schemeClr val="tx1">
+                <a:lumMod val="75000"/>
+              </a:schemeClr>
+            </a:solidFill>
+          </a:ln>
+        </p:spPr>
+        <p:style>
+          <a:lnRef idx="1">
+            <a:schemeClr val="accent1"/>
+          </a:lnRef>
+          <a:fillRef idx="0">
+            <a:schemeClr val="accent1"/>
+          </a:fillRef>
+          <a:effectRef idx="0">
+            <a:schemeClr val="accent1"/>
+          </a:effectRef>
+          <a:fontRef idx="minor">
+            <a:schemeClr val="tx1"/>
+          </a:fontRef>
+        </p:style>
+        <p:txBody>
+          <a:bodyPr rtlCol="0" anchor="ctr"/>
+          <a:lstStyle/>
+          <a:p>
+            <a:pPr algn="ctr"/>
+            <a:endParaRPr dirty="0">
+              <a:latin typeface="Gill Sans Light"/>
+            </a:endParaRPr>
+          </a:p>
+        </p:txBody>
+      </p:sp>
+      <p:sp>
+        <p:nvSpPr>
+          <p:cNvPr id="17" name="Freeform 16"/>
+          <p:cNvSpPr/>
+          <p:nvPr/>
+        </p:nvSpPr>
+        <p:spPr>
+          <a:xfrm>
+            <a:off x="280416" y="6399213"/>
+            <a:ext cx="8558784" cy="0"/>
+          </a:xfrm>
+          <a:custGeom>
+            <a:avLst/>
+            <a:gdLst>
+              <a:gd name="connsiteX0" fmla="*/ 0 w 8592671"/>
+              <a:gd name="connsiteY0" fmla="*/ 0 h 0"/>
+              <a:gd name="connsiteX1" fmla="*/ 8592671 w 8592671"/>
+              <a:gd name="connsiteY1" fmla="*/ 0 h 0"/>
+            </a:gdLst>
+            <a:ahLst/>
+            <a:cxnLst>
+              <a:cxn ang="0">
+                <a:pos x="connsiteX0" y="connsiteY0"/>
+              </a:cxn>
+              <a:cxn ang="0">
+                <a:pos x="connsiteX1" y="connsiteY1"/>
+              </a:cxn>
+            </a:cxnLst>
+            <a:rect l="l" t="t" r="r" b="b"/>
+            <a:pathLst>
+              <a:path w="8592671">
+                <a:moveTo>
+                  <a:pt x="0" y="0"/>
+                </a:moveTo>
+                <a:lnTo>
+                  <a:pt x="8592671" y="0"/>
+                </a:lnTo>
+              </a:path>
+            </a:pathLst>
+          </a:custGeom>
+          <a:ln w="3175">
+            <a:solidFill>
+              <a:schemeClr val="tx1">
+                <a:lumMod val="75000"/>
+              </a:schemeClr>
+            </a:solidFill>
+          </a:ln>
+        </p:spPr>
+        <p:style>
+          <a:lnRef idx="1">
+            <a:schemeClr val="accent1"/>
+          </a:lnRef>
+          <a:fillRef idx="0">
+            <a:schemeClr val="accent1"/>
+          </a:fillRef>
+          <a:effectRef idx="0">
+            <a:schemeClr val="accent1"/>
+          </a:effectRef>
+          <a:fontRef idx="minor">
+            <a:schemeClr val="tx1"/>
+          </a:fontRef>
+        </p:style>
+        <p:txBody>
+          <a:bodyPr rtlCol="0" anchor="ctr"/>
+          <a:lstStyle/>
+          <a:p>
+            <a:pPr algn="ctr"/>
+            <a:endParaRPr dirty="0">
+              <a:latin typeface="Gill Sans Light"/>
+            </a:endParaRPr>
           </a:p>
         </p:txBody>
       </p:sp>
@@ -1940,7 +4683,7 @@
 </p:sldLayout>
 </file>
 
-<file path=ppt/slideLayouts/slideLayout5.xml><?xml version="1.0" encoding="utf-8"?>
+<file path=ppt/slideLayouts/slideLayout6.xml><?xml version="1.0" encoding="utf-8"?>
 <p:sldLayout xmlns:a="http://schemas.openxmlformats.org/drawingml/2006/main" xmlns:r="http://schemas.openxmlformats.org/officeDocument/2006/relationships" xmlns:mc="http://schemas.openxmlformats.org/markup-compatibility/2006" xmlns:mv="urn:schemas-microsoft-com:mac:vml" xmlns:p="http://schemas.openxmlformats.org/presentationml/2006/main" mc:Ignorable="mv" mc:PreserveAttributes="mv:*" type="twoTxTwoObj" preserve="1">
   <p:cSld name="Comparison">
     <p:spTree>
@@ -1980,7 +4723,7 @@
               <a:rPr lang="en-US" smtClean="0"/>
               <a:t>Click to edit Master title style</a:t>
             </a:r>
-            <a:endParaRPr lang="en-US"/>
+            <a:endParaRPr/>
           </a:p>
         </p:txBody>
       </p:sp>
@@ -1996,16 +4739,21 @@
         </p:nvSpPr>
         <p:spPr>
           <a:xfrm>
-            <a:off x="457200" y="1535113"/>
-            <a:ext cx="4040188" cy="639762"/>
+            <a:off x="641350" y="1532964"/>
+            <a:ext cx="3749040" cy="833718"/>
           </a:xfrm>
         </p:spPr>
         <p:txBody>
-          <a:bodyPr anchor="b"/>
+          <a:bodyPr anchor="ctr" anchorCtr="0">
+            <a:noAutofit/>
+          </a:bodyPr>
           <a:lstStyle>
-            <a:lvl1pPr marL="0" indent="0">
-              <a:buNone/>
-              <a:defRPr sz="2400" b="1"/>
+            <a:lvl1pPr marL="0" indent="0" algn="ctr">
+              <a:spcBef>
+                <a:spcPts val="300"/>
+              </a:spcBef>
+              <a:buNone/>
+              <a:defRPr sz="2800" b="0"/>
             </a:lvl1pPr>
             <a:lvl2pPr marL="457200" indent="0">
               <a:buNone/>
@@ -2061,27 +4809,29 @@
         </p:nvSpPr>
         <p:spPr>
           <a:xfrm>
-            <a:off x="457200" y="2174875"/>
-            <a:ext cx="4040188" cy="3951288"/>
+            <a:off x="641350" y="2362200"/>
+            <a:ext cx="3749040" cy="3889375"/>
           </a:xfrm>
         </p:spPr>
         <p:txBody>
-          <a:bodyPr/>
+          <a:bodyPr>
+            <a:normAutofit/>
+          </a:bodyPr>
           <a:lstStyle>
             <a:lvl1pPr>
               <a:defRPr sz="2400"/>
             </a:lvl1pPr>
             <a:lvl2pPr>
-              <a:defRPr sz="2000"/>
+              <a:defRPr sz="2200"/>
             </a:lvl2pPr>
             <a:lvl3pPr>
-              <a:defRPr sz="1800"/>
+              <a:defRPr sz="2000"/>
             </a:lvl3pPr>
             <a:lvl4pPr>
-              <a:defRPr sz="1600"/>
+              <a:defRPr sz="1800"/>
             </a:lvl4pPr>
             <a:lvl5pPr>
-              <a:defRPr sz="1600"/>
+              <a:defRPr sz="1800"/>
             </a:lvl5pPr>
             <a:lvl6pPr>
               <a:defRPr sz="1600"/>
@@ -2130,7 +4880,7 @@
               <a:rPr lang="en-US" smtClean="0"/>
               <a:t>Fifth level</a:t>
             </a:r>
-            <a:endParaRPr lang="en-US"/>
+            <a:endParaRPr/>
           </a:p>
         </p:txBody>
       </p:sp>
@@ -2146,16 +4896,21 @@
         </p:nvSpPr>
         <p:spPr>
           <a:xfrm>
-            <a:off x="4645025" y="1535113"/>
-            <a:ext cx="4041775" cy="639762"/>
+            <a:off x="4752601" y="1532964"/>
+            <a:ext cx="3749040" cy="833718"/>
           </a:xfrm>
         </p:spPr>
         <p:txBody>
-          <a:bodyPr anchor="b"/>
+          <a:bodyPr anchor="ctr" anchorCtr="0">
+            <a:noAutofit/>
+          </a:bodyPr>
           <a:lstStyle>
-            <a:lvl1pPr marL="0" indent="0">
-              <a:buNone/>
-              <a:defRPr sz="2400" b="1"/>
+            <a:lvl1pPr marL="0" indent="0" algn="ctr">
+              <a:spcBef>
+                <a:spcPts val="300"/>
+              </a:spcBef>
+              <a:buNone/>
+              <a:defRPr sz="2800" b="0"/>
             </a:lvl1pPr>
             <a:lvl2pPr marL="457200" indent="0">
               <a:buNone/>
@@ -2211,27 +4966,29 @@
         </p:nvSpPr>
         <p:spPr>
           <a:xfrm>
-            <a:off x="4645025" y="2174875"/>
-            <a:ext cx="4041775" cy="3951288"/>
+            <a:off x="4752601" y="2362200"/>
+            <a:ext cx="3749040" cy="3889375"/>
           </a:xfrm>
         </p:spPr>
         <p:txBody>
-          <a:bodyPr/>
+          <a:bodyPr>
+            <a:normAutofit/>
+          </a:bodyPr>
           <a:lstStyle>
             <a:lvl1pPr>
               <a:defRPr sz="2400"/>
             </a:lvl1pPr>
             <a:lvl2pPr>
-              <a:defRPr sz="2000"/>
+              <a:defRPr sz="2200"/>
             </a:lvl2pPr>
             <a:lvl3pPr>
-              <a:defRPr sz="1800"/>
+              <a:defRPr sz="2000"/>
             </a:lvl3pPr>
             <a:lvl4pPr>
-              <a:defRPr sz="1600"/>
+              <a:defRPr sz="1800"/>
             </a:lvl4pPr>
             <a:lvl5pPr>
-              <a:defRPr sz="1600"/>
+              <a:defRPr sz="1800"/>
             </a:lvl5pPr>
             <a:lvl6pPr>
               <a:defRPr sz="1600"/>
@@ -2280,7 +5037,7 @@
               <a:rPr lang="en-US" smtClean="0"/>
               <a:t>Fifth level</a:t>
             </a:r>
-            <a:endParaRPr lang="en-US"/>
+            <a:endParaRPr/>
           </a:p>
         </p:txBody>
       </p:sp>
@@ -2302,7 +5059,7 @@
             <a:fld id="{581A7F65-9957-7141-9336-4964FBAA3047}" type="datetimeFigureOut">
               <a:rPr lang="en-US" smtClean="0"/>
               <a:pPr/>
-              <a:t>2/18/13</a:t>
+              <a:t>2/19/13</a:t>
             </a:fld>
             <a:endParaRPr lang="en-US"/>
           </a:p>
@@ -2348,6 +5105,152 @@
               <a:t>‹#›</a:t>
             </a:fld>
             <a:endParaRPr lang="en-US"/>
+          </a:p>
+        </p:txBody>
+      </p:sp>
+      <p:sp>
+        <p:nvSpPr>
+          <p:cNvPr id="10" name="Freeform 9"/>
+          <p:cNvSpPr/>
+          <p:nvPr/>
+        </p:nvSpPr>
+        <p:spPr>
+          <a:xfrm>
+            <a:off x="280416" y="1525588"/>
+            <a:ext cx="8558784" cy="0"/>
+          </a:xfrm>
+          <a:custGeom>
+            <a:avLst/>
+            <a:gdLst>
+              <a:gd name="connsiteX0" fmla="*/ 0 w 8592671"/>
+              <a:gd name="connsiteY0" fmla="*/ 0 h 0"/>
+              <a:gd name="connsiteX1" fmla="*/ 8592671 w 8592671"/>
+              <a:gd name="connsiteY1" fmla="*/ 0 h 0"/>
+            </a:gdLst>
+            <a:ahLst/>
+            <a:cxnLst>
+              <a:cxn ang="0">
+                <a:pos x="connsiteX0" y="connsiteY0"/>
+              </a:cxn>
+              <a:cxn ang="0">
+                <a:pos x="connsiteX1" y="connsiteY1"/>
+              </a:cxn>
+            </a:cxnLst>
+            <a:rect l="l" t="t" r="r" b="b"/>
+            <a:pathLst>
+              <a:path w="8592671">
+                <a:moveTo>
+                  <a:pt x="0" y="0"/>
+                </a:moveTo>
+                <a:lnTo>
+                  <a:pt x="8592671" y="0"/>
+                </a:lnTo>
+              </a:path>
+            </a:pathLst>
+          </a:custGeom>
+          <a:ln w="3175">
+            <a:solidFill>
+              <a:schemeClr val="tx1">
+                <a:lumMod val="75000"/>
+              </a:schemeClr>
+            </a:solidFill>
+          </a:ln>
+        </p:spPr>
+        <p:style>
+          <a:lnRef idx="1">
+            <a:schemeClr val="accent1"/>
+          </a:lnRef>
+          <a:fillRef idx="0">
+            <a:schemeClr val="accent1"/>
+          </a:fillRef>
+          <a:effectRef idx="0">
+            <a:schemeClr val="accent1"/>
+          </a:effectRef>
+          <a:fontRef idx="minor">
+            <a:schemeClr val="tx1"/>
+          </a:fontRef>
+        </p:style>
+        <p:txBody>
+          <a:bodyPr rtlCol="0" anchor="ctr"/>
+          <a:lstStyle/>
+          <a:p>
+            <a:pPr algn="ctr"/>
+            <a:endParaRPr dirty="0">
+              <a:latin typeface="Gill Sans Light"/>
+            </a:endParaRPr>
+          </a:p>
+        </p:txBody>
+      </p:sp>
+      <p:sp>
+        <p:nvSpPr>
+          <p:cNvPr id="11" name="Freeform 10"/>
+          <p:cNvSpPr/>
+          <p:nvPr/>
+        </p:nvSpPr>
+        <p:spPr>
+          <a:xfrm>
+            <a:off x="280416" y="6399213"/>
+            <a:ext cx="8558784" cy="0"/>
+          </a:xfrm>
+          <a:custGeom>
+            <a:avLst/>
+            <a:gdLst>
+              <a:gd name="connsiteX0" fmla="*/ 0 w 8592671"/>
+              <a:gd name="connsiteY0" fmla="*/ 0 h 0"/>
+              <a:gd name="connsiteX1" fmla="*/ 8592671 w 8592671"/>
+              <a:gd name="connsiteY1" fmla="*/ 0 h 0"/>
+            </a:gdLst>
+            <a:ahLst/>
+            <a:cxnLst>
+              <a:cxn ang="0">
+                <a:pos x="connsiteX0" y="connsiteY0"/>
+              </a:cxn>
+              <a:cxn ang="0">
+                <a:pos x="connsiteX1" y="connsiteY1"/>
+              </a:cxn>
+            </a:cxnLst>
+            <a:rect l="l" t="t" r="r" b="b"/>
+            <a:pathLst>
+              <a:path w="8592671">
+                <a:moveTo>
+                  <a:pt x="0" y="0"/>
+                </a:moveTo>
+                <a:lnTo>
+                  <a:pt x="8592671" y="0"/>
+                </a:lnTo>
+              </a:path>
+            </a:pathLst>
+          </a:custGeom>
+          <a:ln w="3175">
+            <a:solidFill>
+              <a:schemeClr val="tx1">
+                <a:lumMod val="75000"/>
+              </a:schemeClr>
+            </a:solidFill>
+          </a:ln>
+        </p:spPr>
+        <p:style>
+          <a:lnRef idx="1">
+            <a:schemeClr val="accent1"/>
+          </a:lnRef>
+          <a:fillRef idx="0">
+            <a:schemeClr val="accent1"/>
+          </a:fillRef>
+          <a:effectRef idx="0">
+            <a:schemeClr val="accent1"/>
+          </a:effectRef>
+          <a:fontRef idx="minor">
+            <a:schemeClr val="tx1"/>
+          </a:fontRef>
+        </p:style>
+        <p:txBody>
+          <a:bodyPr rtlCol="0" anchor="ctr"/>
+          <a:lstStyle/>
+          <a:p>
+            <a:pPr algn="ctr"/>
+            <a:endParaRPr dirty="0">
+              <a:latin typeface="Gill Sans Light"/>
+            </a:endParaRPr>
           </a:p>
         </p:txBody>
       </p:sp>
@@ -2359,7 +5262,7 @@
 </p:sldLayout>
 </file>
 
-<file path=ppt/slideLayouts/slideLayout6.xml><?xml version="1.0" encoding="utf-8"?>
+<file path=ppt/slideLayouts/slideLayout7.xml><?xml version="1.0" encoding="utf-8"?>
 <p:sldLayout xmlns:a="http://schemas.openxmlformats.org/drawingml/2006/main" xmlns:r="http://schemas.openxmlformats.org/officeDocument/2006/relationships" xmlns:mc="http://schemas.openxmlformats.org/markup-compatibility/2006" xmlns:mv="urn:schemas-microsoft-com:mac:vml" xmlns:p="http://schemas.openxmlformats.org/presentationml/2006/main" mc:Ignorable="mv" mc:PreserveAttributes="mv:*" type="titleOnly" preserve="1">
   <p:cSld name="Title Only">
     <p:spTree>
@@ -2395,7 +5298,7 @@
               <a:rPr lang="en-US" smtClean="0"/>
               <a:t>Click to edit Master title style</a:t>
             </a:r>
-            <a:endParaRPr lang="en-US"/>
+            <a:endParaRPr/>
           </a:p>
         </p:txBody>
       </p:sp>
@@ -2417,7 +5320,7 @@
             <a:fld id="{581A7F65-9957-7141-9336-4964FBAA3047}" type="datetimeFigureOut">
               <a:rPr lang="en-US" smtClean="0"/>
               <a:pPr/>
-              <a:t>2/18/13</a:t>
+              <a:t>2/19/13</a:t>
             </a:fld>
             <a:endParaRPr lang="en-US"/>
           </a:p>
@@ -2463,6 +5366,590 @@
               <a:t>‹#›</a:t>
             </a:fld>
             <a:endParaRPr lang="en-US"/>
+          </a:p>
+        </p:txBody>
+      </p:sp>
+      <p:sp>
+        <p:nvSpPr>
+          <p:cNvPr id="6" name="Freeform 5"/>
+          <p:cNvSpPr/>
+          <p:nvPr/>
+        </p:nvSpPr>
+        <p:spPr>
+          <a:xfrm>
+            <a:off x="280416" y="1525588"/>
+            <a:ext cx="8558784" cy="0"/>
+          </a:xfrm>
+          <a:custGeom>
+            <a:avLst/>
+            <a:gdLst>
+              <a:gd name="connsiteX0" fmla="*/ 0 w 8592671"/>
+              <a:gd name="connsiteY0" fmla="*/ 0 h 0"/>
+              <a:gd name="connsiteX1" fmla="*/ 8592671 w 8592671"/>
+              <a:gd name="connsiteY1" fmla="*/ 0 h 0"/>
+            </a:gdLst>
+            <a:ahLst/>
+            <a:cxnLst>
+              <a:cxn ang="0">
+                <a:pos x="connsiteX0" y="connsiteY0"/>
+              </a:cxn>
+              <a:cxn ang="0">
+                <a:pos x="connsiteX1" y="connsiteY1"/>
+              </a:cxn>
+            </a:cxnLst>
+            <a:rect l="l" t="t" r="r" b="b"/>
+            <a:pathLst>
+              <a:path w="8592671">
+                <a:moveTo>
+                  <a:pt x="0" y="0"/>
+                </a:moveTo>
+                <a:lnTo>
+                  <a:pt x="8592671" y="0"/>
+                </a:lnTo>
+              </a:path>
+            </a:pathLst>
+          </a:custGeom>
+          <a:ln w="3175">
+            <a:solidFill>
+              <a:schemeClr val="tx1">
+                <a:lumMod val="75000"/>
+              </a:schemeClr>
+            </a:solidFill>
+          </a:ln>
+        </p:spPr>
+        <p:style>
+          <a:lnRef idx="1">
+            <a:schemeClr val="accent1"/>
+          </a:lnRef>
+          <a:fillRef idx="0">
+            <a:schemeClr val="accent1"/>
+          </a:fillRef>
+          <a:effectRef idx="0">
+            <a:schemeClr val="accent1"/>
+          </a:effectRef>
+          <a:fontRef idx="minor">
+            <a:schemeClr val="tx1"/>
+          </a:fontRef>
+        </p:style>
+        <p:txBody>
+          <a:bodyPr rtlCol="0" anchor="ctr"/>
+          <a:lstStyle/>
+          <a:p>
+            <a:pPr algn="ctr"/>
+            <a:endParaRPr dirty="0">
+              <a:latin typeface="Gill Sans Light"/>
+            </a:endParaRPr>
+          </a:p>
+        </p:txBody>
+      </p:sp>
+      <p:sp>
+        <p:nvSpPr>
+          <p:cNvPr id="7" name="Freeform 6"/>
+          <p:cNvSpPr/>
+          <p:nvPr/>
+        </p:nvSpPr>
+        <p:spPr>
+          <a:xfrm>
+            <a:off x="280416" y="6399213"/>
+            <a:ext cx="8558784" cy="0"/>
+          </a:xfrm>
+          <a:custGeom>
+            <a:avLst/>
+            <a:gdLst>
+              <a:gd name="connsiteX0" fmla="*/ 0 w 8592671"/>
+              <a:gd name="connsiteY0" fmla="*/ 0 h 0"/>
+              <a:gd name="connsiteX1" fmla="*/ 8592671 w 8592671"/>
+              <a:gd name="connsiteY1" fmla="*/ 0 h 0"/>
+            </a:gdLst>
+            <a:ahLst/>
+            <a:cxnLst>
+              <a:cxn ang="0">
+                <a:pos x="connsiteX0" y="connsiteY0"/>
+              </a:cxn>
+              <a:cxn ang="0">
+                <a:pos x="connsiteX1" y="connsiteY1"/>
+              </a:cxn>
+            </a:cxnLst>
+            <a:rect l="l" t="t" r="r" b="b"/>
+            <a:pathLst>
+              <a:path w="8592671">
+                <a:moveTo>
+                  <a:pt x="0" y="0"/>
+                </a:moveTo>
+                <a:lnTo>
+                  <a:pt x="8592671" y="0"/>
+                </a:lnTo>
+              </a:path>
+            </a:pathLst>
+          </a:custGeom>
+          <a:ln w="3175">
+            <a:solidFill>
+              <a:schemeClr val="tx1">
+                <a:lumMod val="75000"/>
+              </a:schemeClr>
+            </a:solidFill>
+          </a:ln>
+        </p:spPr>
+        <p:style>
+          <a:lnRef idx="1">
+            <a:schemeClr val="accent1"/>
+          </a:lnRef>
+          <a:fillRef idx="0">
+            <a:schemeClr val="accent1"/>
+          </a:fillRef>
+          <a:effectRef idx="0">
+            <a:schemeClr val="accent1"/>
+          </a:effectRef>
+          <a:fontRef idx="minor">
+            <a:schemeClr val="tx1"/>
+          </a:fontRef>
+        </p:style>
+        <p:txBody>
+          <a:bodyPr rtlCol="0" anchor="ctr"/>
+          <a:lstStyle/>
+          <a:p>
+            <a:pPr algn="ctr"/>
+            <a:endParaRPr dirty="0">
+              <a:latin typeface="Gill Sans Light"/>
+            </a:endParaRPr>
+          </a:p>
+        </p:txBody>
+      </p:sp>
+      <p:sp>
+        <p:nvSpPr>
+          <p:cNvPr id="8" name="Freeform 7"/>
+          <p:cNvSpPr/>
+          <p:nvPr/>
+        </p:nvSpPr>
+        <p:spPr>
+          <a:xfrm>
+            <a:off x="280416" y="1525588"/>
+            <a:ext cx="8558784" cy="0"/>
+          </a:xfrm>
+          <a:custGeom>
+            <a:avLst/>
+            <a:gdLst>
+              <a:gd name="connsiteX0" fmla="*/ 0 w 8592671"/>
+              <a:gd name="connsiteY0" fmla="*/ 0 h 0"/>
+              <a:gd name="connsiteX1" fmla="*/ 8592671 w 8592671"/>
+              <a:gd name="connsiteY1" fmla="*/ 0 h 0"/>
+            </a:gdLst>
+            <a:ahLst/>
+            <a:cxnLst>
+              <a:cxn ang="0">
+                <a:pos x="connsiteX0" y="connsiteY0"/>
+              </a:cxn>
+              <a:cxn ang="0">
+                <a:pos x="connsiteX1" y="connsiteY1"/>
+              </a:cxn>
+            </a:cxnLst>
+            <a:rect l="l" t="t" r="r" b="b"/>
+            <a:pathLst>
+              <a:path w="8592671">
+                <a:moveTo>
+                  <a:pt x="0" y="0"/>
+                </a:moveTo>
+                <a:lnTo>
+                  <a:pt x="8592671" y="0"/>
+                </a:lnTo>
+              </a:path>
+            </a:pathLst>
+          </a:custGeom>
+          <a:ln w="3175">
+            <a:solidFill>
+              <a:schemeClr val="tx1">
+                <a:lumMod val="75000"/>
+              </a:schemeClr>
+            </a:solidFill>
+          </a:ln>
+        </p:spPr>
+        <p:style>
+          <a:lnRef idx="1">
+            <a:schemeClr val="accent1"/>
+          </a:lnRef>
+          <a:fillRef idx="0">
+            <a:schemeClr val="accent1"/>
+          </a:fillRef>
+          <a:effectRef idx="0">
+            <a:schemeClr val="accent1"/>
+          </a:effectRef>
+          <a:fontRef idx="minor">
+            <a:schemeClr val="tx1"/>
+          </a:fontRef>
+        </p:style>
+        <p:txBody>
+          <a:bodyPr rtlCol="0" anchor="ctr"/>
+          <a:lstStyle/>
+          <a:p>
+            <a:pPr algn="ctr"/>
+            <a:endParaRPr dirty="0">
+              <a:latin typeface="Gill Sans Light"/>
+            </a:endParaRPr>
+          </a:p>
+        </p:txBody>
+      </p:sp>
+      <p:sp>
+        <p:nvSpPr>
+          <p:cNvPr id="9" name="Freeform 8"/>
+          <p:cNvSpPr/>
+          <p:nvPr/>
+        </p:nvSpPr>
+        <p:spPr>
+          <a:xfrm>
+            <a:off x="280416" y="6399213"/>
+            <a:ext cx="8558784" cy="0"/>
+          </a:xfrm>
+          <a:custGeom>
+            <a:avLst/>
+            <a:gdLst>
+              <a:gd name="connsiteX0" fmla="*/ 0 w 8592671"/>
+              <a:gd name="connsiteY0" fmla="*/ 0 h 0"/>
+              <a:gd name="connsiteX1" fmla="*/ 8592671 w 8592671"/>
+              <a:gd name="connsiteY1" fmla="*/ 0 h 0"/>
+            </a:gdLst>
+            <a:ahLst/>
+            <a:cxnLst>
+              <a:cxn ang="0">
+                <a:pos x="connsiteX0" y="connsiteY0"/>
+              </a:cxn>
+              <a:cxn ang="0">
+                <a:pos x="connsiteX1" y="connsiteY1"/>
+              </a:cxn>
+            </a:cxnLst>
+            <a:rect l="l" t="t" r="r" b="b"/>
+            <a:pathLst>
+              <a:path w="8592671">
+                <a:moveTo>
+                  <a:pt x="0" y="0"/>
+                </a:moveTo>
+                <a:lnTo>
+                  <a:pt x="8592671" y="0"/>
+                </a:lnTo>
+              </a:path>
+            </a:pathLst>
+          </a:custGeom>
+          <a:ln w="3175">
+            <a:solidFill>
+              <a:schemeClr val="tx1">
+                <a:lumMod val="75000"/>
+              </a:schemeClr>
+            </a:solidFill>
+          </a:ln>
+        </p:spPr>
+        <p:style>
+          <a:lnRef idx="1">
+            <a:schemeClr val="accent1"/>
+          </a:lnRef>
+          <a:fillRef idx="0">
+            <a:schemeClr val="accent1"/>
+          </a:fillRef>
+          <a:effectRef idx="0">
+            <a:schemeClr val="accent1"/>
+          </a:effectRef>
+          <a:fontRef idx="minor">
+            <a:schemeClr val="tx1"/>
+          </a:fontRef>
+        </p:style>
+        <p:txBody>
+          <a:bodyPr rtlCol="0" anchor="ctr"/>
+          <a:lstStyle/>
+          <a:p>
+            <a:pPr algn="ctr"/>
+            <a:endParaRPr dirty="0">
+              <a:latin typeface="Gill Sans Light"/>
+            </a:endParaRPr>
+          </a:p>
+        </p:txBody>
+      </p:sp>
+      <p:sp>
+        <p:nvSpPr>
+          <p:cNvPr id="10" name="Freeform 9"/>
+          <p:cNvSpPr/>
+          <p:nvPr/>
+        </p:nvSpPr>
+        <p:spPr>
+          <a:xfrm>
+            <a:off x="280416" y="1525588"/>
+            <a:ext cx="8558784" cy="0"/>
+          </a:xfrm>
+          <a:custGeom>
+            <a:avLst/>
+            <a:gdLst>
+              <a:gd name="connsiteX0" fmla="*/ 0 w 8592671"/>
+              <a:gd name="connsiteY0" fmla="*/ 0 h 0"/>
+              <a:gd name="connsiteX1" fmla="*/ 8592671 w 8592671"/>
+              <a:gd name="connsiteY1" fmla="*/ 0 h 0"/>
+            </a:gdLst>
+            <a:ahLst/>
+            <a:cxnLst>
+              <a:cxn ang="0">
+                <a:pos x="connsiteX0" y="connsiteY0"/>
+              </a:cxn>
+              <a:cxn ang="0">
+                <a:pos x="connsiteX1" y="connsiteY1"/>
+              </a:cxn>
+            </a:cxnLst>
+            <a:rect l="l" t="t" r="r" b="b"/>
+            <a:pathLst>
+              <a:path w="8592671">
+                <a:moveTo>
+                  <a:pt x="0" y="0"/>
+                </a:moveTo>
+                <a:lnTo>
+                  <a:pt x="8592671" y="0"/>
+                </a:lnTo>
+              </a:path>
+            </a:pathLst>
+          </a:custGeom>
+          <a:ln w="3175">
+            <a:solidFill>
+              <a:schemeClr val="tx1">
+                <a:lumMod val="75000"/>
+              </a:schemeClr>
+            </a:solidFill>
+          </a:ln>
+        </p:spPr>
+        <p:style>
+          <a:lnRef idx="1">
+            <a:schemeClr val="accent1"/>
+          </a:lnRef>
+          <a:fillRef idx="0">
+            <a:schemeClr val="accent1"/>
+          </a:fillRef>
+          <a:effectRef idx="0">
+            <a:schemeClr val="accent1"/>
+          </a:effectRef>
+          <a:fontRef idx="minor">
+            <a:schemeClr val="tx1"/>
+          </a:fontRef>
+        </p:style>
+        <p:txBody>
+          <a:bodyPr rtlCol="0" anchor="ctr"/>
+          <a:lstStyle/>
+          <a:p>
+            <a:pPr algn="ctr"/>
+            <a:endParaRPr dirty="0">
+              <a:latin typeface="Gill Sans Light"/>
+            </a:endParaRPr>
+          </a:p>
+        </p:txBody>
+      </p:sp>
+      <p:sp>
+        <p:nvSpPr>
+          <p:cNvPr id="11" name="Freeform 10"/>
+          <p:cNvSpPr/>
+          <p:nvPr/>
+        </p:nvSpPr>
+        <p:spPr>
+          <a:xfrm>
+            <a:off x="280416" y="6399213"/>
+            <a:ext cx="8558784" cy="0"/>
+          </a:xfrm>
+          <a:custGeom>
+            <a:avLst/>
+            <a:gdLst>
+              <a:gd name="connsiteX0" fmla="*/ 0 w 8592671"/>
+              <a:gd name="connsiteY0" fmla="*/ 0 h 0"/>
+              <a:gd name="connsiteX1" fmla="*/ 8592671 w 8592671"/>
+              <a:gd name="connsiteY1" fmla="*/ 0 h 0"/>
+            </a:gdLst>
+            <a:ahLst/>
+            <a:cxnLst>
+              <a:cxn ang="0">
+                <a:pos x="connsiteX0" y="connsiteY0"/>
+              </a:cxn>
+              <a:cxn ang="0">
+                <a:pos x="connsiteX1" y="connsiteY1"/>
+              </a:cxn>
+            </a:cxnLst>
+            <a:rect l="l" t="t" r="r" b="b"/>
+            <a:pathLst>
+              <a:path w="8592671">
+                <a:moveTo>
+                  <a:pt x="0" y="0"/>
+                </a:moveTo>
+                <a:lnTo>
+                  <a:pt x="8592671" y="0"/>
+                </a:lnTo>
+              </a:path>
+            </a:pathLst>
+          </a:custGeom>
+          <a:ln w="3175">
+            <a:solidFill>
+              <a:schemeClr val="tx1">
+                <a:lumMod val="75000"/>
+              </a:schemeClr>
+            </a:solidFill>
+          </a:ln>
+        </p:spPr>
+        <p:style>
+          <a:lnRef idx="1">
+            <a:schemeClr val="accent1"/>
+          </a:lnRef>
+          <a:fillRef idx="0">
+            <a:schemeClr val="accent1"/>
+          </a:fillRef>
+          <a:effectRef idx="0">
+            <a:schemeClr val="accent1"/>
+          </a:effectRef>
+          <a:fontRef idx="minor">
+            <a:schemeClr val="tx1"/>
+          </a:fontRef>
+        </p:style>
+        <p:txBody>
+          <a:bodyPr rtlCol="0" anchor="ctr"/>
+          <a:lstStyle/>
+          <a:p>
+            <a:pPr algn="ctr"/>
+            <a:endParaRPr dirty="0">
+              <a:latin typeface="Gill Sans Light"/>
+            </a:endParaRPr>
+          </a:p>
+        </p:txBody>
+      </p:sp>
+      <p:sp>
+        <p:nvSpPr>
+          <p:cNvPr id="12" name="Freeform 11"/>
+          <p:cNvSpPr/>
+          <p:nvPr/>
+        </p:nvSpPr>
+        <p:spPr>
+          <a:xfrm>
+            <a:off x="280416" y="1525588"/>
+            <a:ext cx="8558784" cy="0"/>
+          </a:xfrm>
+          <a:custGeom>
+            <a:avLst/>
+            <a:gdLst>
+              <a:gd name="connsiteX0" fmla="*/ 0 w 8592671"/>
+              <a:gd name="connsiteY0" fmla="*/ 0 h 0"/>
+              <a:gd name="connsiteX1" fmla="*/ 8592671 w 8592671"/>
+              <a:gd name="connsiteY1" fmla="*/ 0 h 0"/>
+            </a:gdLst>
+            <a:ahLst/>
+            <a:cxnLst>
+              <a:cxn ang="0">
+                <a:pos x="connsiteX0" y="connsiteY0"/>
+              </a:cxn>
+              <a:cxn ang="0">
+                <a:pos x="connsiteX1" y="connsiteY1"/>
+              </a:cxn>
+            </a:cxnLst>
+            <a:rect l="l" t="t" r="r" b="b"/>
+            <a:pathLst>
+              <a:path w="8592671">
+                <a:moveTo>
+                  <a:pt x="0" y="0"/>
+                </a:moveTo>
+                <a:lnTo>
+                  <a:pt x="8592671" y="0"/>
+                </a:lnTo>
+              </a:path>
+            </a:pathLst>
+          </a:custGeom>
+          <a:ln w="3175">
+            <a:solidFill>
+              <a:schemeClr val="tx1">
+                <a:lumMod val="75000"/>
+              </a:schemeClr>
+            </a:solidFill>
+          </a:ln>
+        </p:spPr>
+        <p:style>
+          <a:lnRef idx="1">
+            <a:schemeClr val="accent1"/>
+          </a:lnRef>
+          <a:fillRef idx="0">
+            <a:schemeClr val="accent1"/>
+          </a:fillRef>
+          <a:effectRef idx="0">
+            <a:schemeClr val="accent1"/>
+          </a:effectRef>
+          <a:fontRef idx="minor">
+            <a:schemeClr val="tx1"/>
+          </a:fontRef>
+        </p:style>
+        <p:txBody>
+          <a:bodyPr rtlCol="0" anchor="ctr"/>
+          <a:lstStyle/>
+          <a:p>
+            <a:pPr algn="ctr"/>
+            <a:endParaRPr dirty="0">
+              <a:latin typeface="Gill Sans Light"/>
+            </a:endParaRPr>
+          </a:p>
+        </p:txBody>
+      </p:sp>
+      <p:sp>
+        <p:nvSpPr>
+          <p:cNvPr id="13" name="Freeform 12"/>
+          <p:cNvSpPr/>
+          <p:nvPr/>
+        </p:nvSpPr>
+        <p:spPr>
+          <a:xfrm>
+            <a:off x="280416" y="6399213"/>
+            <a:ext cx="8558784" cy="0"/>
+          </a:xfrm>
+          <a:custGeom>
+            <a:avLst/>
+            <a:gdLst>
+              <a:gd name="connsiteX0" fmla="*/ 0 w 8592671"/>
+              <a:gd name="connsiteY0" fmla="*/ 0 h 0"/>
+              <a:gd name="connsiteX1" fmla="*/ 8592671 w 8592671"/>
+              <a:gd name="connsiteY1" fmla="*/ 0 h 0"/>
+            </a:gdLst>
+            <a:ahLst/>
+            <a:cxnLst>
+              <a:cxn ang="0">
+                <a:pos x="connsiteX0" y="connsiteY0"/>
+              </a:cxn>
+              <a:cxn ang="0">
+                <a:pos x="connsiteX1" y="connsiteY1"/>
+              </a:cxn>
+            </a:cxnLst>
+            <a:rect l="l" t="t" r="r" b="b"/>
+            <a:pathLst>
+              <a:path w="8592671">
+                <a:moveTo>
+                  <a:pt x="0" y="0"/>
+                </a:moveTo>
+                <a:lnTo>
+                  <a:pt x="8592671" y="0"/>
+                </a:lnTo>
+              </a:path>
+            </a:pathLst>
+          </a:custGeom>
+          <a:ln w="3175">
+            <a:solidFill>
+              <a:schemeClr val="tx1">
+                <a:lumMod val="75000"/>
+              </a:schemeClr>
+            </a:solidFill>
+          </a:ln>
+        </p:spPr>
+        <p:style>
+          <a:lnRef idx="1">
+            <a:schemeClr val="accent1"/>
+          </a:lnRef>
+          <a:fillRef idx="0">
+            <a:schemeClr val="accent1"/>
+          </a:fillRef>
+          <a:effectRef idx="0">
+            <a:schemeClr val="accent1"/>
+          </a:effectRef>
+          <a:fontRef idx="minor">
+            <a:schemeClr val="tx1"/>
+          </a:fontRef>
+        </p:style>
+        <p:txBody>
+          <a:bodyPr rtlCol="0" anchor="ctr"/>
+          <a:lstStyle/>
+          <a:p>
+            <a:pPr algn="ctr"/>
+            <a:endParaRPr dirty="0">
+              <a:latin typeface="Gill Sans Light"/>
+            </a:endParaRPr>
           </a:p>
         </p:txBody>
       </p:sp>
@@ -2474,7 +5961,7 @@
 </p:sldLayout>
 </file>
 
-<file path=ppt/slideLayouts/slideLayout7.xml><?xml version="1.0" encoding="utf-8"?>
+<file path=ppt/slideLayouts/slideLayout8.xml><?xml version="1.0" encoding="utf-8"?>
 <p:sldLayout xmlns:a="http://schemas.openxmlformats.org/drawingml/2006/main" xmlns:r="http://schemas.openxmlformats.org/officeDocument/2006/relationships" xmlns:mc="http://schemas.openxmlformats.org/markup-compatibility/2006" xmlns:mv="urn:schemas-microsoft-com:mac:vml" xmlns:p="http://schemas.openxmlformats.org/presentationml/2006/main" mc:Ignorable="mv" mc:PreserveAttributes="mv:*" type="blank" preserve="1">
   <p:cSld name="Blank">
     <p:spTree>
@@ -2509,7 +5996,7 @@
             <a:fld id="{581A7F65-9957-7141-9336-4964FBAA3047}" type="datetimeFigureOut">
               <a:rPr lang="en-US" smtClean="0"/>
               <a:pPr/>
-              <a:t>2/18/13</a:t>
+              <a:t>2/19/13</a:t>
             </a:fld>
             <a:endParaRPr lang="en-US"/>
           </a:p>
@@ -2566,7 +6053,7 @@
 </p:sldLayout>
 </file>
 
-<file path=ppt/slideLayouts/slideLayout8.xml><?xml version="1.0" encoding="utf-8"?>
+<file path=ppt/slideLayouts/slideLayout9.xml><?xml version="1.0" encoding="utf-8"?>
 <p:sldLayout xmlns:a="http://schemas.openxmlformats.org/drawingml/2006/main" xmlns:r="http://schemas.openxmlformats.org/officeDocument/2006/relationships" xmlns:mc="http://schemas.openxmlformats.org/markup-compatibility/2006" xmlns:mv="urn:schemas-microsoft-com:mac:vml" xmlns:p="http://schemas.openxmlformats.org/presentationml/2006/main" mc:Ignorable="mv" mc:PreserveAttributes="mv:*" type="objTx" preserve="1">
   <p:cSld name="Content with Caption">
     <p:spTree>
@@ -2595,15 +6082,17 @@
         </p:nvSpPr>
         <p:spPr>
           <a:xfrm>
-            <a:off x="457200" y="273050"/>
-            <a:ext cx="3008313" cy="1162050"/>
+            <a:off x="624340" y="802910"/>
+            <a:ext cx="3474720" cy="1162050"/>
           </a:xfrm>
         </p:spPr>
         <p:txBody>
-          <a:bodyPr anchor="b"/>
+          <a:bodyPr anchor="b">
+            <a:normAutofit/>
+          </a:bodyPr>
           <a:lstStyle>
-            <a:lvl1pPr algn="l">
-              <a:defRPr sz="2000" b="1"/>
+            <a:lvl1pPr algn="ctr">
+              <a:defRPr sz="2400" b="0"/>
             </a:lvl1pPr>
           </a:lstStyle>
           <a:p>
@@ -2611,7 +6100,7 @@
               <a:rPr lang="en-US" smtClean="0"/>
               <a:t>Click to edit Master title style</a:t>
             </a:r>
-            <a:endParaRPr lang="en-US"/>
+            <a:endParaRPr/>
           </a:p>
         </p:txBody>
       </p:sp>
@@ -2627,27 +6116,29 @@
         </p:nvSpPr>
         <p:spPr>
           <a:xfrm>
-            <a:off x="3575050" y="273050"/>
-            <a:ext cx="5111750" cy="5853113"/>
+            <a:off x="4562010" y="449705"/>
+            <a:ext cx="3931920" cy="5781388"/>
           </a:xfrm>
         </p:spPr>
         <p:txBody>
-          <a:bodyPr/>
+          <a:bodyPr>
+            <a:normAutofit/>
+          </a:bodyPr>
           <a:lstStyle>
             <a:lvl1pPr>
-              <a:defRPr sz="3200"/>
+              <a:defRPr sz="2400"/>
             </a:lvl1pPr>
             <a:lvl2pPr>
-              <a:defRPr sz="2800"/>
+              <a:defRPr sz="2400"/>
             </a:lvl2pPr>
             <a:lvl3pPr>
               <a:defRPr sz="2400"/>
             </a:lvl3pPr>
             <a:lvl4pPr>
-              <a:defRPr sz="2000"/>
+              <a:defRPr sz="2400"/>
             </a:lvl4pPr>
             <a:lvl5pPr>
-              <a:defRPr sz="2000"/>
+              <a:defRPr sz="2400"/>
             </a:lvl5pPr>
             <a:lvl6pPr>
               <a:defRPr sz="2000"/>
@@ -2696,7 +6187,7 @@
               <a:rPr lang="en-US" smtClean="0"/>
               <a:t>Fifth level</a:t>
             </a:r>
-            <a:endParaRPr lang="en-US"/>
+            <a:endParaRPr/>
           </a:p>
         </p:txBody>
       </p:sp>
@@ -2712,16 +6203,21 @@
         </p:nvSpPr>
         <p:spPr>
           <a:xfrm>
-            <a:off x="457200" y="1435100"/>
-            <a:ext cx="3008313" cy="4691063"/>
+            <a:off x="624340" y="2057399"/>
+            <a:ext cx="3474720" cy="3733801"/>
           </a:xfrm>
         </p:spPr>
         <p:txBody>
-          <a:bodyPr/>
+          <a:bodyPr>
+            <a:normAutofit/>
+          </a:bodyPr>
           <a:lstStyle>
-            <a:lvl1pPr marL="0" indent="0">
-              <a:buNone/>
-              <a:defRPr sz="1400"/>
+            <a:lvl1pPr marL="0" indent="0" algn="ctr">
+              <a:lnSpc>
+                <a:spcPct val="110000"/>
+              </a:lnSpc>
+              <a:buNone/>
+              <a:defRPr sz="1800" b="0"/>
             </a:lvl1pPr>
             <a:lvl2pPr marL="457200" indent="0">
               <a:buNone/>
@@ -2783,7 +6279,7 @@
             <a:fld id="{581A7F65-9957-7141-9336-4964FBAA3047}" type="datetimeFigureOut">
               <a:rPr lang="en-US" smtClean="0"/>
               <a:pPr/>
-              <a:t>2/18/13</a:t>
+              <a:t>2/19/13</a:t>
             </a:fld>
             <a:endParaRPr lang="en-US"/>
           </a:p>
@@ -2832,253 +6328,149 @@
           </a:p>
         </p:txBody>
       </p:sp>
-    </p:spTree>
-  </p:cSld>
-  <p:clrMapOvr>
-    <a:masterClrMapping/>
-  </p:clrMapOvr>
-</p:sldLayout>
-</file>
-
-<file path=ppt/slideLayouts/slideLayout9.xml><?xml version="1.0" encoding="utf-8"?>
-<p:sldLayout xmlns:a="http://schemas.openxmlformats.org/drawingml/2006/main" xmlns:r="http://schemas.openxmlformats.org/officeDocument/2006/relationships" xmlns:mc="http://schemas.openxmlformats.org/markup-compatibility/2006" xmlns:mv="urn:schemas-microsoft-com:mac:vml" xmlns:p="http://schemas.openxmlformats.org/presentationml/2006/main" mc:Ignorable="mv" mc:PreserveAttributes="mv:*" type="picTx" preserve="1">
-  <p:cSld name="Picture with Caption">
-    <p:spTree>
-      <p:nvGrpSpPr>
-        <p:cNvPr id="1" name=""/>
-        <p:cNvGrpSpPr/>
-        <p:nvPr/>
-      </p:nvGrpSpPr>
-      <p:grpSpPr>
-        <a:xfrm>
-          <a:off x="0" y="0"/>
-          <a:ext cx="0" cy="0"/>
-          <a:chOff x="0" y="0"/>
-          <a:chExt cx="0" cy="0"/>
-        </a:xfrm>
-      </p:grpSpPr>
-      <p:sp>
-        <p:nvSpPr>
-          <p:cNvPr id="2" name="Title 1"/>
-          <p:cNvSpPr>
-            <a:spLocks noGrp="1"/>
-          </p:cNvSpPr>
-          <p:nvPr>
-            <p:ph type="title"/>
-          </p:nvPr>
+      <p:sp>
+        <p:nvSpPr>
+          <p:cNvPr id="8" name="Freeform 7"/>
+          <p:cNvSpPr/>
+          <p:nvPr/>
         </p:nvSpPr>
         <p:spPr>
           <a:xfrm>
-            <a:off x="1792288" y="4800600"/>
-            <a:ext cx="5486400" cy="566738"/>
+            <a:off x="280416" y="258580"/>
+            <a:ext cx="8558784" cy="0"/>
           </a:xfrm>
+          <a:custGeom>
+            <a:avLst/>
+            <a:gdLst>
+              <a:gd name="connsiteX0" fmla="*/ 0 w 8592671"/>
+              <a:gd name="connsiteY0" fmla="*/ 0 h 0"/>
+              <a:gd name="connsiteX1" fmla="*/ 8592671 w 8592671"/>
+              <a:gd name="connsiteY1" fmla="*/ 0 h 0"/>
+            </a:gdLst>
+            <a:ahLst/>
+            <a:cxnLst>
+              <a:cxn ang="0">
+                <a:pos x="connsiteX0" y="connsiteY0"/>
+              </a:cxn>
+              <a:cxn ang="0">
+                <a:pos x="connsiteX1" y="connsiteY1"/>
+              </a:cxn>
+            </a:cxnLst>
+            <a:rect l="l" t="t" r="r" b="b"/>
+            <a:pathLst>
+              <a:path w="8592671">
+                <a:moveTo>
+                  <a:pt x="0" y="0"/>
+                </a:moveTo>
+                <a:lnTo>
+                  <a:pt x="8592671" y="0"/>
+                </a:lnTo>
+              </a:path>
+            </a:pathLst>
+          </a:custGeom>
+          <a:ln w="3175">
+            <a:solidFill>
+              <a:schemeClr val="tx1">
+                <a:lumMod val="75000"/>
+              </a:schemeClr>
+            </a:solidFill>
+          </a:ln>
         </p:spPr>
-        <p:txBody>
-          <a:bodyPr anchor="b"/>
-          <a:lstStyle>
-            <a:lvl1pPr algn="l">
-              <a:defRPr sz="2000" b="1"/>
-            </a:lvl1pPr>
-          </a:lstStyle>
-          <a:p>
-            <a:r>
-              <a:rPr lang="en-US" smtClean="0"/>
-              <a:t>Click to edit Master title style</a:t>
-            </a:r>
-            <a:endParaRPr lang="en-US"/>
-          </a:p>
-        </p:txBody>
-      </p:sp>
-      <p:sp>
-        <p:nvSpPr>
-          <p:cNvPr id="3" name="Picture Placeholder 2"/>
-          <p:cNvSpPr>
-            <a:spLocks noGrp="1"/>
-          </p:cNvSpPr>
-          <p:nvPr>
-            <p:ph type="pic" idx="1"/>
-          </p:nvPr>
+        <p:style>
+          <a:lnRef idx="1">
+            <a:schemeClr val="accent1"/>
+          </a:lnRef>
+          <a:fillRef idx="0">
+            <a:schemeClr val="accent1"/>
+          </a:fillRef>
+          <a:effectRef idx="0">
+            <a:schemeClr val="accent1"/>
+          </a:effectRef>
+          <a:fontRef idx="minor">
+            <a:schemeClr val="tx1"/>
+          </a:fontRef>
+        </p:style>
+        <p:txBody>
+          <a:bodyPr rtlCol="0" anchor="ctr"/>
+          <a:lstStyle/>
+          <a:p>
+            <a:pPr algn="ctr"/>
+            <a:endParaRPr dirty="0">
+              <a:latin typeface="Gill Sans Light"/>
+            </a:endParaRPr>
+          </a:p>
+        </p:txBody>
+      </p:sp>
+      <p:sp>
+        <p:nvSpPr>
+          <p:cNvPr id="9" name="Freeform 8"/>
+          <p:cNvSpPr/>
+          <p:nvPr/>
         </p:nvSpPr>
         <p:spPr>
           <a:xfrm>
-            <a:off x="1792288" y="612775"/>
-            <a:ext cx="5486400" cy="4114800"/>
+            <a:off x="280416" y="6399213"/>
+            <a:ext cx="8558784" cy="0"/>
           </a:xfrm>
+          <a:custGeom>
+            <a:avLst/>
+            <a:gdLst>
+              <a:gd name="connsiteX0" fmla="*/ 0 w 8592671"/>
+              <a:gd name="connsiteY0" fmla="*/ 0 h 0"/>
+              <a:gd name="connsiteX1" fmla="*/ 8592671 w 8592671"/>
+              <a:gd name="connsiteY1" fmla="*/ 0 h 0"/>
+            </a:gdLst>
+            <a:ahLst/>
+            <a:cxnLst>
+              <a:cxn ang="0">
+                <a:pos x="connsiteX0" y="connsiteY0"/>
+              </a:cxn>
+              <a:cxn ang="0">
+                <a:pos x="connsiteX1" y="connsiteY1"/>
+              </a:cxn>
+            </a:cxnLst>
+            <a:rect l="l" t="t" r="r" b="b"/>
+            <a:pathLst>
+              <a:path w="8592671">
+                <a:moveTo>
+                  <a:pt x="0" y="0"/>
+                </a:moveTo>
+                <a:lnTo>
+                  <a:pt x="8592671" y="0"/>
+                </a:lnTo>
+              </a:path>
+            </a:pathLst>
+          </a:custGeom>
+          <a:ln w="3175">
+            <a:solidFill>
+              <a:schemeClr val="tx1">
+                <a:lumMod val="75000"/>
+              </a:schemeClr>
+            </a:solidFill>
+          </a:ln>
         </p:spPr>
-        <p:txBody>
-          <a:bodyPr/>
-          <a:lstStyle>
-            <a:lvl1pPr marL="0" indent="0">
-              <a:buNone/>
-              <a:defRPr sz="3200"/>
-            </a:lvl1pPr>
-            <a:lvl2pPr marL="457200" indent="0">
-              <a:buNone/>
-              <a:defRPr sz="2800"/>
-            </a:lvl2pPr>
-            <a:lvl3pPr marL="914400" indent="0">
-              <a:buNone/>
-              <a:defRPr sz="2400"/>
-            </a:lvl3pPr>
-            <a:lvl4pPr marL="1371600" indent="0">
-              <a:buNone/>
-              <a:defRPr sz="2000"/>
-            </a:lvl4pPr>
-            <a:lvl5pPr marL="1828800" indent="0">
-              <a:buNone/>
-              <a:defRPr sz="2000"/>
-            </a:lvl5pPr>
-            <a:lvl6pPr marL="2286000" indent="0">
-              <a:buNone/>
-              <a:defRPr sz="2000"/>
-            </a:lvl6pPr>
-            <a:lvl7pPr marL="2743200" indent="0">
-              <a:buNone/>
-              <a:defRPr sz="2000"/>
-            </a:lvl7pPr>
-            <a:lvl8pPr marL="3200400" indent="0">
-              <a:buNone/>
-              <a:defRPr sz="2000"/>
-            </a:lvl8pPr>
-            <a:lvl9pPr marL="3657600" indent="0">
-              <a:buNone/>
-              <a:defRPr sz="2000"/>
-            </a:lvl9pPr>
-          </a:lstStyle>
-          <a:p>
-            <a:endParaRPr lang="en-US"/>
-          </a:p>
-        </p:txBody>
-      </p:sp>
-      <p:sp>
-        <p:nvSpPr>
-          <p:cNvPr id="4" name="Text Placeholder 3"/>
-          <p:cNvSpPr>
-            <a:spLocks noGrp="1"/>
-          </p:cNvSpPr>
-          <p:nvPr>
-            <p:ph type="body" sz="half" idx="2"/>
-          </p:nvPr>
-        </p:nvSpPr>
-        <p:spPr>
-          <a:xfrm>
-            <a:off x="1792288" y="5367338"/>
-            <a:ext cx="5486400" cy="804862"/>
-          </a:xfrm>
-        </p:spPr>
-        <p:txBody>
-          <a:bodyPr/>
-          <a:lstStyle>
-            <a:lvl1pPr marL="0" indent="0">
-              <a:buNone/>
-              <a:defRPr sz="1400"/>
-            </a:lvl1pPr>
-            <a:lvl2pPr marL="457200" indent="0">
-              <a:buNone/>
-              <a:defRPr sz="1200"/>
-            </a:lvl2pPr>
-            <a:lvl3pPr marL="914400" indent="0">
-              <a:buNone/>
-              <a:defRPr sz="1000"/>
-            </a:lvl3pPr>
-            <a:lvl4pPr marL="1371600" indent="0">
-              <a:buNone/>
-              <a:defRPr sz="900"/>
-            </a:lvl4pPr>
-            <a:lvl5pPr marL="1828800" indent="0">
-              <a:buNone/>
-              <a:defRPr sz="900"/>
-            </a:lvl5pPr>
-            <a:lvl6pPr marL="2286000" indent="0">
-              <a:buNone/>
-              <a:defRPr sz="900"/>
-            </a:lvl6pPr>
-            <a:lvl7pPr marL="2743200" indent="0">
-              <a:buNone/>
-              <a:defRPr sz="900"/>
-            </a:lvl7pPr>
-            <a:lvl8pPr marL="3200400" indent="0">
-              <a:buNone/>
-              <a:defRPr sz="900"/>
-            </a:lvl8pPr>
-            <a:lvl9pPr marL="3657600" indent="0">
-              <a:buNone/>
-              <a:defRPr sz="900"/>
-            </a:lvl9pPr>
-          </a:lstStyle>
-          <a:p>
-            <a:pPr lvl="0"/>
-            <a:r>
-              <a:rPr lang="en-US" smtClean="0"/>
-              <a:t>Click to edit Master text styles</a:t>
-            </a:r>
-          </a:p>
-        </p:txBody>
-      </p:sp>
-      <p:sp>
-        <p:nvSpPr>
-          <p:cNvPr id="5" name="Date Placeholder 4"/>
-          <p:cNvSpPr>
-            <a:spLocks noGrp="1"/>
-          </p:cNvSpPr>
-          <p:nvPr>
-            <p:ph type="dt" sz="half" idx="10"/>
-          </p:nvPr>
-        </p:nvSpPr>
-        <p:spPr/>
-        <p:txBody>
-          <a:bodyPr/>
-          <a:lstStyle/>
-          <a:p>
-            <a:fld id="{581A7F65-9957-7141-9336-4964FBAA3047}" type="datetimeFigureOut">
-              <a:rPr lang="en-US" smtClean="0"/>
-              <a:pPr/>
-              <a:t>2/18/13</a:t>
-            </a:fld>
-            <a:endParaRPr lang="en-US"/>
-          </a:p>
-        </p:txBody>
-      </p:sp>
-      <p:sp>
-        <p:nvSpPr>
-          <p:cNvPr id="6" name="Footer Placeholder 5"/>
-          <p:cNvSpPr>
-            <a:spLocks noGrp="1"/>
-          </p:cNvSpPr>
-          <p:nvPr>
-            <p:ph type="ftr" sz="quarter" idx="11"/>
-          </p:nvPr>
-        </p:nvSpPr>
-        <p:spPr/>
-        <p:txBody>
-          <a:bodyPr/>
-          <a:lstStyle/>
-          <a:p>
-            <a:endParaRPr lang="en-US"/>
-          </a:p>
-        </p:txBody>
-      </p:sp>
-      <p:sp>
-        <p:nvSpPr>
-          <p:cNvPr id="7" name="Slide Number Placeholder 6"/>
-          <p:cNvSpPr>
-            <a:spLocks noGrp="1"/>
-          </p:cNvSpPr>
-          <p:nvPr>
-            <p:ph type="sldNum" sz="quarter" idx="12"/>
-          </p:nvPr>
-        </p:nvSpPr>
-        <p:spPr/>
-        <p:txBody>
-          <a:bodyPr/>
-          <a:lstStyle/>
-          <a:p>
-            <a:fld id="{E69D8ABB-42A2-A84C-9A81-214E4CF873D6}" type="slidenum">
-              <a:rPr lang="en-US" smtClean="0"/>
-              <a:pPr/>
-              <a:t>‹#›</a:t>
-            </a:fld>
-            <a:endParaRPr lang="en-US"/>
+        <p:style>
+          <a:lnRef idx="1">
+            <a:schemeClr val="accent1"/>
+          </a:lnRef>
+          <a:fillRef idx="0">
+            <a:schemeClr val="accent1"/>
+          </a:fillRef>
+          <a:effectRef idx="0">
+            <a:schemeClr val="accent1"/>
+          </a:effectRef>
+          <a:fontRef idx="minor">
+            <a:schemeClr val="tx1"/>
+          </a:fontRef>
+        </p:style>
+        <p:txBody>
+          <a:bodyPr rtlCol="0" anchor="ctr"/>
+          <a:lstStyle/>
+          <a:p>
+            <a:pPr algn="ctr"/>
+            <a:endParaRPr dirty="0">
+              <a:latin typeface="Gill Sans Light"/>
+            </a:endParaRPr>
           </a:p>
         </p:txBody>
       </p:sp>
@@ -3094,9 +6486,15 @@
 <p:sldMaster xmlns:a="http://schemas.openxmlformats.org/drawingml/2006/main" xmlns:r="http://schemas.openxmlformats.org/officeDocument/2006/relationships" xmlns:mc="http://schemas.openxmlformats.org/markup-compatibility/2006" xmlns:mv="urn:schemas-microsoft-com:mac:vml" xmlns:p="http://schemas.openxmlformats.org/presentationml/2006/main" mc:Ignorable="mv" mc:PreserveAttributes="mv:*">
   <p:cSld>
     <p:bg>
-      <p:bgRef idx="1001">
-        <a:schemeClr val="bg1"/>
-      </p:bgRef>
+      <p:bgPr>
+        <a:solidFill>
+          <a:schemeClr val="bg1">
+            <a:lumMod val="85000"/>
+            <a:lumOff val="15000"/>
+          </a:schemeClr>
+        </a:solidFill>
+        <a:effectLst/>
+      </p:bgPr>
     </p:bg>
     <p:spTree>
       <p:nvGrpSpPr>
@@ -3124,15 +6522,15 @@
         </p:nvSpPr>
         <p:spPr>
           <a:xfrm>
-            <a:off x="457200" y="274638"/>
-            <a:ext cx="8229600" cy="1143000"/>
+            <a:off x="641350" y="107576"/>
+            <a:ext cx="7856538" cy="1310062"/>
           </a:xfrm>
           <a:prstGeom prst="rect">
             <a:avLst/>
           </a:prstGeom>
         </p:spPr>
         <p:txBody>
-          <a:bodyPr vert="horz" lIns="91440" tIns="45720" rIns="91440" bIns="45720" rtlCol="0" anchor="ctr">
+          <a:bodyPr vert="horz" lIns="91440" tIns="45720" rIns="91440" bIns="45720" rtlCol="0" anchor="b" anchorCtr="0">
             <a:normAutofit/>
           </a:bodyPr>
           <a:lstStyle/>
@@ -3141,7 +6539,7 @@
               <a:rPr lang="en-US" dirty="0" smtClean="0"/>
               <a:t>Click to edit Master title style</a:t>
             </a:r>
-            <a:endParaRPr lang="en-US" dirty="0"/>
+            <a:endParaRPr dirty="0"/>
           </a:p>
         </p:txBody>
       </p:sp>
@@ -3157,8 +6555,8 @@
         </p:nvSpPr>
         <p:spPr>
           <a:xfrm>
-            <a:off x="457200" y="1600200"/>
-            <a:ext cx="8229600" cy="4525963"/>
+            <a:off x="618565" y="1600200"/>
+            <a:ext cx="7878788" cy="4639235"/>
           </a:xfrm>
           <a:prstGeom prst="rect">
             <a:avLst/>
@@ -3203,7 +6601,7 @@
               <a:rPr lang="en-US" dirty="0" smtClean="0"/>
               <a:t>Fifth level</a:t>
             </a:r>
-            <a:endParaRPr lang="en-US" dirty="0"/>
+            <a:endParaRPr dirty="0"/>
           </a:p>
         </p:txBody>
       </p:sp>
@@ -3219,7 +6617,7 @@
         </p:nvSpPr>
         <p:spPr>
           <a:xfrm>
-            <a:off x="457200" y="6356350"/>
+            <a:off x="3505200" y="6356350"/>
             <a:ext cx="2133600" cy="365125"/>
           </a:xfrm>
           <a:prstGeom prst="rect">
@@ -3227,16 +6625,16 @@
           </a:prstGeom>
         </p:spPr>
         <p:txBody>
-          <a:bodyPr vert="horz" lIns="91440" tIns="45720" rIns="91440" bIns="45720" rtlCol="0" anchor="ctr"/>
+          <a:bodyPr vert="horz" lIns="0" tIns="45720" rIns="0" bIns="45720" rtlCol="0" anchor="ctr"/>
           <a:lstStyle>
-            <a:lvl1pPr algn="l">
-              <a:defRPr sz="1200">
+            <a:lvl1pPr algn="ctr">
+              <a:defRPr sz="1100">
                 <a:solidFill>
                   <a:schemeClr val="tx1">
-                    <a:tint val="75000"/>
+                    <a:lumMod val="75000"/>
                   </a:schemeClr>
                 </a:solidFill>
-                <a:latin typeface="Gill Sans"/>
+                <a:latin typeface="Gill Sans Light"/>
               </a:defRPr>
             </a:lvl1pPr>
           </a:lstStyle>
@@ -3244,7 +6642,7 @@
             <a:fld id="{581A7F65-9957-7141-9336-4964FBAA3047}" type="datetimeFigureOut">
               <a:rPr lang="en-US" smtClean="0"/>
               <a:pPr/>
-              <a:t>2/18/13</a:t>
+              <a:t>2/19/13</a:t>
             </a:fld>
             <a:endParaRPr lang="en-US" dirty="0"/>
           </a:p>
@@ -3262,7 +6660,7 @@
         </p:nvSpPr>
         <p:spPr>
           <a:xfrm>
-            <a:off x="3124200" y="6356350"/>
+            <a:off x="280416" y="6356350"/>
             <a:ext cx="2895600" cy="365125"/>
           </a:xfrm>
           <a:prstGeom prst="rect">
@@ -3270,16 +6668,16 @@
           </a:prstGeom>
         </p:spPr>
         <p:txBody>
-          <a:bodyPr vert="horz" lIns="91440" tIns="45720" rIns="91440" bIns="45720" rtlCol="0" anchor="ctr"/>
+          <a:bodyPr vert="horz" lIns="0" tIns="45720" rIns="0" bIns="45720" rtlCol="0" anchor="ctr"/>
           <a:lstStyle>
-            <a:lvl1pPr algn="ctr">
-              <a:defRPr sz="1200">
+            <a:lvl1pPr algn="l">
+              <a:defRPr sz="1100">
                 <a:solidFill>
                   <a:schemeClr val="tx1">
-                    <a:tint val="75000"/>
+                    <a:lumMod val="75000"/>
                   </a:schemeClr>
                 </a:solidFill>
-                <a:latin typeface="Gill Sans"/>
+                <a:latin typeface="Gill Sans Light"/>
               </a:defRPr>
             </a:lvl1pPr>
           </a:lstStyle>
@@ -3300,24 +6698,24 @@
         </p:nvSpPr>
         <p:spPr>
           <a:xfrm>
-            <a:off x="6553200" y="6356350"/>
-            <a:ext cx="2133600" cy="365125"/>
+            <a:off x="8077200" y="6356350"/>
+            <a:ext cx="762000" cy="365125"/>
           </a:xfrm>
           <a:prstGeom prst="rect">
             <a:avLst/>
           </a:prstGeom>
         </p:spPr>
         <p:txBody>
-          <a:bodyPr vert="horz" lIns="91440" tIns="45720" rIns="91440" bIns="45720" rtlCol="0" anchor="ctr"/>
+          <a:bodyPr vert="horz" lIns="0" tIns="45720" rIns="0" bIns="45720" rtlCol="0" anchor="ctr"/>
           <a:lstStyle>
             <a:lvl1pPr algn="r">
-              <a:defRPr sz="1200">
+              <a:defRPr sz="1100">
                 <a:solidFill>
                   <a:schemeClr val="tx1">
-                    <a:tint val="75000"/>
+                    <a:lumMod val="75000"/>
                   </a:schemeClr>
                 </a:solidFill>
-                <a:latin typeface="Gill Sans"/>
+                <a:latin typeface="Gill Sans Light"/>
               </a:defRPr>
             </a:lvl1pPr>
           </a:lstStyle>
@@ -3333,118 +6731,132 @@
       </p:sp>
     </p:spTree>
   </p:cSld>
-  <p:clrMap bg1="lt1" tx1="dk1" bg2="lt2" tx2="dk2" accent1="accent1" accent2="accent2" accent3="accent3" accent4="accent4" accent5="accent5" accent6="accent6" hlink="hlink" folHlink="folHlink"/>
+  <p:clrMap bg1="dk1" tx1="lt1" bg2="dk2" tx2="lt2" accent1="accent1" accent2="accent2" accent3="accent3" accent4="accent4" accent5="accent5" accent6="accent6" hlink="hlink" folHlink="folHlink"/>
   <p:sldLayoutIdLst>
-    <p:sldLayoutId id="2147483649" r:id="rId1"/>
-    <p:sldLayoutId id="2147483650" r:id="rId2"/>
-    <p:sldLayoutId id="2147483651" r:id="rId3"/>
-    <p:sldLayoutId id="2147483652" r:id="rId4"/>
-    <p:sldLayoutId id="2147483653" r:id="rId5"/>
-    <p:sldLayoutId id="2147483654" r:id="rId6"/>
-    <p:sldLayoutId id="2147483655" r:id="rId7"/>
-    <p:sldLayoutId id="2147483656" r:id="rId8"/>
-    <p:sldLayoutId id="2147483657" r:id="rId9"/>
-    <p:sldLayoutId id="2147483658" r:id="rId10"/>
-    <p:sldLayoutId id="2147483659" r:id="rId11"/>
+    <p:sldLayoutId id="2147483815" r:id="rId1"/>
+    <p:sldLayoutId id="2147483816" r:id="rId2"/>
+    <p:sldLayoutId id="2147483817" r:id="rId3"/>
+    <p:sldLayoutId id="2147483818" r:id="rId4"/>
+    <p:sldLayoutId id="2147483819" r:id="rId5"/>
+    <p:sldLayoutId id="2147483820" r:id="rId6"/>
+    <p:sldLayoutId id="2147483821" r:id="rId7"/>
+    <p:sldLayoutId id="2147483822" r:id="rId8"/>
+    <p:sldLayoutId id="2147483823" r:id="rId9"/>
+    <p:sldLayoutId id="2147483824" r:id="rId10"/>
+    <p:sldLayoutId id="2147483825" r:id="rId11"/>
+    <p:sldLayoutId id="2147483826" r:id="rId12"/>
+    <p:sldLayoutId id="2147483827" r:id="rId13"/>
+    <p:sldLayoutId id="2147483828" r:id="rId14"/>
+    <p:sldLayoutId id="2147483829" r:id="rId15"/>
   </p:sldLayoutIdLst>
   <p:txStyles>
     <p:titleStyle>
-      <a:lvl1pPr algn="ctr" defTabSz="457200" rtl="0" eaLnBrk="1" latinLnBrk="0" hangingPunct="1">
+      <a:lvl1pPr algn="ctr" defTabSz="914400" rtl="0" eaLnBrk="1" latinLnBrk="0" hangingPunct="1">
         <a:spcBef>
           <a:spcPct val="0"/>
         </a:spcBef>
         <a:buNone/>
-        <a:defRPr sz="4400" kern="1200">
+        <a:defRPr sz="4800" kern="1200">
           <a:solidFill>
             <a:schemeClr val="tx1"/>
           </a:solidFill>
-          <a:latin typeface="Gill Sans"/>
+          <a:latin typeface="Gill Sans Light"/>
           <a:ea typeface="+mj-ea"/>
           <a:cs typeface="+mj-cs"/>
         </a:defRPr>
       </a:lvl1pPr>
     </p:titleStyle>
     <p:bodyStyle>
-      <a:lvl1pPr marL="342900" indent="-342900" algn="l" defTabSz="457200" rtl="0" eaLnBrk="1" latinLnBrk="0" hangingPunct="1">
+      <a:lvl1pPr marL="349250" indent="-349250" algn="l" defTabSz="914400" rtl="0" eaLnBrk="1" latinLnBrk="0" hangingPunct="1">
         <a:spcBef>
-          <a:spcPct val="20000"/>
+          <a:spcPts val="2000"/>
         </a:spcBef>
-        <a:buFont typeface="Arial"/>
-        <a:buChar char="•"/>
-        <a:defRPr sz="3200" kern="1200">
+        <a:buFont typeface="Wingdings 2" pitchFamily="18" charset="2"/>
+        <a:buChar char=""/>
+        <a:defRPr sz="2400" kern="1200">
           <a:solidFill>
             <a:schemeClr val="tx1"/>
           </a:solidFill>
-          <a:latin typeface="Gill Sans"/>
+          <a:latin typeface="Gill Sans Light"/>
           <a:ea typeface="+mn-ea"/>
           <a:cs typeface="+mn-cs"/>
         </a:defRPr>
       </a:lvl1pPr>
-      <a:lvl2pPr marL="742950" indent="-285750" algn="l" defTabSz="457200" rtl="0" eaLnBrk="1" latinLnBrk="0" hangingPunct="1">
+      <a:lvl2pPr marL="685800" indent="-336550" algn="l" defTabSz="914400" rtl="0" eaLnBrk="1" latinLnBrk="0" hangingPunct="1">
         <a:spcBef>
-          <a:spcPct val="20000"/>
+          <a:spcPts val="600"/>
         </a:spcBef>
-        <a:buFont typeface="Arial"/>
-        <a:buChar char="–"/>
-        <a:defRPr sz="2800" kern="1200">
+        <a:buClr>
+          <a:schemeClr val="tx1">
+            <a:lumMod val="65000"/>
+          </a:schemeClr>
+        </a:buClr>
+        <a:buFont typeface="Wingdings 2" pitchFamily="18" charset="2"/>
+        <a:buChar char=""/>
+        <a:defRPr sz="2200" kern="1200">
           <a:solidFill>
             <a:schemeClr val="tx1"/>
           </a:solidFill>
-          <a:latin typeface="Gill Sans"/>
+          <a:latin typeface="Gill Sans Light"/>
           <a:ea typeface="+mn-ea"/>
           <a:cs typeface="+mn-cs"/>
         </a:defRPr>
       </a:lvl2pPr>
-      <a:lvl3pPr marL="1143000" indent="-228600" algn="l" defTabSz="457200" rtl="0" eaLnBrk="1" latinLnBrk="0" hangingPunct="1">
+      <a:lvl3pPr marL="968375" indent="-282575" algn="l" defTabSz="914400" rtl="0" eaLnBrk="1" latinLnBrk="0" hangingPunct="1">
         <a:spcBef>
-          <a:spcPct val="20000"/>
+          <a:spcPts val="600"/>
         </a:spcBef>
-        <a:buFont typeface="Arial"/>
-        <a:buChar char="•"/>
-        <a:defRPr sz="2400" kern="1200">
+        <a:buFont typeface="Wingdings 2" pitchFamily="18" charset="2"/>
+        <a:buChar char=""/>
+        <a:defRPr sz="2000" kern="1200">
           <a:solidFill>
             <a:schemeClr val="tx1"/>
           </a:solidFill>
-          <a:latin typeface="Gill Sans"/>
+          <a:latin typeface="Gill Sans Light"/>
           <a:ea typeface="+mn-ea"/>
           <a:cs typeface="+mn-cs"/>
         </a:defRPr>
       </a:lvl3pPr>
-      <a:lvl4pPr marL="1600200" indent="-228600" algn="l" defTabSz="457200" rtl="0" eaLnBrk="1" latinLnBrk="0" hangingPunct="1">
+      <a:lvl4pPr marL="1263650" indent="-295275" algn="l" defTabSz="914400" rtl="0" eaLnBrk="1" latinLnBrk="0" hangingPunct="1">
         <a:spcBef>
-          <a:spcPct val="20000"/>
+          <a:spcPts val="600"/>
         </a:spcBef>
-        <a:buFont typeface="Arial"/>
-        <a:buChar char="–"/>
-        <a:defRPr sz="2000" kern="1200">
+        <a:buClr>
+          <a:schemeClr val="tx1">
+            <a:lumMod val="65000"/>
+          </a:schemeClr>
+        </a:buClr>
+        <a:buFont typeface="Wingdings 2" pitchFamily="18" charset="2"/>
+        <a:buChar char=""/>
+        <a:defRPr sz="1800" kern="1200">
           <a:solidFill>
             <a:schemeClr val="tx1"/>
           </a:solidFill>
-          <a:latin typeface="Gill Sans"/>
+          <a:latin typeface="Gill Sans Light"/>
           <a:ea typeface="+mn-ea"/>
           <a:cs typeface="+mn-cs"/>
         </a:defRPr>
       </a:lvl4pPr>
-      <a:lvl5pPr marL="2057400" indent="-228600" algn="l" defTabSz="457200" rtl="0" eaLnBrk="1" latinLnBrk="0" hangingPunct="1">
+      <a:lvl5pPr marL="1546225" indent="-282575" algn="l" defTabSz="914400" rtl="0" eaLnBrk="1" latinLnBrk="0" hangingPunct="1">
         <a:spcBef>
-          <a:spcPct val="20000"/>
+          <a:spcPts val="600"/>
         </a:spcBef>
-        <a:buFont typeface="Arial"/>
-        <a:buChar char="»"/>
-        <a:defRPr sz="2000" kern="1200">
+        <a:buFont typeface="Wingdings 2" pitchFamily="18" charset="2"/>
+        <a:buChar char=""/>
+        <a:defRPr sz="1800" kern="1200">
           <a:solidFill>
             <a:schemeClr val="tx1"/>
           </a:solidFill>
-          <a:latin typeface="Gill Sans"/>
+          <a:latin typeface="Gill Sans Light"/>
           <a:ea typeface="+mn-ea"/>
           <a:cs typeface="+mn-cs"/>
         </a:defRPr>
       </a:lvl5pPr>
-      <a:lvl6pPr marL="2514600" indent="-228600" algn="l" defTabSz="457200" rtl="0" eaLnBrk="1" latinLnBrk="0" hangingPunct="1">
+      <a:lvl6pPr marL="2514600" indent="-228600" algn="l" defTabSz="914400" rtl="0" eaLnBrk="1" latinLnBrk="0" hangingPunct="1">
         <a:spcBef>
           <a:spcPct val="20000"/>
         </a:spcBef>
-        <a:buFont typeface="Arial"/>
+        <a:buFont typeface="Arial" pitchFamily="34" charset="0"/>
         <a:buChar char="•"/>
         <a:defRPr sz="2000" kern="1200">
           <a:solidFill>
@@ -3455,11 +6867,11 @@
           <a:cs typeface="+mn-cs"/>
         </a:defRPr>
       </a:lvl6pPr>
-      <a:lvl7pPr marL="2971800" indent="-228600" algn="l" defTabSz="457200" rtl="0" eaLnBrk="1" latinLnBrk="0" hangingPunct="1">
+      <a:lvl7pPr marL="2971800" indent="-228600" algn="l" defTabSz="914400" rtl="0" eaLnBrk="1" latinLnBrk="0" hangingPunct="1">
         <a:spcBef>
           <a:spcPct val="20000"/>
         </a:spcBef>
-        <a:buFont typeface="Arial"/>
+        <a:buFont typeface="Arial" pitchFamily="34" charset="0"/>
         <a:buChar char="•"/>
         <a:defRPr sz="2000" kern="1200">
           <a:solidFill>
@@ -3470,11 +6882,11 @@
           <a:cs typeface="+mn-cs"/>
         </a:defRPr>
       </a:lvl7pPr>
-      <a:lvl8pPr marL="3429000" indent="-228600" algn="l" defTabSz="457200" rtl="0" eaLnBrk="1" latinLnBrk="0" hangingPunct="1">
+      <a:lvl8pPr marL="3429000" indent="-228600" algn="l" defTabSz="914400" rtl="0" eaLnBrk="1" latinLnBrk="0" hangingPunct="1">
         <a:spcBef>
           <a:spcPct val="20000"/>
         </a:spcBef>
-        <a:buFont typeface="Arial"/>
+        <a:buFont typeface="Arial" pitchFamily="34" charset="0"/>
         <a:buChar char="•"/>
         <a:defRPr sz="2000" kern="1200">
           <a:solidFill>
@@ -3485,11 +6897,11 @@
           <a:cs typeface="+mn-cs"/>
         </a:defRPr>
       </a:lvl8pPr>
-      <a:lvl9pPr marL="3886200" indent="-228600" algn="l" defTabSz="457200" rtl="0" eaLnBrk="1" latinLnBrk="0" hangingPunct="1">
+      <a:lvl9pPr marL="3886200" indent="-228600" algn="l" defTabSz="914400" rtl="0" eaLnBrk="1" latinLnBrk="0" hangingPunct="1">
         <a:spcBef>
           <a:spcPct val="20000"/>
         </a:spcBef>
-        <a:buFont typeface="Arial"/>
+        <a:buFont typeface="Arial" pitchFamily="34" charset="0"/>
         <a:buChar char="•"/>
         <a:defRPr sz="2000" kern="1200">
           <a:solidFill>
@@ -3503,9 +6915,9 @@
     </p:bodyStyle>
     <p:otherStyle>
       <a:defPPr>
-        <a:defRPr lang="en-US"/>
+        <a:defRPr/>
       </a:defPPr>
-      <a:lvl1pPr marL="0" algn="l" defTabSz="457200" rtl="0" eaLnBrk="1" latinLnBrk="0" hangingPunct="1">
+      <a:lvl1pPr marL="0" algn="l" defTabSz="914400" rtl="0" eaLnBrk="1" latinLnBrk="0" hangingPunct="1">
         <a:defRPr sz="1800" kern="1200">
           <a:solidFill>
             <a:schemeClr val="tx1"/>
@@ -3515,7 +6927,7 @@
           <a:cs typeface="+mn-cs"/>
         </a:defRPr>
       </a:lvl1pPr>
-      <a:lvl2pPr marL="457200" algn="l" defTabSz="457200" rtl="0" eaLnBrk="1" latinLnBrk="0" hangingPunct="1">
+      <a:lvl2pPr marL="457200" algn="l" defTabSz="914400" rtl="0" eaLnBrk="1" latinLnBrk="0" hangingPunct="1">
         <a:defRPr sz="1800" kern="1200">
           <a:solidFill>
             <a:schemeClr val="tx1"/>
@@ -3525,7 +6937,7 @@
           <a:cs typeface="+mn-cs"/>
         </a:defRPr>
       </a:lvl2pPr>
-      <a:lvl3pPr marL="914400" algn="l" defTabSz="457200" rtl="0" eaLnBrk="1" latinLnBrk="0" hangingPunct="1">
+      <a:lvl3pPr marL="914400" algn="l" defTabSz="914400" rtl="0" eaLnBrk="1" latinLnBrk="0" hangingPunct="1">
         <a:defRPr sz="1800" kern="1200">
           <a:solidFill>
             <a:schemeClr val="tx1"/>
@@ -3535,7 +6947,7 @@
           <a:cs typeface="+mn-cs"/>
         </a:defRPr>
       </a:lvl3pPr>
-      <a:lvl4pPr marL="1371600" algn="l" defTabSz="457200" rtl="0" eaLnBrk="1" latinLnBrk="0" hangingPunct="1">
+      <a:lvl4pPr marL="1371600" algn="l" defTabSz="914400" rtl="0" eaLnBrk="1" latinLnBrk="0" hangingPunct="1">
         <a:defRPr sz="1800" kern="1200">
           <a:solidFill>
             <a:schemeClr val="tx1"/>
@@ -3545,7 +6957,7 @@
           <a:cs typeface="+mn-cs"/>
         </a:defRPr>
       </a:lvl4pPr>
-      <a:lvl5pPr marL="1828800" algn="l" defTabSz="457200" rtl="0" eaLnBrk="1" latinLnBrk="0" hangingPunct="1">
+      <a:lvl5pPr marL="1828800" algn="l" defTabSz="914400" rtl="0" eaLnBrk="1" latinLnBrk="0" hangingPunct="1">
         <a:defRPr sz="1800" kern="1200">
           <a:solidFill>
             <a:schemeClr val="tx1"/>
@@ -3555,7 +6967,7 @@
           <a:cs typeface="+mn-cs"/>
         </a:defRPr>
       </a:lvl5pPr>
-      <a:lvl6pPr marL="2286000" algn="l" defTabSz="457200" rtl="0" eaLnBrk="1" latinLnBrk="0" hangingPunct="1">
+      <a:lvl6pPr marL="2286000" algn="l" defTabSz="914400" rtl="0" eaLnBrk="1" latinLnBrk="0" hangingPunct="1">
         <a:defRPr sz="1800" kern="1200">
           <a:solidFill>
             <a:schemeClr val="tx1"/>
@@ -3565,7 +6977,7 @@
           <a:cs typeface="+mn-cs"/>
         </a:defRPr>
       </a:lvl6pPr>
-      <a:lvl7pPr marL="2743200" algn="l" defTabSz="457200" rtl="0" eaLnBrk="1" latinLnBrk="0" hangingPunct="1">
+      <a:lvl7pPr marL="2743200" algn="l" defTabSz="914400" rtl="0" eaLnBrk="1" latinLnBrk="0" hangingPunct="1">
         <a:defRPr sz="1800" kern="1200">
           <a:solidFill>
             <a:schemeClr val="tx1"/>
@@ -3575,7 +6987,7 @@
           <a:cs typeface="+mn-cs"/>
         </a:defRPr>
       </a:lvl7pPr>
-      <a:lvl8pPr marL="3200400" algn="l" defTabSz="457200" rtl="0" eaLnBrk="1" latinLnBrk="0" hangingPunct="1">
+      <a:lvl8pPr marL="3200400" algn="l" defTabSz="914400" rtl="0" eaLnBrk="1" latinLnBrk="0" hangingPunct="1">
         <a:defRPr sz="1800" kern="1200">
           <a:solidFill>
             <a:schemeClr val="tx1"/>
@@ -3585,7 +6997,7 @@
           <a:cs typeface="+mn-cs"/>
         </a:defRPr>
       </a:lvl8pPr>
-      <a:lvl9pPr marL="3657600" algn="l" defTabSz="457200" rtl="0" eaLnBrk="1" latinLnBrk="0" hangingPunct="1">
+      <a:lvl9pPr marL="3657600" algn="l" defTabSz="914400" rtl="0" eaLnBrk="1" latinLnBrk="0" hangingPunct="1">
         <a:defRPr sz="1800" kern="1200">
           <a:solidFill>
             <a:schemeClr val="tx1"/>
@@ -3624,10 +7036,15 @@
             <a:spLocks noGrp="1"/>
           </p:cNvSpPr>
           <p:nvPr>
-            <p:ph type="ctrTitle"/>
-          </p:nvPr>
-        </p:nvSpPr>
-        <p:spPr/>
+            <p:ph type="title"/>
+          </p:nvPr>
+        </p:nvSpPr>
+        <p:spPr>
+          <a:xfrm>
+            <a:off x="685800" y="662686"/>
+            <a:ext cx="7772400" cy="1655064"/>
+          </a:xfrm>
+        </p:spPr>
         <p:txBody>
           <a:bodyPr/>
           <a:lstStyle/>
@@ -3663,33 +7080,157 @@
             <a:spLocks noGrp="1"/>
           </p:cNvSpPr>
           <p:nvPr>
-            <p:ph type="subTitle" idx="1"/>
+            <p:ph type="body" idx="1"/>
           </p:nvPr>
         </p:nvSpPr>
         <p:spPr>
           <a:xfrm>
-            <a:off x="1371600" y="3600450"/>
-            <a:ext cx="6400800" cy="2038350"/>
+            <a:off x="685800" y="2444750"/>
+            <a:ext cx="7772400" cy="3025688"/>
           </a:xfrm>
         </p:spPr>
         <p:txBody>
-          <a:bodyPr/>
-          <a:lstStyle/>
-          <a:p>
-            <a:r>
-              <a:rPr lang="en-US" dirty="0" err="1" smtClean="0">
+          <a:bodyPr>
+            <a:noAutofit/>
+          </a:bodyPr>
+          <a:lstStyle/>
+          <a:p>
+            <a:r>
+              <a:rPr lang="en-US" sz="2400" dirty="0" err="1" smtClean="0">
                 <a:latin typeface="Gill Sans"/>
               </a:rPr>
               <a:t>Analysing</a:t>
             </a:r>
             <a:r>
-              <a:rPr lang="en-US" dirty="0" smtClean="0">
+              <a:rPr lang="en-US" sz="2400" dirty="0" smtClean="0">
                 <a:latin typeface="Gill Sans"/>
               </a:rPr>
               <a:t> the New Zealand Corpus</a:t>
             </a:r>
+          </a:p>
+          <a:p>
+            <a:pPr algn="ctr"/>
+            <a:endParaRPr lang="en-US" dirty="0" smtClean="0">
+              <a:latin typeface="Gill Sans Light"/>
+            </a:endParaRPr>
+          </a:p>
+          <a:p>
+            <a:r>
+              <a:rPr lang="en-US" sz="1600" dirty="0" smtClean="0">
+                <a:latin typeface="Gill Sans Light"/>
+              </a:rPr>
+              <a:t>Robert Marchman </a:t>
+            </a:r>
+          </a:p>
+          <a:p>
+            <a:r>
+              <a:rPr lang="en-US" sz="1600" dirty="0" smtClean="0">
+                <a:latin typeface="Gill Sans Light"/>
+              </a:rPr>
+              <a:t>Dartmouth College</a:t>
+            </a:r>
+            <a:br>
+              <a:rPr lang="en-US" sz="1600" dirty="0" smtClean="0">
+                <a:latin typeface="Gill Sans Light"/>
+              </a:rPr>
+            </a:br>
+            <a:endParaRPr lang="en-US" sz="1600" dirty="0" smtClean="0">
+              <a:latin typeface="Gill Sans Light"/>
+            </a:endParaRPr>
+          </a:p>
+          <a:p>
+            <a:r>
+              <a:rPr lang="en-US" sz="1600" dirty="0" smtClean="0">
+                <a:latin typeface="Gill Sans Light"/>
+              </a:rPr>
+              <a:t>Dr James Smithies</a:t>
+            </a:r>
+          </a:p>
+          <a:p>
+            <a:r>
+              <a:rPr lang="en-US" sz="1600" dirty="0" smtClean="0">
+                <a:latin typeface="Gill Sans Light"/>
+              </a:rPr>
+              <a:t>Senior Lecturer in Digital Humanities</a:t>
+            </a:r>
+          </a:p>
+          <a:p>
+            <a:r>
+              <a:rPr lang="en-US" sz="1600" dirty="0" smtClean="0">
+                <a:latin typeface="Gill Sans Light"/>
+              </a:rPr>
+              <a:t>University of Canterbury</a:t>
+            </a:r>
+          </a:p>
+          <a:p>
+            <a:endParaRPr lang="en-US" dirty="0" smtClean="0">
+              <a:latin typeface="Monaco"/>
+            </a:endParaRPr>
+          </a:p>
+          <a:p>
+            <a:pPr marL="0" lvl="1" algn="ctr">
+              <a:spcBef>
+                <a:spcPts val="300"/>
+              </a:spcBef>
+              <a:buClrTx/>
+            </a:pPr>
+            <a:r>
+              <a:rPr lang="en-US" sz="2000" dirty="0" err="1" smtClean="0">
+                <a:solidFill>
+                  <a:schemeClr val="tx1"/>
+                </a:solidFill>
+                <a:latin typeface="Gill Sans Light"/>
+              </a:rPr>
+              <a:t>https://github.com/rlmv/HathiTrust-SoeR</a:t>
+            </a:r>
+            <a:endParaRPr lang="en-US" sz="2000" dirty="0" smtClean="0">
+              <a:solidFill>
+                <a:schemeClr val="tx1"/>
+              </a:solidFill>
+              <a:latin typeface="Gill Sans Light"/>
+            </a:endParaRPr>
+          </a:p>
+          <a:p>
+            <a:endParaRPr lang="en-US" dirty="0" smtClean="0">
+              <a:latin typeface="Monaco"/>
+            </a:endParaRPr>
+          </a:p>
+          <a:p>
+            <a:endParaRPr lang="en-US" dirty="0" smtClean="0">
+              <a:latin typeface="Monaco"/>
+            </a:endParaRPr>
+          </a:p>
+          <a:p>
+            <a:endParaRPr lang="en-US" dirty="0" smtClean="0">
+              <a:latin typeface="Monaco"/>
+            </a:endParaRPr>
+          </a:p>
+        </p:txBody>
+      </p:sp>
+      <p:sp>
+        <p:nvSpPr>
+          <p:cNvPr id="7" name="TextBox 6"/>
+          <p:cNvSpPr txBox="1"/>
+          <p:nvPr/>
+        </p:nvSpPr>
+        <p:spPr>
+          <a:xfrm>
+            <a:off x="5958417" y="5979583"/>
+            <a:ext cx="184666" cy="369332"/>
+          </a:xfrm>
+          <a:prstGeom prst="rect">
+            <a:avLst/>
+          </a:prstGeom>
+          <a:noFill/>
+        </p:spPr>
+        <p:txBody>
+          <a:bodyPr wrap="none" rtlCol="0">
+            <a:spAutoFit/>
+          </a:bodyPr>
+          <a:lstStyle/>
+          <a:p>
             <a:endParaRPr lang="en-US" dirty="0">
-              <a:latin typeface="Gill Sans"/>
+              <a:latin typeface="Gill Sans Light"/>
             </a:endParaRPr>
           </a:p>
         </p:txBody>
@@ -3699,6 +7240,13 @@
   <p:clrMapOvr>
     <a:masterClrMapping/>
   </p:clrMapOvr>
+  <p:timing>
+    <p:tnLst>
+      <p:par>
+        <p:cTn id="1" dur="indefinite" restart="never" nodeType="tmRoot"/>
+      </p:par>
+    </p:tnLst>
+  </p:timing>
 </p:sld>
 </file>
 
@@ -3721,7 +7269,7 @@
       </p:grpSpPr>
       <p:sp>
         <p:nvSpPr>
-          <p:cNvPr id="2" name="Title 1"/>
+          <p:cNvPr id="4" name="Title 3"/>
           <p:cNvSpPr>
             <a:spLocks noGrp="1"/>
           </p:cNvSpPr>
@@ -3736,72 +7284,7 @@
           <a:p>
             <a:r>
               <a:rPr lang="en-US" dirty="0" smtClean="0"/>
-              <a:t>DH and the </a:t>
-            </a:r>
-            <a:r>
-              <a:rPr lang="en-US" dirty="0" err="1" smtClean="0"/>
-              <a:t>HathiTrust</a:t>
-            </a:r>
-            <a:endParaRPr lang="en-US" dirty="0"/>
-          </a:p>
-        </p:txBody>
-      </p:sp>
-      <p:sp>
-        <p:nvSpPr>
-          <p:cNvPr id="3" name="Content Placeholder 2"/>
-          <p:cNvSpPr>
-            <a:spLocks noGrp="1"/>
-          </p:cNvSpPr>
-          <p:nvPr>
-            <p:ph idx="1"/>
-          </p:nvPr>
-        </p:nvSpPr>
-        <p:spPr/>
-        <p:txBody>
-          <a:bodyPr/>
-          <a:lstStyle/>
-          <a:p>
-            <a:r>
-              <a:rPr lang="en-US" dirty="0" smtClean="0"/>
-              <a:t>As a large, </a:t>
-            </a:r>
-            <a:r>
-              <a:rPr lang="en-US" dirty="0" err="1" smtClean="0"/>
-              <a:t>curated</a:t>
-            </a:r>
-            <a:r>
-              <a:rPr lang="en-US" dirty="0" smtClean="0"/>
-              <a:t>, open text collection, the </a:t>
-            </a:r>
-            <a:r>
-              <a:rPr lang="en-US" dirty="0" err="1" smtClean="0"/>
-              <a:t>HathiTrust</a:t>
-            </a:r>
-            <a:r>
-              <a:rPr lang="en-US" dirty="0" smtClean="0"/>
-              <a:t> is an invaluable resource for digital humanities scholars.</a:t>
-            </a:r>
-          </a:p>
-          <a:p>
-            <a:r>
-              <a:rPr lang="en-US" dirty="0" smtClean="0"/>
-              <a:t>Coupled with the </a:t>
-            </a:r>
-            <a:r>
-              <a:rPr lang="en-US" dirty="0" err="1" smtClean="0"/>
-              <a:t>HTRC’s</a:t>
-            </a:r>
-            <a:r>
-              <a:rPr lang="en-US" dirty="0" smtClean="0"/>
-              <a:t> goals of providing non-consumptive access to in-copyright works, the </a:t>
-            </a:r>
-            <a:r>
-              <a:rPr lang="en-US" dirty="0" err="1" smtClean="0"/>
-              <a:t>HathiTrust</a:t>
-            </a:r>
-            <a:r>
-              <a:rPr lang="en-US" dirty="0" smtClean="0"/>
-              <a:t> represents a new scale of digital collection. </a:t>
+              <a:t>Accessing the collection…</a:t>
             </a:r>
             <a:endParaRPr lang="en-US" dirty="0"/>
           </a:p>
@@ -3812,6 +7295,13 @@
   <p:clrMapOvr>
     <a:masterClrMapping/>
   </p:clrMapOvr>
+  <p:timing>
+    <p:tnLst>
+      <p:par>
+        <p:cTn id="1" dur="indefinite" restart="never" nodeType="tmRoot"/>
+      </p:par>
+    </p:tnLst>
+  </p:timing>
 </p:sld>
 </file>
 
@@ -3848,83 +7338,83 @@
           <a:lstStyle/>
           <a:p>
             <a:r>
+              <a:rPr lang="en-US" smtClean="0"/>
+              <a:t>The Bibliographic API </a:t>
+            </a:r>
+            <a:endParaRPr lang="en-US" dirty="0"/>
+          </a:p>
+        </p:txBody>
+      </p:sp>
+      <p:sp>
+        <p:nvSpPr>
+          <p:cNvPr id="17" name="Content Placeholder 16"/>
+          <p:cNvSpPr>
+            <a:spLocks noGrp="1"/>
+          </p:cNvSpPr>
+          <p:nvPr>
+            <p:ph idx="1"/>
+          </p:nvPr>
+        </p:nvSpPr>
+        <p:spPr/>
+        <p:txBody>
+          <a:bodyPr/>
+          <a:lstStyle/>
+          <a:p>
+            <a:r>
+              <a:rPr lang="en-US" dirty="0" smtClean="0"/>
+              <a:t>An access point for programmatic retrieval of metadata and bibliographic records.</a:t>
+            </a:r>
+          </a:p>
+          <a:p>
+            <a:r>
+              <a:rPr lang="en-US" dirty="0" smtClean="0"/>
+              <a:t>Possible use cases:</a:t>
+            </a:r>
+          </a:p>
+          <a:p>
+            <a:pPr lvl="1"/>
+            <a:r>
+              <a:rPr lang="en-US" dirty="0" smtClean="0"/>
+              <a:t>Building a database of bibliographic information for a small standalone collection. </a:t>
+            </a:r>
+          </a:p>
+          <a:p>
+            <a:pPr lvl="1"/>
+            <a:r>
+              <a:rPr lang="en-US" dirty="0" smtClean="0"/>
+              <a:t>Replacing lost metadata.</a:t>
+            </a:r>
+          </a:p>
+          <a:p>
+            <a:pPr lvl="1"/>
+            <a:r>
+              <a:rPr lang="en-US" dirty="0" smtClean="0"/>
+              <a:t>Validating or improving metadata in an existing collection.</a:t>
+            </a:r>
+          </a:p>
+          <a:p>
+            <a:pPr marL="349250" lvl="1" indent="-349250">
+              <a:spcBef>
+                <a:spcPts val="2000"/>
+              </a:spcBef>
+              <a:buClrTx/>
+            </a:pPr>
+            <a:r>
+              <a:rPr lang="en-US" dirty="0" smtClean="0"/>
+              <a:t>Specification at http</a:t>
+            </a:r>
+            <a:r>
+              <a:rPr lang="en-US" dirty="0" smtClean="0"/>
+              <a:t>://</a:t>
+            </a:r>
+            <a:r>
               <a:rPr lang="en-US" dirty="0" err="1" smtClean="0"/>
-              <a:t>SoeR</a:t>
-            </a:r>
-            <a:r>
-              <a:rPr lang="en-US" dirty="0" smtClean="0"/>
-              <a:t> project</a:t>
-            </a:r>
-            <a:endParaRPr lang="en-US" dirty="0"/>
-          </a:p>
-        </p:txBody>
-      </p:sp>
-      <p:sp>
-        <p:nvSpPr>
-          <p:cNvPr id="3" name="Content Placeholder 2"/>
-          <p:cNvSpPr>
-            <a:spLocks noGrp="1"/>
-          </p:cNvSpPr>
-          <p:nvPr>
-            <p:ph idx="1"/>
-          </p:nvPr>
-        </p:nvSpPr>
-        <p:spPr/>
-        <p:txBody>
-          <a:bodyPr/>
-          <a:lstStyle/>
-          <a:p>
-            <a:r>
-              <a:rPr lang="en-US" dirty="0" smtClean="0"/>
-              <a:t>We set out to perform an analysis of the </a:t>
-            </a:r>
-            <a:r>
-              <a:rPr lang="en-US" dirty="0" err="1" smtClean="0"/>
-              <a:t>HathiTrust’s</a:t>
-            </a:r>
-            <a:r>
-              <a:rPr lang="en-US" dirty="0" smtClean="0"/>
-              <a:t> New Zealand content.</a:t>
-            </a:r>
-          </a:p>
-          <a:p>
-            <a:r>
-              <a:rPr lang="en-US" dirty="0" smtClean="0"/>
-              <a:t>Goals:</a:t>
-            </a:r>
-          </a:p>
-          <a:p>
-            <a:pPr lvl="1"/>
-            <a:r>
-              <a:rPr lang="en-US" dirty="0" smtClean="0"/>
-              <a:t>Explore and leverage the </a:t>
-            </a:r>
-            <a:r>
-              <a:rPr lang="en-US" dirty="0" err="1" smtClean="0"/>
-              <a:t>HathiTrust’s</a:t>
-            </a:r>
-            <a:r>
-              <a:rPr lang="en-US" dirty="0" smtClean="0"/>
-              <a:t> APIs, tools, and datasets</a:t>
-            </a:r>
-          </a:p>
-          <a:p>
-            <a:pPr lvl="1"/>
-            <a:r>
-              <a:rPr lang="en-US" dirty="0" smtClean="0"/>
-              <a:t>Identify a ‘New Zealand corpus’</a:t>
-            </a:r>
-          </a:p>
-          <a:p>
-            <a:pPr lvl="1"/>
-            <a:r>
-              <a:rPr lang="en-US" dirty="0" smtClean="0"/>
-              <a:t>Perform a digital humanities inspired analysis of the NZ corpus</a:t>
-            </a:r>
-          </a:p>
-          <a:p>
-            <a:pPr lvl="1"/>
-            <a:endParaRPr lang="en-US" dirty="0"/>
+              <a:t>www.hathitrust.org/bib_api</a:t>
+            </a:r>
+            <a:endParaRPr lang="en-US" dirty="0" smtClean="0"/>
+          </a:p>
+          <a:p>
+            <a:endParaRPr lang="en-US" dirty="0" smtClean="0"/>
           </a:p>
         </p:txBody>
       </p:sp>
@@ -3933,6 +7423,13 @@
   <p:clrMapOvr>
     <a:masterClrMapping/>
   </p:clrMapOvr>
+  <p:timing>
+    <p:tnLst>
+      <p:par>
+        <p:cTn id="1" dur="indefinite" restart="never" nodeType="tmRoot"/>
+      </p:par>
+    </p:tnLst>
+  </p:timing>
 </p:sld>
 </file>
 
@@ -3955,7 +7452,7 @@
       </p:grpSpPr>
       <p:sp>
         <p:nvSpPr>
-          <p:cNvPr id="4" name="Title 3"/>
+          <p:cNvPr id="2" name="Title 1"/>
           <p:cNvSpPr>
             <a:spLocks noGrp="1"/>
           </p:cNvSpPr>
@@ -3965,48 +7462,93 @@
         </p:nvSpPr>
         <p:spPr/>
         <p:txBody>
+          <a:bodyPr>
+            <a:normAutofit/>
+          </a:bodyPr>
+          <a:lstStyle/>
+          <a:p>
+            <a:r>
+              <a:rPr lang="en-US" dirty="0" smtClean="0"/>
+              <a:t>The Data API</a:t>
+            </a:r>
+            <a:endParaRPr lang="en-US" dirty="0"/>
+          </a:p>
+        </p:txBody>
+      </p:sp>
+      <p:sp>
+        <p:nvSpPr>
+          <p:cNvPr id="3" name="Content Placeholder 2"/>
+          <p:cNvSpPr>
+            <a:spLocks noGrp="1"/>
+          </p:cNvSpPr>
+          <p:nvPr>
+            <p:ph idx="1"/>
+          </p:nvPr>
+        </p:nvSpPr>
+        <p:spPr/>
+        <p:txBody>
           <a:bodyPr/>
           <a:lstStyle/>
           <a:p>
             <a:r>
-              <a:rPr lang="en-US" smtClean="0"/>
-              <a:t>What can we DO with the data?</a:t>
-            </a:r>
-            <a:endParaRPr lang="en-US" dirty="0"/>
-          </a:p>
-        </p:txBody>
-      </p:sp>
-      <p:sp>
-        <p:nvSpPr>
-          <p:cNvPr id="5" name="Content Placeholder 4"/>
-          <p:cNvSpPr>
-            <a:spLocks noGrp="1"/>
-          </p:cNvSpPr>
-          <p:nvPr>
-            <p:ph idx="1"/>
-          </p:nvPr>
-        </p:nvSpPr>
-        <p:spPr/>
-        <p:txBody>
-          <a:bodyPr/>
-          <a:lstStyle/>
-          <a:p>
-            <a:r>
-              <a:rPr lang="en-US" dirty="0" smtClean="0"/>
-              <a:t>Metadata analysis: date/genre/form/author… </a:t>
-            </a:r>
-          </a:p>
-          <a:p>
-            <a:r>
-              <a:rPr lang="en-US" dirty="0" smtClean="0"/>
-              <a:t>Text mining</a:t>
-            </a:r>
-          </a:p>
-          <a:p>
-            <a:r>
-              <a:rPr lang="en-US" dirty="0" smtClean="0"/>
-              <a:t>Machine learning: classification and discovery</a:t>
-            </a:r>
+              <a:rPr lang="en-US" dirty="0" smtClean="0"/>
+              <a:t>For small-scale retrieval of textual information.</a:t>
+            </a:r>
+          </a:p>
+          <a:p>
+            <a:r>
+              <a:rPr lang="en-US" dirty="0" smtClean="0"/>
+              <a:t>Protected by </a:t>
+            </a:r>
+            <a:r>
+              <a:rPr lang="en-US" dirty="0" err="1" smtClean="0"/>
+              <a:t>OAuth</a:t>
+            </a:r>
+            <a:r>
+              <a:rPr lang="en-US" dirty="0" smtClean="0"/>
+              <a:t> certification.</a:t>
+            </a:r>
+          </a:p>
+          <a:p>
+            <a:r>
+              <a:rPr lang="en-US" dirty="0" smtClean="0"/>
+              <a:t>Returns:</a:t>
+            </a:r>
+          </a:p>
+          <a:p>
+            <a:pPr lvl="2"/>
+            <a:r>
+              <a:rPr lang="en-US" dirty="0" smtClean="0"/>
+              <a:t>OCR (Optical Character Recognition) text</a:t>
+            </a:r>
+          </a:p>
+          <a:p>
+            <a:pPr lvl="2"/>
+            <a:r>
+              <a:rPr lang="en-US" dirty="0" smtClean="0"/>
+              <a:t>Raw document images</a:t>
+            </a:r>
+          </a:p>
+          <a:p>
+            <a:pPr lvl="2"/>
+            <a:r>
+              <a:rPr lang="en-US" dirty="0" smtClean="0"/>
+              <a:t>Structural metadata (METS)</a:t>
+            </a:r>
+          </a:p>
+          <a:p>
+            <a:r>
+              <a:rPr lang="en-US" sz="2200" dirty="0" smtClean="0"/>
+              <a:t>http://</a:t>
+            </a:r>
+            <a:r>
+              <a:rPr lang="en-US" sz="2200" dirty="0" err="1" smtClean="0"/>
+              <a:t>www.hathitrust.org/data_api</a:t>
+            </a:r>
+            <a:endParaRPr lang="en-US" sz="2200" dirty="0" smtClean="0"/>
+          </a:p>
+          <a:p>
+            <a:endParaRPr lang="en-US" dirty="0" smtClean="0"/>
           </a:p>
         </p:txBody>
       </p:sp>
@@ -4015,6 +7557,13 @@
   <p:clrMapOvr>
     <a:masterClrMapping/>
   </p:clrMapOvr>
+  <p:timing>
+    <p:tnLst>
+      <p:par>
+        <p:cTn id="1" dur="indefinite" restart="never" nodeType="tmRoot"/>
+      </p:par>
+    </p:tnLst>
+  </p:timing>
 </p:sld>
 </file>
 
@@ -4035,56 +7584,86 @@
           <a:chExt cx="0" cy="0"/>
         </a:xfrm>
       </p:grpSpPr>
-      <p:sp>
-        <p:nvSpPr>
-          <p:cNvPr id="4" name="Title 3"/>
-          <p:cNvSpPr>
-            <a:spLocks noGrp="1"/>
-          </p:cNvSpPr>
-          <p:nvPr>
-            <p:ph type="title"/>
-          </p:nvPr>
-        </p:nvSpPr>
-        <p:spPr/>
-        <p:txBody>
-          <a:bodyPr/>
-          <a:lstStyle/>
-          <a:p>
-            <a:r>
-              <a:rPr lang="en-US" dirty="0" smtClean="0"/>
-              <a:t>Non-Consumptive access	</a:t>
-            </a:r>
-            <a:endParaRPr lang="en-US" dirty="0"/>
-          </a:p>
-        </p:txBody>
-      </p:sp>
-      <p:sp>
-        <p:nvSpPr>
-          <p:cNvPr id="5" name="Content Placeholder 4"/>
-          <p:cNvSpPr>
-            <a:spLocks noGrp="1"/>
-          </p:cNvSpPr>
-          <p:nvPr>
-            <p:ph idx="1"/>
-          </p:nvPr>
-        </p:nvSpPr>
-        <p:spPr/>
-        <p:txBody>
-          <a:bodyPr>
-            <a:normAutofit/>
+      <p:pic>
+        <p:nvPicPr>
+          <p:cNvPr id="8" name="Content Placeholder 7" descr="Screen shot 2013-02-20 at 1.49.32 PM.png"/>
+          <p:cNvPicPr>
+            <a:picLocks noGrp="1" noChangeAspect="1"/>
+          </p:cNvPicPr>
+          <p:nvPr>
+            <p:ph idx="4294967295"/>
+          </p:nvPr>
+        </p:nvPicPr>
+        <p:blipFill>
+          <a:blip r:embed="rId2"/>
+          <a:srcRect t="-9396" b="-9396"/>
+          <a:stretch>
+            <a:fillRect/>
+          </a:stretch>
+        </p:blipFill>
+        <p:spPr>
+          <a:xfrm>
+            <a:off x="1680082" y="3503444"/>
+            <a:ext cx="5696500" cy="3354556"/>
+          </a:xfrm>
+        </p:spPr>
+      </p:pic>
+      <p:pic>
+        <p:nvPicPr>
+          <p:cNvPr id="9" name="Picture 8" descr="Screen shot 2013-02-20 at 1.46.57 PM.png"/>
+          <p:cNvPicPr>
+            <a:picLocks noChangeAspect="1"/>
+          </p:cNvPicPr>
+          <p:nvPr/>
+        </p:nvPicPr>
+        <p:blipFill>
+          <a:blip r:embed="rId3"/>
+          <a:stretch>
+            <a:fillRect/>
+          </a:stretch>
+        </p:blipFill>
+        <p:spPr>
+          <a:xfrm>
+            <a:off x="1680082" y="640124"/>
+            <a:ext cx="5696500" cy="2863320"/>
+          </a:xfrm>
+          <a:prstGeom prst="rect">
+            <a:avLst/>
+          </a:prstGeom>
+        </p:spPr>
+      </p:pic>
+      <p:sp>
+        <p:nvSpPr>
+          <p:cNvPr id="11" name="TextBox 10"/>
+          <p:cNvSpPr txBox="1"/>
+          <p:nvPr/>
+        </p:nvSpPr>
+        <p:spPr>
+          <a:xfrm>
+            <a:off x="2383894" y="128085"/>
+            <a:ext cx="4355045" cy="369332"/>
+          </a:xfrm>
+          <a:prstGeom prst="rect">
+            <a:avLst/>
+          </a:prstGeom>
+          <a:noFill/>
+        </p:spPr>
+        <p:txBody>
+          <a:bodyPr wrap="square" rtlCol="0">
+            <a:spAutoFit/>
           </a:bodyPr>
           <a:lstStyle/>
           <a:p>
-            <a:r>
-              <a:rPr lang="en-US" dirty="0" smtClean="0"/>
-              <a:t>Unfortunately, non-consumptive data access is still a work in progress.  As such we were limited to the in-copyright collection. </a:t>
-            </a:r>
-          </a:p>
-          <a:p>
-            <a:r>
-              <a:rPr lang="en-US" dirty="0" smtClean="0"/>
-              <a:t>The HTRC expects to have an beta sandbox version of their non-consumptive environment completed by the end of March, with support for parallel algorithms like Map-Reduce.</a:t>
-            </a:r>
+            <a:pPr algn="ctr"/>
+            <a:r>
+              <a:rPr lang="en-US" dirty="0" smtClean="0">
+                <a:latin typeface="Gill Sans Light"/>
+              </a:rPr>
+              <a:t>Example OCR and raw image source</a:t>
+            </a:r>
+            <a:endParaRPr lang="en-US" dirty="0">
+              <a:latin typeface="Gill Sans Light"/>
+            </a:endParaRPr>
           </a:p>
         </p:txBody>
       </p:sp>
@@ -4093,6 +7672,13 @@
   <p:clrMapOvr>
     <a:masterClrMapping/>
   </p:clrMapOvr>
+  <p:timing>
+    <p:tnLst>
+      <p:par>
+        <p:cTn id="1" dur="indefinite" restart="never" nodeType="tmRoot"/>
+      </p:par>
+    </p:tnLst>
+  </p:timing>
 </p:sld>
 </file>
 
@@ -4125,43 +7711,74 @@
         </p:nvSpPr>
         <p:spPr/>
         <p:txBody>
+          <a:bodyPr/>
+          <a:lstStyle/>
+          <a:p>
+            <a:r>
+              <a:rPr lang="en-US" smtClean="0"/>
+              <a:t>The Solr Proxy</a:t>
+            </a:r>
+            <a:endParaRPr lang="en-US" dirty="0"/>
+          </a:p>
+        </p:txBody>
+      </p:sp>
+      <p:sp>
+        <p:nvSpPr>
+          <p:cNvPr id="6" name="Content Placeholder 5"/>
+          <p:cNvSpPr>
+            <a:spLocks noGrp="1"/>
+          </p:cNvSpPr>
+          <p:nvPr>
+            <p:ph idx="1"/>
+          </p:nvPr>
+        </p:nvSpPr>
+        <p:spPr>
+          <a:xfrm>
+            <a:off x="641350" y="2218765"/>
+            <a:ext cx="7878788" cy="4639235"/>
+          </a:xfrm>
+        </p:spPr>
+        <p:txBody>
           <a:bodyPr>
             <a:normAutofit/>
           </a:bodyPr>
           <a:lstStyle/>
           <a:p>
-            <a:r>
-              <a:rPr lang="en-US" dirty="0" smtClean="0"/>
-              <a:t>Web Access</a:t>
-            </a:r>
-            <a:endParaRPr lang="en-US" dirty="0"/>
-          </a:p>
-        </p:txBody>
-      </p:sp>
-      <p:sp>
-        <p:nvSpPr>
-          <p:cNvPr id="5" name="Content Placeholder 4"/>
-          <p:cNvSpPr>
-            <a:spLocks noGrp="1"/>
-          </p:cNvSpPr>
-          <p:nvPr>
-            <p:ph idx="1"/>
-          </p:nvPr>
-        </p:nvSpPr>
-        <p:spPr/>
-        <p:txBody>
-          <a:bodyPr/>
-          <a:lstStyle/>
-          <a:p>
-            <a:endParaRPr lang="en-US" dirty="0" smtClean="0"/>
-          </a:p>
-          <a:p>
-            <a:endParaRPr lang="en-US" dirty="0" smtClean="0"/>
-          </a:p>
-          <a:p>
-            <a:r>
-              <a:rPr lang="en-US" dirty="0" smtClean="0"/>
-              <a:t>…. (Examples of the APIs/wrappers I wrote?)</a:t>
+            <a:pPr>
+              <a:buNone/>
+            </a:pPr>
+            <a:r>
+              <a:rPr lang="en-US" dirty="0" smtClean="0"/>
+              <a:t>	The </a:t>
+            </a:r>
+            <a:r>
+              <a:rPr lang="en-US" dirty="0" err="1" smtClean="0"/>
+              <a:t>HathiTrust</a:t>
+            </a:r>
+            <a:r>
+              <a:rPr lang="en-US" dirty="0" smtClean="0"/>
+              <a:t> Research Center exposes a Apache </a:t>
+            </a:r>
+            <a:r>
+              <a:rPr lang="en-US" dirty="0" err="1" smtClean="0"/>
+              <a:t>Solr</a:t>
+            </a:r>
+            <a:r>
+              <a:rPr lang="en-US" dirty="0" smtClean="0"/>
+              <a:t> search index through a web API.</a:t>
+            </a:r>
+          </a:p>
+          <a:p>
+            <a:pPr>
+              <a:buNone/>
+            </a:pPr>
+            <a:r>
+              <a:rPr lang="en-US" sz="2100" dirty="0" smtClean="0"/>
+              <a:t>	http</a:t>
+            </a:r>
+            <a:r>
+              <a:rPr lang="en-US" sz="2100" dirty="0" smtClean="0"/>
+              <a:t>://wiki.htrc.illinois.edu/display/COM/2.+Solr+API+User+Guide</a:t>
             </a:r>
           </a:p>
         </p:txBody>
@@ -4171,6 +7788,13 @@
   <p:clrMapOvr>
     <a:masterClrMapping/>
   </p:clrMapOvr>
+  <p:timing>
+    <p:tnLst>
+      <p:par>
+        <p:cTn id="1" dur="indefinite" restart="never" nodeType="tmRoot"/>
+      </p:par>
+    </p:tnLst>
+  </p:timing>
 </p:sld>
 </file>
 
@@ -4193,7 +7817,7 @@
       </p:grpSpPr>
       <p:sp>
         <p:nvSpPr>
-          <p:cNvPr id="2" name="Title 1"/>
+          <p:cNvPr id="8" name="Title 7"/>
           <p:cNvSpPr>
             <a:spLocks noGrp="1"/>
           </p:cNvSpPr>
@@ -4203,14 +7827,12 @@
         </p:nvSpPr>
         <p:spPr/>
         <p:txBody>
-          <a:bodyPr>
-            <a:normAutofit/>
-          </a:bodyPr>
-          <a:lstStyle/>
-          <a:p>
-            <a:r>
-              <a:rPr lang="en-US" dirty="0" smtClean="0"/>
-              <a:t>Identification and Classification</a:t>
+          <a:bodyPr/>
+          <a:lstStyle/>
+          <a:p>
+            <a:r>
+              <a:rPr lang="en-US" dirty="0" smtClean="0"/>
+              <a:t>Identifying a NZ corpus</a:t>
             </a:r>
             <a:endParaRPr lang="en-US" dirty="0"/>
           </a:p>
@@ -4218,7 +7840,7 @@
       </p:sp>
       <p:sp>
         <p:nvSpPr>
-          <p:cNvPr id="4" name="Content Placeholder 3"/>
+          <p:cNvPr id="3" name="Content Placeholder 2"/>
           <p:cNvSpPr>
             <a:spLocks noGrp="1"/>
           </p:cNvSpPr>
@@ -4226,36 +7848,40 @@
             <p:ph idx="1"/>
           </p:nvPr>
         </p:nvSpPr>
-        <p:spPr/>
+        <p:spPr>
+          <a:xfrm>
+            <a:off x="618565" y="2370667"/>
+            <a:ext cx="7878788" cy="3868768"/>
+          </a:xfrm>
+        </p:spPr>
         <p:txBody>
           <a:bodyPr/>
           <a:lstStyle/>
           <a:p>
-            <a:r>
-              <a:rPr lang="en-US" dirty="0" smtClean="0"/>
-              <a:t>Metadata keyword extraction</a:t>
-            </a:r>
-          </a:p>
-          <a:p>
+            <a:pPr>
+              <a:buNone/>
+            </a:pPr>
+            <a:endParaRPr lang="en-US" dirty="0" smtClean="0"/>
+          </a:p>
+          <a:p>
+            <a:pPr>
+              <a:buNone/>
+            </a:pPr>
+            <a:r>
+              <a:rPr lang="en-US" dirty="0" smtClean="0"/>
+              <a:t>	</a:t>
+            </a:r>
+            <a:r>
+              <a:rPr lang="en-US" dirty="0" smtClean="0"/>
+              <a:t>Using the </a:t>
+            </a:r>
             <a:r>
               <a:rPr lang="en-US" dirty="0" err="1" smtClean="0"/>
               <a:t>Solr</a:t>
             </a:r>
             <a:r>
               <a:rPr lang="en-US" dirty="0" smtClean="0"/>
-              <a:t> proxy queries</a:t>
-            </a:r>
-          </a:p>
-          <a:p>
-            <a:r>
-              <a:rPr lang="en-US" dirty="0" smtClean="0"/>
-              <a:t>Automatic classification (supervised learning)</a:t>
-            </a:r>
-          </a:p>
-          <a:p>
-            <a:r>
-              <a:rPr lang="en-US" dirty="0" smtClean="0"/>
-              <a:t>Clustering (unsupervised learning)</a:t>
+              <a:t> proxy to search metadata for New Zealand content (using keywords such as ‘New Zealand’, ‘Maori’, and names of NZ cities and universities) delivers ~2500 documents.</a:t>
             </a:r>
           </a:p>
         </p:txBody>
@@ -4265,6 +7891,13 @@
   <p:clrMapOvr>
     <a:masterClrMapping/>
   </p:clrMapOvr>
+  <p:timing>
+    <p:tnLst>
+      <p:par>
+        <p:cTn id="1" dur="indefinite" restart="never" nodeType="tmRoot"/>
+      </p:par>
+    </p:tnLst>
+  </p:timing>
 </p:sld>
 </file>
 
@@ -4287,7 +7920,7 @@
       </p:grpSpPr>
       <p:sp>
         <p:nvSpPr>
-          <p:cNvPr id="2" name="Title 1"/>
+          <p:cNvPr id="6" name="Title 5"/>
           <p:cNvSpPr>
             <a:spLocks noGrp="1"/>
           </p:cNvSpPr>
@@ -4302,15 +7935,7 @@
           <a:p>
             <a:r>
               <a:rPr lang="en-US" dirty="0" smtClean="0"/>
-              <a:t>Using the </a:t>
-            </a:r>
-            <a:r>
-              <a:rPr lang="en-US" dirty="0" err="1" smtClean="0"/>
-              <a:t>Solr</a:t>
-            </a:r>
-            <a:r>
-              <a:rPr lang="en-US" dirty="0" smtClean="0"/>
-              <a:t> Proxy</a:t>
+              <a:t>The non-Google dataset</a:t>
             </a:r>
             <a:endParaRPr lang="en-US" dirty="0"/>
           </a:p>
@@ -4318,38 +7943,85 @@
       </p:sp>
       <p:sp>
         <p:nvSpPr>
-          <p:cNvPr id="4" name="Content Placeholder 3"/>
-          <p:cNvSpPr>
-            <a:spLocks noGrp="1"/>
-          </p:cNvSpPr>
-          <p:nvPr>
-            <p:ph idx="1"/>
-          </p:nvPr>
-        </p:nvSpPr>
-        <p:spPr/>
-        <p:txBody>
-          <a:bodyPr/>
-          <a:lstStyle/>
-          <a:p>
-            <a:endParaRPr lang="en-US" dirty="0" smtClean="0"/>
-          </a:p>
-          <a:p>
-            <a:endParaRPr lang="en-US" dirty="0" smtClean="0"/>
-          </a:p>
-          <a:p>
-            <a:r>
-              <a:rPr lang="en-US" dirty="0" smtClean="0"/>
-              <a:t>…(examples of command line tool?)</a:t>
-            </a:r>
-            <a:endParaRPr lang="en-US" dirty="0"/>
-          </a:p>
-        </p:txBody>
-      </p:sp>
+          <p:cNvPr id="7" name="Content Placeholder 6"/>
+          <p:cNvSpPr>
+            <a:spLocks noGrp="1"/>
+          </p:cNvSpPr>
+          <p:nvPr>
+            <p:ph sz="half" idx="1"/>
+          </p:nvPr>
+        </p:nvSpPr>
+        <p:spPr>
+          <a:xfrm>
+            <a:off x="497417" y="2074333"/>
+            <a:ext cx="3749040" cy="4177242"/>
+          </a:xfrm>
+        </p:spPr>
+        <p:txBody>
+          <a:bodyPr>
+            <a:normAutofit/>
+          </a:bodyPr>
+          <a:lstStyle/>
+          <a:p>
+            <a:pPr>
+              <a:buNone/>
+            </a:pPr>
+            <a:r>
+              <a:rPr lang="en-US" dirty="0" smtClean="0"/>
+              <a:t>	We acquired the non-Google </a:t>
+            </a:r>
+            <a:r>
+              <a:rPr lang="en-US" dirty="0" smtClean="0"/>
+              <a:t>public domain dataset for local use.</a:t>
+            </a:r>
+          </a:p>
+          <a:p>
+            <a:pPr>
+              <a:buNone/>
+            </a:pPr>
+            <a:r>
+              <a:rPr lang="en-US" dirty="0" smtClean="0"/>
+              <a:t>	The collection consists of 290,000 volumes.</a:t>
+            </a:r>
+          </a:p>
+        </p:txBody>
+      </p:sp>
+      <p:pic>
+        <p:nvPicPr>
+          <p:cNvPr id="9" name="Content Placeholder 8" descr="Screen shot 2013-02-19 at 8.47.31 PM.png"/>
+          <p:cNvPicPr>
+            <a:picLocks noGrp="1" noChangeAspect="1"/>
+          </p:cNvPicPr>
+          <p:nvPr>
+            <p:ph sz="half" idx="2"/>
+          </p:nvPr>
+        </p:nvPicPr>
+        <p:blipFill>
+          <a:blip r:embed="rId2"/>
+          <a:srcRect t="-19309" b="-19309"/>
+          <a:stretch>
+            <a:fillRect/>
+          </a:stretch>
+        </p:blipFill>
+        <p:spPr>
+          <a:xfrm>
+            <a:off x="4483690" y="1176867"/>
+            <a:ext cx="4237823" cy="5257800"/>
+          </a:xfrm>
+        </p:spPr>
+      </p:pic>
     </p:spTree>
   </p:cSld>
   <p:clrMapOvr>
     <a:masterClrMapping/>
   </p:clrMapOvr>
+  <p:timing>
+    <p:tnLst>
+      <p:par>
+        <p:cTn id="1" dur="indefinite" restart="never" nodeType="tmRoot"/>
+      </p:par>
+    </p:tnLst>
+  </p:timing>
 </p:sld>
 </file>
 
@@ -4370,73 +8042,59 @@
           <a:chExt cx="0" cy="0"/>
         </a:xfrm>
       </p:grpSpPr>
-      <p:sp>
-        <p:nvSpPr>
-          <p:cNvPr id="8" name="Title 7"/>
-          <p:cNvSpPr>
-            <a:spLocks noGrp="1"/>
-          </p:cNvSpPr>
-          <p:nvPr>
-            <p:ph type="title"/>
-          </p:nvPr>
-        </p:nvSpPr>
-        <p:spPr/>
-        <p:txBody>
-          <a:bodyPr/>
-          <a:lstStyle/>
-          <a:p>
-            <a:r>
-              <a:rPr lang="en-US" dirty="0" smtClean="0"/>
-              <a:t>Processing MARC</a:t>
-            </a:r>
-            <a:endParaRPr lang="en-US" dirty="0"/>
-          </a:p>
-        </p:txBody>
-      </p:sp>
-      <p:sp>
-        <p:nvSpPr>
-          <p:cNvPr id="9" name="Content Placeholder 8"/>
-          <p:cNvSpPr>
-            <a:spLocks noGrp="1"/>
-          </p:cNvSpPr>
-          <p:nvPr>
-            <p:ph idx="1"/>
-          </p:nvPr>
-        </p:nvSpPr>
-        <p:spPr/>
-        <p:txBody>
-          <a:bodyPr/>
-          <a:lstStyle/>
-          <a:p>
-            <a:r>
-              <a:rPr lang="en-US" dirty="0" smtClean="0"/>
-              <a:t>MARC stands for </a:t>
-            </a:r>
-            <a:r>
-              <a:rPr lang="en-US" dirty="0" err="1" smtClean="0"/>
-              <a:t>MAchine</a:t>
-            </a:r>
-            <a:r>
-              <a:rPr lang="en-US" dirty="0" smtClean="0"/>
-              <a:t>-Readable Cataloging, and is a standard digital format for </a:t>
-            </a:r>
-            <a:r>
-              <a:rPr lang="en-US" dirty="0" err="1" smtClean="0"/>
-              <a:t>bibliograhic</a:t>
-            </a:r>
-            <a:r>
-              <a:rPr lang="en-US" dirty="0" smtClean="0"/>
-              <a:t> entries.</a:t>
-            </a:r>
-          </a:p>
-          <a:p>
-            <a:r>
-              <a:rPr lang="en-US" dirty="0" err="1" smtClean="0"/>
-              <a:t>HathiTrust</a:t>
-            </a:r>
-            <a:r>
-              <a:rPr lang="en-US" dirty="0" smtClean="0"/>
-              <a:t> distributes metadata in the MARCXML schema.</a:t>
+      <p:pic>
+        <p:nvPicPr>
+          <p:cNvPr id="31" name="Content Placeholder 30" descr="non_google_years.png"/>
+          <p:cNvPicPr>
+            <a:picLocks noGrp="1" noChangeAspect="1"/>
+          </p:cNvPicPr>
+          <p:nvPr>
+            <p:ph idx="4294967295"/>
+          </p:nvPr>
+        </p:nvPicPr>
+        <p:blipFill>
+          <a:blip r:embed="rId2"/>
+          <a:srcRect t="-2941" b="-2941"/>
+          <a:stretch>
+            <a:fillRect/>
+          </a:stretch>
+        </p:blipFill>
+        <p:spPr>
+          <a:xfrm>
+            <a:off x="668896" y="1371600"/>
+            <a:ext cx="7772400" cy="4572000"/>
+          </a:xfrm>
+        </p:spPr>
+      </p:pic>
+      <p:sp>
+        <p:nvSpPr>
+          <p:cNvPr id="33" name="Title 32"/>
+          <p:cNvSpPr>
+            <a:spLocks noGrp="1"/>
+          </p:cNvSpPr>
+          <p:nvPr>
+            <p:ph type="title" idx="4294967295"/>
+          </p:nvPr>
+        </p:nvSpPr>
+        <p:spPr>
+          <a:xfrm>
+            <a:off x="584758" y="61912"/>
+            <a:ext cx="7856538" cy="1309688"/>
+          </a:xfrm>
+        </p:spPr>
+        <p:txBody>
+          <a:bodyPr>
+            <a:normAutofit/>
+          </a:bodyPr>
+          <a:lstStyle/>
+          <a:p>
+            <a:r>
+              <a:rPr lang="en-US" dirty="0" smtClean="0"/>
+              <a:t>v</a:t>
+            </a:r>
+            <a:r>
+              <a:rPr lang="en-US" dirty="0" smtClean="0"/>
+              <a:t>olumes by year</a:t>
             </a:r>
             <a:endParaRPr lang="en-US" dirty="0"/>
           </a:p>
@@ -4476,7 +8134,7 @@
       </p:grpSpPr>
       <p:sp>
         <p:nvSpPr>
-          <p:cNvPr id="2" name="Title 1"/>
+          <p:cNvPr id="8" name="Title 7"/>
           <p:cNvSpPr>
             <a:spLocks noGrp="1"/>
           </p:cNvSpPr>
@@ -4491,7 +8149,7 @@
           <a:p>
             <a:r>
               <a:rPr lang="en-US" dirty="0" smtClean="0"/>
-              <a:t>Normalizing Metadata</a:t>
+              <a:t>Metadata</a:t>
             </a:r>
             <a:endParaRPr lang="en-US" dirty="0"/>
           </a:p>
@@ -4499,7 +8157,7 @@
       </p:sp>
       <p:sp>
         <p:nvSpPr>
-          <p:cNvPr id="3" name="Content Placeholder 2"/>
+          <p:cNvPr id="9" name="Content Placeholder 8"/>
           <p:cNvSpPr>
             <a:spLocks noGrp="1"/>
           </p:cNvSpPr>
@@ -4507,25 +8165,44 @@
             <p:ph idx="1"/>
           </p:nvPr>
         </p:nvSpPr>
-        <p:spPr/>
+        <p:spPr>
+          <a:xfrm>
+            <a:off x="618565" y="2116667"/>
+            <a:ext cx="7878788" cy="2537883"/>
+          </a:xfrm>
+        </p:spPr>
         <p:txBody>
           <a:bodyPr/>
           <a:lstStyle/>
           <a:p>
+            <a:pPr>
+              <a:buNone/>
+            </a:pPr>
+            <a:r>
+              <a:rPr lang="en-US" dirty="0" smtClean="0"/>
+              <a:t>	The dataset metadata is distributed in MARC (</a:t>
+            </a:r>
+            <a:r>
+              <a:rPr lang="en-US" dirty="0" err="1" smtClean="0"/>
+              <a:t>MAchine</a:t>
+            </a:r>
+            <a:r>
+              <a:rPr lang="en-US" dirty="0" smtClean="0"/>
+              <a:t>-Readable </a:t>
+            </a:r>
+            <a:r>
+              <a:rPr lang="en-US" dirty="0" smtClean="0"/>
+              <a:t>Cataloging)  XML format, a library standard schema for metadata encoding and transmission.</a:t>
+            </a:r>
+          </a:p>
+          <a:p>
+            <a:pPr>
+              <a:buNone/>
+            </a:pPr>
             <a:endParaRPr lang="en-US" dirty="0" smtClean="0"/>
           </a:p>
           <a:p>
-            <a:r>
-              <a:rPr lang="en-US" dirty="0" smtClean="0"/>
-              <a:t>MARC is anything but clean…</a:t>
-            </a:r>
-          </a:p>
-          <a:p>
-            <a:r>
-              <a:rPr lang="en-US" dirty="0" smtClean="0"/>
-              <a:t>(example record)</a:t>
-            </a:r>
-            <a:endParaRPr lang="en-US" dirty="0"/>
+            <a:endParaRPr lang="en-US" dirty="0" smtClean="0"/>
           </a:p>
         </p:txBody>
       </p:sp>
@@ -4534,6 +8211,13 @@
   <p:clrMapOvr>
     <a:masterClrMapping/>
   </p:clrMapOvr>
+  <p:timing>
+    <p:tnLst>
+      <p:par>
+        <p:cTn id="1" dur="indefinite" restart="never" nodeType="tmRoot"/>
+      </p:par>
+    </p:tnLst>
+  </p:timing>
 </p:sld>
 </file>
 
@@ -4556,7 +8240,7 @@
       </p:grpSpPr>
       <p:sp>
         <p:nvSpPr>
-          <p:cNvPr id="6" name="Title 5"/>
+          <p:cNvPr id="2" name="Title 1"/>
           <p:cNvSpPr>
             <a:spLocks noGrp="1"/>
           </p:cNvSpPr>
@@ -4570,8 +8254,8 @@
           <a:lstStyle/>
           <a:p>
             <a:r>
-              <a:rPr lang="en-US" dirty="0" smtClean="0"/>
-              <a:t>The non-Google dataset</a:t>
+              <a:rPr lang="en-US" smtClean="0"/>
+              <a:t>Normalizing Metadata</a:t>
             </a:r>
             <a:endParaRPr lang="en-US" dirty="0"/>
           </a:p>
@@ -4579,7 +8263,7 @@
       </p:sp>
       <p:sp>
         <p:nvSpPr>
-          <p:cNvPr id="7" name="Content Placeholder 6"/>
+          <p:cNvPr id="3" name="Content Placeholder 2"/>
           <p:cNvSpPr>
             <a:spLocks noGrp="1"/>
           </p:cNvSpPr>
@@ -4587,16 +8271,35 @@
             <p:ph idx="1"/>
           </p:nvPr>
         </p:nvSpPr>
-        <p:spPr/>
+        <p:spPr>
+          <a:xfrm>
+            <a:off x="618565" y="2218766"/>
+            <a:ext cx="7878788" cy="2564902"/>
+          </a:xfrm>
+        </p:spPr>
         <p:txBody>
           <a:bodyPr/>
           <a:lstStyle/>
           <a:p>
-            <a:r>
-              <a:rPr lang="en-US" dirty="0" smtClean="0"/>
-              <a:t>~300,000 documents</a:t>
-            </a:r>
-            <a:endParaRPr lang="en-US" dirty="0"/>
+            <a:pPr>
+              <a:buNone/>
+            </a:pPr>
+            <a:r>
+              <a:rPr lang="en-US" dirty="0" smtClean="0"/>
+              <a:t>	MARC quality varies greatly. </a:t>
+            </a:r>
+            <a:r>
+              <a:rPr lang="en-US" dirty="0" smtClean="0"/>
+              <a:t> </a:t>
+            </a:r>
+            <a:r>
+              <a:rPr lang="en-US" dirty="0" smtClean="0"/>
+              <a:t>Formatting is inconsistent, requiring extensive cleaning for </a:t>
+            </a:r>
+            <a:r>
+              <a:rPr lang="en-US" dirty="0" smtClean="0"/>
+              <a:t>any sort of metadata analysis.</a:t>
+            </a:r>
           </a:p>
         </p:txBody>
       </p:sp>
@@ -4605,6 +8308,13 @@
   <p:clrMapOvr>
     <a:masterClrMapping/>
   </p:clrMapOvr>
+  <p:timing>
+    <p:tnLst>
+      <p:par>
+        <p:cTn id="1" dur="indefinite" restart="never" nodeType="tmRoot"/>
+      </p:par>
+    </p:tnLst>
+  </p:timing>
 </p:sld>
 </file>
 
@@ -4635,67 +8345,111 @@
             <p:ph type="title"/>
           </p:nvPr>
         </p:nvSpPr>
-        <p:spPr/>
-        <p:txBody>
-          <a:bodyPr/>
-          <a:lstStyle/>
-          <a:p>
-            <a:r>
-              <a:rPr lang="en-US" dirty="0" err="1" smtClean="0"/>
+        <p:spPr>
+          <a:xfrm>
+            <a:off x="685800" y="2171936"/>
+            <a:ext cx="7772400" cy="1655064"/>
+          </a:xfrm>
+        </p:spPr>
+        <p:txBody>
+          <a:bodyPr>
+            <a:normAutofit fontScale="90000"/>
+          </a:bodyPr>
+          <a:lstStyle/>
+          <a:p>
+            <a:r>
+              <a:rPr lang="en-US" dirty="0" smtClean="0"/>
+              <a:t/>
+            </a:r>
+            <a:br>
+              <a:rPr lang="en-US" dirty="0" smtClean="0"/>
+            </a:br>
+            <a:r>
+              <a:rPr lang="en-US" dirty="0" smtClean="0"/>
+              <a:t/>
+            </a:r>
+            <a:br>
+              <a:rPr lang="en-US" dirty="0" smtClean="0"/>
+            </a:br>
+            <a:r>
+              <a:rPr lang="en-US" dirty="0" smtClean="0"/>
+              <a:t/>
+            </a:r>
+            <a:br>
+              <a:rPr lang="en-US" dirty="0" smtClean="0"/>
+            </a:br>
+            <a:r>
+              <a:rPr lang="en-US" dirty="0" smtClean="0"/>
+              <a:t/>
+            </a:r>
+            <a:br>
+              <a:rPr lang="en-US" dirty="0" smtClean="0"/>
+            </a:br>
+            <a:r>
+              <a:rPr lang="en-US" dirty="0" smtClean="0"/>
+              <a:t/>
+            </a:r>
+            <a:br>
+              <a:rPr lang="en-US" dirty="0" smtClean="0"/>
+            </a:br>
+            <a:endParaRPr lang="en-US" dirty="0"/>
+          </a:p>
+        </p:txBody>
+      </p:sp>
+      <p:sp>
+        <p:nvSpPr>
+          <p:cNvPr id="7" name="Text Placeholder 6"/>
+          <p:cNvSpPr>
+            <a:spLocks noGrp="1"/>
+          </p:cNvSpPr>
+          <p:nvPr>
+            <p:ph type="body" idx="1"/>
+          </p:nvPr>
+        </p:nvSpPr>
+        <p:spPr>
+          <a:xfrm>
+            <a:off x="685800" y="2603500"/>
+            <a:ext cx="7772400" cy="1500187"/>
+          </a:xfrm>
+        </p:spPr>
+        <p:txBody>
+          <a:bodyPr>
+            <a:noAutofit/>
+          </a:bodyPr>
+          <a:lstStyle/>
+          <a:p>
+            <a:r>
+              <a:rPr lang="en-US" sz="2400" dirty="0" smtClean="0">
+                <a:latin typeface="Gill Sans Light"/>
+                <a:cs typeface="Gill Sans Light"/>
+              </a:rPr>
+              <a:t>“The mission of the </a:t>
+            </a:r>
+            <a:r>
+              <a:rPr lang="en-US" sz="2400" dirty="0" err="1" smtClean="0">
+                <a:latin typeface="Gill Sans Light"/>
+                <a:cs typeface="Gill Sans Light"/>
+              </a:rPr>
               <a:t>HathiTrust</a:t>
             </a:r>
-            <a:endParaRPr lang="en-US" dirty="0"/>
-          </a:p>
-        </p:txBody>
-      </p:sp>
-      <p:sp>
-        <p:nvSpPr>
-          <p:cNvPr id="5" name="Content Placeholder 4"/>
-          <p:cNvSpPr>
-            <a:spLocks noGrp="1"/>
-          </p:cNvSpPr>
-          <p:nvPr>
-            <p:ph idx="1"/>
-          </p:nvPr>
-        </p:nvSpPr>
-        <p:spPr/>
-        <p:txBody>
-          <a:bodyPr/>
-          <a:lstStyle/>
-          <a:p>
-            <a:r>
-              <a:rPr lang="en-US" dirty="0" smtClean="0"/>
-              <a:t>Collaborative digital repository committed to preservation and restoration</a:t>
-            </a:r>
-          </a:p>
-          <a:p>
-            <a:r>
-              <a:rPr lang="en-US" dirty="0" smtClean="0"/>
-              <a:t>Open access</a:t>
-            </a:r>
-          </a:p>
-          <a:p>
-            <a:r>
-              <a:rPr lang="en-US" dirty="0" smtClean="0"/>
-              <a:t>Intends to be </a:t>
-            </a:r>
-            <a:r>
-              <a:rPr lang="en-US" i="1" dirty="0" smtClean="0"/>
-              <a:t>the </a:t>
-            </a:r>
-            <a:r>
-              <a:rPr lang="en-US" dirty="0" smtClean="0"/>
-              <a:t>central digital text collection</a:t>
-            </a:r>
-          </a:p>
-          <a:p>
-            <a:r>
-              <a:rPr lang="en-US" dirty="0" smtClean="0"/>
-              <a:t>Partner funded; member organizations pay yearly fees </a:t>
-            </a:r>
-          </a:p>
-          <a:p>
-            <a:endParaRPr lang="en-US" dirty="0" smtClean="0"/>
+            <a:r>
+              <a:rPr lang="en-US" sz="2400" dirty="0" smtClean="0">
+                <a:latin typeface="Gill Sans Light"/>
+                <a:cs typeface="Gill Sans Light"/>
+              </a:rPr>
+              <a:t> is to contribute to the common good by collecting, organizing, preserving, communicating, and sharing the record of human knowledge.”</a:t>
+            </a:r>
+            <a:r>
+              <a:rPr lang="en-US" sz="2400" baseline="30000" dirty="0" smtClean="0">
+                <a:latin typeface="Gill Sans Light"/>
+                <a:cs typeface="Gill Sans Light"/>
+              </a:rPr>
+              <a:t>1</a:t>
+            </a:r>
+            <a:endParaRPr lang="en-US" sz="2400" baseline="30000" dirty="0" smtClean="0">
+              <a:latin typeface="Gill Sans Light"/>
+              <a:cs typeface="Gill Sans Light"/>
+            </a:endParaRPr>
           </a:p>
         </p:txBody>
       </p:sp>
@@ -4704,6 +8458,13 @@
   <p:clrMapOvr>
     <a:masterClrMapping/>
   </p:clrMapOvr>
+  <p:timing>
+    <p:tnLst>
+      <p:par>
+        <p:cTn id="1" dur="indefinite" restart="never" nodeType="tmRoot"/>
+      </p:par>
+    </p:tnLst>
+  </p:timing>
 </p:sld>
 </file>
 
@@ -4726,51 +8487,146 @@
       </p:grpSpPr>
       <p:sp>
         <p:nvSpPr>
-          <p:cNvPr id="33" name="Title 32"/>
-          <p:cNvSpPr>
-            <a:spLocks noGrp="1"/>
-          </p:cNvSpPr>
-          <p:nvPr>
-            <p:ph type="title"/>
-          </p:nvPr>
-        </p:nvSpPr>
-        <p:spPr/>
+          <p:cNvPr id="3" name="Content Placeholder 2"/>
+          <p:cNvSpPr>
+            <a:spLocks noGrp="1"/>
+          </p:cNvSpPr>
+          <p:nvPr>
+            <p:ph idx="4294967295"/>
+          </p:nvPr>
+        </p:nvSpPr>
+        <p:spPr>
+          <a:xfrm>
+            <a:off x="666750" y="1418167"/>
+            <a:ext cx="7878763" cy="4159250"/>
+          </a:xfrm>
+        </p:spPr>
         <p:txBody>
           <a:bodyPr/>
           <a:lstStyle/>
           <a:p>
-            <a:r>
-              <a:rPr lang="en-US" dirty="0" smtClean="0"/>
-              <a:t>non-Google collection by year</a:t>
-            </a:r>
+            <a:pPr>
+              <a:buNone/>
+            </a:pPr>
+            <a:r>
+              <a:rPr lang="en-US" dirty="0" smtClean="0"/>
+              <a:t>	For example, here are years found in the metadata for the non-Google collection:</a:t>
+            </a:r>
+          </a:p>
+          <a:p>
+            <a:pPr lvl="3"/>
+            <a:r>
+              <a:rPr lang="en-US" dirty="0" smtClean="0"/>
+              <a:t>1891</a:t>
+            </a:r>
+          </a:p>
+          <a:p>
+            <a:pPr lvl="3"/>
+            <a:r>
+              <a:rPr lang="en-US" dirty="0" smtClean="0"/>
+              <a:t>184</a:t>
+            </a:r>
+            <a:r>
+              <a:rPr lang="en-US" dirty="0" smtClean="0"/>
+              <a:t>[5?]</a:t>
+            </a:r>
+            <a:r>
+              <a:rPr lang="en-US" dirty="0" smtClean="0"/>
+              <a:t>	</a:t>
+            </a:r>
+          </a:p>
+          <a:p>
+            <a:pPr lvl="3"/>
+            <a:r>
+              <a:rPr lang="en-US" dirty="0" smtClean="0"/>
+              <a:t>186-?</a:t>
+            </a:r>
+            <a:r>
+              <a:rPr lang="en-US" dirty="0" smtClean="0"/>
+              <a:t>]</a:t>
+            </a:r>
+          </a:p>
+          <a:p>
+            <a:pPr lvl="3"/>
+            <a:r>
+              <a:rPr lang="en-US" dirty="0" smtClean="0"/>
+              <a:t>18--</a:t>
+            </a:r>
+            <a:r>
+              <a:rPr lang="en-US" dirty="0" smtClean="0"/>
+              <a:t>	</a:t>
+            </a:r>
+          </a:p>
+          <a:p>
+            <a:pPr lvl="3"/>
+            <a:r>
+              <a:rPr lang="en-US" dirty="0" smtClean="0"/>
+              <a:t> c19</a:t>
+            </a:r>
+            <a:r>
+              <a:rPr lang="en-US" dirty="0" smtClean="0"/>
+              <a:t> </a:t>
+            </a:r>
+          </a:p>
+          <a:p>
+            <a:pPr lvl="3"/>
+            <a:r>
+              <a:rPr lang="en-US" dirty="0" smtClean="0"/>
+              <a:t>18 -</a:t>
+            </a:r>
+            <a:r>
+              <a:rPr lang="en-US" dirty="0" smtClean="0"/>
+              <a:t>19</a:t>
+            </a:r>
+          </a:p>
+          <a:p>
+            <a:pPr lvl="3"/>
+            <a:r>
+              <a:rPr lang="en-US" dirty="0" smtClean="0"/>
+              <a:t> MDCCLXXIX</a:t>
+            </a:r>
+            <a:r>
+              <a:rPr lang="en-US" dirty="0" smtClean="0"/>
+              <a:t>.</a:t>
+            </a:r>
+          </a:p>
+          <a:p>
+            <a:pPr lvl="3"/>
+            <a:r>
+              <a:rPr lang="en-US" dirty="0" smtClean="0"/>
+              <a:t>5682 [1921] </a:t>
+            </a:r>
+            <a:r>
+              <a:rPr lang="en-US" dirty="0" smtClean="0"/>
+              <a:t>	</a:t>
+            </a:r>
+          </a:p>
+          <a:p>
+            <a:pPr lvl="1">
+              <a:buNone/>
+            </a:pPr>
+            <a:endParaRPr lang="en-US" dirty="0" smtClean="0"/>
+          </a:p>
+          <a:p>
+            <a:pPr lvl="1">
+              <a:buNone/>
+            </a:pPr>
             <a:endParaRPr lang="en-US" dirty="0"/>
           </a:p>
         </p:txBody>
       </p:sp>
-      <p:pic>
-        <p:nvPicPr>
-          <p:cNvPr id="31" name="Content Placeholder 30" descr="non_google_years.png"/>
-          <p:cNvPicPr>
-            <a:picLocks noGrp="1" noChangeAspect="1"/>
-          </p:cNvPicPr>
-          <p:nvPr>
-            <p:ph idx="1"/>
-          </p:nvPr>
-        </p:nvPicPr>
-        <p:blipFill>
-          <a:blip r:embed="rId2"/>
-          <a:srcRect l="-509" r="-509"/>
-          <a:stretch>
-            <a:fillRect/>
-          </a:stretch>
-        </p:blipFill>
-        <p:spPr/>
-      </p:pic>
     </p:spTree>
   </p:cSld>
   <p:clrMapOvr>
     <a:masterClrMapping/>
   </p:clrMapOvr>
+  <p:timing>
+    <p:tnLst>
+      <p:par>
+        <p:cTn id="1" dur="indefinite" restart="never" nodeType="tmRoot"/>
+      </p:par>
+    </p:tnLst>
+  </p:timing>
 </p:sld>
 </file>
 
@@ -4793,42 +8649,31 @@
       </p:grpSpPr>
       <p:sp>
         <p:nvSpPr>
-          <p:cNvPr id="2" name="Title 1"/>
-          <p:cNvSpPr>
-            <a:spLocks noGrp="1"/>
-          </p:cNvSpPr>
-          <p:nvPr>
-            <p:ph type="title"/>
-          </p:nvPr>
-        </p:nvSpPr>
-        <p:spPr/>
+          <p:cNvPr id="10" name="Content Placeholder 9"/>
+          <p:cNvSpPr>
+            <a:spLocks noGrp="1"/>
+          </p:cNvSpPr>
+          <p:nvPr>
+            <p:ph idx="4294967295"/>
+          </p:nvPr>
+        </p:nvSpPr>
+        <p:spPr>
+          <a:xfrm>
+            <a:off x="666750" y="2656416"/>
+            <a:ext cx="7878763" cy="1386417"/>
+          </a:xfrm>
+        </p:spPr>
         <p:txBody>
           <a:bodyPr/>
           <a:lstStyle/>
           <a:p>
-            <a:r>
-              <a:rPr lang="en-US" dirty="0" smtClean="0"/>
-              <a:t>OCR Quality</a:t>
-            </a:r>
-            <a:endParaRPr lang="en-US" dirty="0"/>
-          </a:p>
-        </p:txBody>
-      </p:sp>
-      <p:sp>
-        <p:nvSpPr>
-          <p:cNvPr id="3" name="Content Placeholder 2"/>
-          <p:cNvSpPr>
-            <a:spLocks noGrp="1"/>
-          </p:cNvSpPr>
-          <p:nvPr>
-            <p:ph idx="1"/>
-          </p:nvPr>
-        </p:nvSpPr>
-        <p:spPr/>
-        <p:txBody>
-          <a:bodyPr/>
-          <a:lstStyle/>
-          <a:p>
+            <a:pPr>
+              <a:buNone/>
+            </a:pPr>
+            <a:r>
+              <a:rPr lang="en-US" dirty="0" smtClean="0"/>
+              <a:t>	Using the MARC records, we identified 180 documents in the non-Google collection that contain metadata references to New Zealand.</a:t>
+            </a:r>
             <a:endParaRPr lang="en-US" dirty="0"/>
           </a:p>
         </p:txBody>
@@ -4838,6 +8683,13 @@
   <p:clrMapOvr>
     <a:masterClrMapping/>
   </p:clrMapOvr>
+  <p:timing>
+    <p:tnLst>
+      <p:par>
+        <p:cTn id="1" dur="indefinite" restart="never" nodeType="tmRoot"/>
+      </p:par>
+    </p:tnLst>
+  </p:timing>
 </p:sld>
 </file>
 
@@ -4870,14 +8722,12 @@
         </p:nvSpPr>
         <p:spPr/>
         <p:txBody>
-          <a:bodyPr>
-            <a:normAutofit/>
-          </a:bodyPr>
-          <a:lstStyle/>
-          <a:p>
-            <a:r>
-              <a:rPr lang="en-US" dirty="0" smtClean="0"/>
-              <a:t>OCR Normalization</a:t>
+          <a:bodyPr/>
+          <a:lstStyle/>
+          <a:p>
+            <a:r>
+              <a:rPr lang="en-US" dirty="0" smtClean="0"/>
+              <a:t>Open Questions</a:t>
             </a:r>
             <a:endParaRPr lang="en-US" dirty="0"/>
           </a:p>
@@ -4898,7 +8748,22 @@
           <a:bodyPr/>
           <a:lstStyle/>
           <a:p>
-            <a:endParaRPr lang="en-US" dirty="0"/>
+            <a:pPr>
+              <a:buNone/>
+            </a:pPr>
+            <a:r>
+              <a:rPr lang="en-US" dirty="0" smtClean="0"/>
+              <a:t>	</a:t>
+            </a:r>
+          </a:p>
+          <a:p>
+            <a:pPr>
+              <a:buNone/>
+            </a:pPr>
+            <a:r>
+              <a:rPr lang="en-US" dirty="0" smtClean="0"/>
+              <a:t>	Classifying by metadata is accurate, but limited – how can we accurately identify relevant documents?</a:t>
+            </a:r>
           </a:p>
         </p:txBody>
       </p:sp>
@@ -4907,6 +8772,13 @@
   <p:clrMapOvr>
     <a:masterClrMapping/>
   </p:clrMapOvr>
+  <p:timing>
+    <p:tnLst>
+      <p:par>
+        <p:cTn id="1" dur="indefinite" restart="never" nodeType="tmRoot"/>
+      </p:par>
+    </p:tnLst>
+  </p:timing>
 </p:sld>
 </file>
 
@@ -4944,7 +8816,7 @@
           <a:p>
             <a:r>
               <a:rPr lang="en-US" dirty="0" smtClean="0"/>
-              <a:t>Identifying a NZ Corpus</a:t>
+              <a:t>The future</a:t>
             </a:r>
             <a:endParaRPr lang="en-US" dirty="0"/>
           </a:p>
@@ -4965,10 +8837,65 @@
           <a:bodyPr/>
           <a:lstStyle/>
           <a:p>
+            <a:pPr>
+              <a:buNone/>
+            </a:pPr>
+            <a:r>
+              <a:rPr lang="en-US" dirty="0" smtClean="0"/>
+              <a:t>	</a:t>
+            </a:r>
+          </a:p>
+          <a:p>
+            <a:pPr>
+              <a:buNone/>
+            </a:pPr>
+            <a:r>
+              <a:rPr lang="en-US" dirty="0" smtClean="0"/>
+              <a:t>	Perform non-consumptive research over the entire collection.</a:t>
+            </a:r>
+          </a:p>
+          <a:p>
+            <a:pPr>
+              <a:buNone/>
+            </a:pPr>
+            <a:r>
+              <a:rPr lang="en-US" dirty="0" smtClean="0"/>
+              <a:t>	Integrate NZ libraries and organizations such as </a:t>
+            </a:r>
+            <a:r>
+              <a:rPr lang="en-US" dirty="0" err="1" smtClean="0"/>
+              <a:t>digitalNZ.org</a:t>
+            </a:r>
+            <a:r>
+              <a:rPr lang="en-US" dirty="0" smtClean="0"/>
+              <a:t> with </a:t>
+            </a:r>
+            <a:r>
+              <a:rPr lang="en-US" dirty="0" err="1" smtClean="0"/>
+              <a:t>HathiTrust</a:t>
+            </a:r>
+            <a:r>
+              <a:rPr lang="en-US" dirty="0" smtClean="0"/>
+              <a:t> resources.</a:t>
+            </a:r>
+          </a:p>
+          <a:p>
+            <a:pPr>
+              <a:buNone/>
+            </a:pPr>
+            <a:r>
+              <a:rPr lang="en-US" dirty="0" smtClean="0"/>
+              <a:t>	Contribute content from NZ research libraries to the </a:t>
+            </a:r>
+            <a:r>
+              <a:rPr lang="en-US" dirty="0" err="1" smtClean="0"/>
+              <a:t>HathiTrust</a:t>
+            </a:r>
+            <a:r>
+              <a:rPr lang="en-US" dirty="0" smtClean="0"/>
+              <a:t>.</a:t>
+            </a:r>
             <a:endParaRPr lang="en-US" dirty="0" smtClean="0"/>
-          </a:p>
-          <a:p>
-            <a:endParaRPr lang="en-US" dirty="0"/>
           </a:p>
         </p:txBody>
       </p:sp>
@@ -4977,6 +8904,13 @@
   <p:clrMapOvr>
     <a:masterClrMapping/>
   </p:clrMapOvr>
+  <p:timing>
+    <p:tnLst>
+      <p:par>
+        <p:cTn id="1" dur="indefinite" restart="never" nodeType="tmRoot"/>
+      </p:par>
+    </p:tnLst>
+  </p:timing>
 </p:sld>
 </file>
 
@@ -4999,7 +8933,84 @@
       </p:grpSpPr>
       <p:sp>
         <p:nvSpPr>
-          <p:cNvPr id="2" name="Title 1"/>
+          <p:cNvPr id="3" name="Content Placeholder 2"/>
+          <p:cNvSpPr>
+            <a:spLocks noGrp="1"/>
+          </p:cNvSpPr>
+          <p:nvPr>
+            <p:ph idx="1"/>
+          </p:nvPr>
+        </p:nvSpPr>
+        <p:spPr/>
+        <p:txBody>
+          <a:bodyPr/>
+          <a:lstStyle/>
+          <a:p>
+            <a:r>
+              <a:rPr lang="en-US" dirty="0" smtClean="0"/>
+              <a:t>James Smithies</a:t>
+            </a:r>
+          </a:p>
+          <a:p>
+            <a:r>
+              <a:rPr lang="en-US" dirty="0" err="1" smtClean="0"/>
+              <a:t>Yiming</a:t>
+            </a:r>
+            <a:r>
+              <a:rPr lang="en-US" dirty="0" smtClean="0"/>
+              <a:t> Sun, Stephen </a:t>
+            </a:r>
+            <a:r>
+              <a:rPr lang="en-US" dirty="0" err="1" smtClean="0"/>
+              <a:t>Downie</a:t>
+            </a:r>
+            <a:r>
+              <a:rPr lang="en-US" dirty="0" smtClean="0"/>
+              <a:t>, and the </a:t>
+            </a:r>
+            <a:r>
+              <a:rPr lang="en-US" dirty="0" smtClean="0"/>
+              <a:t>HTRC</a:t>
+            </a:r>
+          </a:p>
+          <a:p>
+            <a:r>
+              <a:rPr lang="en-US" dirty="0" smtClean="0"/>
+              <a:t>Tim McNamara, Richard Hosking, </a:t>
+            </a:r>
+            <a:r>
+              <a:rPr lang="en-US" dirty="0" err="1" smtClean="0"/>
+              <a:t>Sina</a:t>
+            </a:r>
+            <a:r>
+              <a:rPr lang="en-US" dirty="0" smtClean="0"/>
+              <a:t> </a:t>
+            </a:r>
+            <a:r>
+              <a:rPr lang="en-US" dirty="0" err="1" smtClean="0"/>
+              <a:t>Masoud-Ansari</a:t>
+            </a:r>
+            <a:r>
+              <a:rPr lang="en-US" dirty="0" smtClean="0"/>
+              <a:t>, Nick Jones, and </a:t>
+            </a:r>
+            <a:r>
+              <a:rPr lang="en-US" dirty="0" err="1" smtClean="0"/>
+              <a:t>NeSI</a:t>
+            </a:r>
+            <a:endParaRPr lang="en-US" dirty="0" smtClean="0"/>
+          </a:p>
+          <a:p>
+            <a:pPr>
+              <a:buNone/>
+            </a:pPr>
+            <a:endParaRPr lang="en-US" dirty="0"/>
+          </a:p>
+        </p:txBody>
+      </p:sp>
+      <p:sp>
+        <p:nvSpPr>
+          <p:cNvPr id="5" name="Title 4"/>
           <p:cNvSpPr>
             <a:spLocks noGrp="1"/>
           </p:cNvSpPr>
@@ -5014,36 +9025,48 @@
           <a:p>
             <a:r>
               <a:rPr lang="en-US" dirty="0" smtClean="0"/>
-              <a:t>Topic Modeling</a:t>
+              <a:t>Thanks to…</a:t>
             </a:r>
             <a:endParaRPr lang="en-US" dirty="0"/>
           </a:p>
         </p:txBody>
       </p:sp>
-      <p:sp>
-        <p:nvSpPr>
-          <p:cNvPr id="3" name="Content Placeholder 2"/>
-          <p:cNvSpPr>
-            <a:spLocks noGrp="1"/>
-          </p:cNvSpPr>
-          <p:nvPr>
-            <p:ph idx="1"/>
-          </p:nvPr>
-        </p:nvSpPr>
-        <p:spPr/>
-        <p:txBody>
-          <a:bodyPr/>
-          <a:lstStyle/>
-          <a:p>
-            <a:endParaRPr lang="en-US" dirty="0"/>
-          </a:p>
-        </p:txBody>
-      </p:sp>
+      <p:pic>
+        <p:nvPicPr>
+          <p:cNvPr id="6" name="Picture 5" descr="NeSI_logo_mono-300x150.png"/>
+          <p:cNvPicPr>
+            <a:picLocks noChangeAspect="1"/>
+          </p:cNvPicPr>
+          <p:nvPr/>
+        </p:nvPicPr>
+        <p:blipFill>
+          <a:blip r:embed="rId2"/>
+          <a:stretch>
+            <a:fillRect/>
+          </a:stretch>
+        </p:blipFill>
+        <p:spPr>
+          <a:xfrm>
+            <a:off x="2804054" y="4064000"/>
+            <a:ext cx="3048001" cy="1524000"/>
+          </a:xfrm>
+          <a:prstGeom prst="rect">
+            <a:avLst/>
+          </a:prstGeom>
+        </p:spPr>
+      </p:pic>
     </p:spTree>
   </p:cSld>
   <p:clrMapOvr>
     <a:masterClrMapping/>
   </p:clrMapOvr>
+  <p:timing>
+    <p:tnLst>
+      <p:par>
+        <p:cTn id="1" dur="indefinite" restart="never" nodeType="tmRoot"/>
+      </p:par>
+    </p:tnLst>
+  </p:timing>
 </p:sld>
 </file>
 
@@ -5066,12 +9089,12 @@
       </p:grpSpPr>
       <p:sp>
         <p:nvSpPr>
-          <p:cNvPr id="2" name="Title 1"/>
-          <p:cNvSpPr>
-            <a:spLocks noGrp="1"/>
-          </p:cNvSpPr>
-          <p:nvPr>
-            <p:ph type="title"/>
+          <p:cNvPr id="17" name="Content Placeholder 16"/>
+          <p:cNvSpPr>
+            <a:spLocks noGrp="1"/>
+          </p:cNvSpPr>
+          <p:nvPr>
+            <p:ph idx="1"/>
           </p:nvPr>
         </p:nvSpPr>
         <p:spPr/>
@@ -5080,29 +9103,29 @@
           <a:lstStyle/>
           <a:p>
             <a:r>
-              <a:rPr lang="en-US" dirty="0" smtClean="0"/>
-              <a:t>Where to proceed</a:t>
+              <a:rPr lang="en-US" baseline="30000" dirty="0" smtClean="0"/>
+              <a:t>1</a:t>
+            </a:r>
+            <a:r>
+              <a:rPr lang="en-US" dirty="0" smtClean="0"/>
+              <a:t> </a:t>
+            </a:r>
+            <a:r>
+              <a:rPr lang="en-US" dirty="0" err="1" smtClean="0"/>
+              <a:t>www.hathitrust.org/mission_goals</a:t>
+            </a:r>
+            <a:endParaRPr lang="en-US" dirty="0" smtClean="0"/>
+          </a:p>
+          <a:p>
+            <a:r>
+              <a:rPr lang="en-US" baseline="30000" dirty="0" smtClean="0"/>
+              <a:t>2 </a:t>
+            </a:r>
+            <a:r>
+              <a:rPr lang="en-US" dirty="0" smtClean="0"/>
+              <a:t>http://tedunderwood.com/2013/02/08/we-dont-already-know-the-broad-outlines-of-literary-history/</a:t>
             </a:r>
             <a:endParaRPr lang="en-US" dirty="0"/>
-          </a:p>
-        </p:txBody>
-      </p:sp>
-      <p:sp>
-        <p:nvSpPr>
-          <p:cNvPr id="3" name="Content Placeholder 2"/>
-          <p:cNvSpPr>
-            <a:spLocks noGrp="1"/>
-          </p:cNvSpPr>
-          <p:nvPr>
-            <p:ph idx="1"/>
-          </p:nvPr>
-        </p:nvSpPr>
-        <p:spPr/>
-        <p:txBody>
-          <a:bodyPr/>
-          <a:lstStyle/>
-          <a:p>
-            <a:endParaRPr lang="en-US"/>
           </a:p>
         </p:txBody>
       </p:sp>
@@ -5111,292 +9134,13 @@
   <p:clrMapOvr>
     <a:masterClrMapping/>
   </p:clrMapOvr>
-</p:sld>
-</file>
-
-<file path=ppt/slides/slide26.xml><?xml version="1.0" encoding="utf-8"?>
-<p:sld xmlns:a="http://schemas.openxmlformats.org/drawingml/2006/main" xmlns:r="http://schemas.openxmlformats.org/officeDocument/2006/relationships" xmlns:mc="http://schemas.openxmlformats.org/markup-compatibility/2006" xmlns:mv="urn:schemas-microsoft-com:mac:vml" xmlns:p="http://schemas.openxmlformats.org/presentationml/2006/main" mc:Ignorable="mv" mc:PreserveAttributes="mv:*">
-  <p:cSld>
-    <p:spTree>
-      <p:nvGrpSpPr>
-        <p:cNvPr id="1" name=""/>
-        <p:cNvGrpSpPr/>
-        <p:nvPr/>
-      </p:nvGrpSpPr>
-      <p:grpSpPr>
-        <a:xfrm>
-          <a:off x="0" y="0"/>
-          <a:ext cx="0" cy="0"/>
-          <a:chOff x="0" y="0"/>
-          <a:chExt cx="0" cy="0"/>
-        </a:xfrm>
-      </p:grpSpPr>
-      <p:sp>
-        <p:nvSpPr>
-          <p:cNvPr id="4" name="Title 3"/>
-          <p:cNvSpPr>
-            <a:spLocks noGrp="1"/>
-          </p:cNvSpPr>
-          <p:nvPr>
-            <p:ph type="title"/>
-          </p:nvPr>
-        </p:nvSpPr>
-        <p:spPr/>
-        <p:txBody>
-          <a:bodyPr/>
-          <a:lstStyle/>
-          <a:p>
-            <a:r>
-              <a:rPr lang="en-US" dirty="0" smtClean="0"/>
-              <a:t>Elsewhere…</a:t>
-            </a:r>
-            <a:endParaRPr lang="en-US" dirty="0"/>
-          </a:p>
-        </p:txBody>
-      </p:sp>
-      <p:sp>
-        <p:nvSpPr>
-          <p:cNvPr id="5" name="Content Placeholder 4"/>
-          <p:cNvSpPr>
-            <a:spLocks noGrp="1"/>
-          </p:cNvSpPr>
-          <p:nvPr>
-            <p:ph idx="1"/>
-          </p:nvPr>
-        </p:nvSpPr>
-        <p:spPr/>
-        <p:txBody>
-          <a:bodyPr/>
-          <a:lstStyle/>
-          <a:p>
-            <a:r>
-              <a:rPr lang="en-US" dirty="0" smtClean="0"/>
-              <a:t>Ted Underwood (what he’s doing)</a:t>
-            </a:r>
-          </a:p>
-          <a:p>
-            <a:endParaRPr lang="en-US" dirty="0"/>
-          </a:p>
-        </p:txBody>
-      </p:sp>
-    </p:spTree>
-  </p:cSld>
-  <p:clrMapOvr>
-    <a:masterClrMapping/>
-  </p:clrMapOvr>
-</p:sld>
-</file>
-
-<file path=ppt/slides/slide27.xml><?xml version="1.0" encoding="utf-8"?>
-<p:sld xmlns:a="http://schemas.openxmlformats.org/drawingml/2006/main" xmlns:r="http://schemas.openxmlformats.org/officeDocument/2006/relationships" xmlns:mc="http://schemas.openxmlformats.org/markup-compatibility/2006" xmlns:mv="urn:schemas-microsoft-com:mac:vml" xmlns:p="http://schemas.openxmlformats.org/presentationml/2006/main" mc:Ignorable="mv" mc:PreserveAttributes="mv:*">
-  <p:cSld>
-    <p:spTree>
-      <p:nvGrpSpPr>
-        <p:cNvPr id="1" name=""/>
-        <p:cNvGrpSpPr/>
-        <p:nvPr/>
-      </p:nvGrpSpPr>
-      <p:grpSpPr>
-        <a:xfrm>
-          <a:off x="0" y="0"/>
-          <a:ext cx="0" cy="0"/>
-          <a:chOff x="0" y="0"/>
-          <a:chExt cx="0" cy="0"/>
-        </a:xfrm>
-      </p:grpSpPr>
-      <p:sp>
-        <p:nvSpPr>
-          <p:cNvPr id="2" name="Title 1"/>
-          <p:cNvSpPr>
-            <a:spLocks noGrp="1"/>
-          </p:cNvSpPr>
-          <p:nvPr>
-            <p:ph type="title"/>
-          </p:nvPr>
-        </p:nvSpPr>
-        <p:spPr/>
-        <p:txBody>
-          <a:bodyPr/>
-          <a:lstStyle/>
-          <a:p>
-            <a:r>
-              <a:rPr lang="en-US" smtClean="0"/>
-              <a:t>Open source software	</a:t>
-            </a:r>
-            <a:endParaRPr lang="en-US" dirty="0"/>
-          </a:p>
-        </p:txBody>
-      </p:sp>
-      <p:sp>
-        <p:nvSpPr>
-          <p:cNvPr id="3" name="Content Placeholder 2"/>
-          <p:cNvSpPr>
-            <a:spLocks noGrp="1"/>
-          </p:cNvSpPr>
-          <p:nvPr>
-            <p:ph idx="1"/>
-          </p:nvPr>
-        </p:nvSpPr>
-        <p:spPr/>
-        <p:txBody>
-          <a:bodyPr/>
-          <a:lstStyle/>
-          <a:p>
-            <a:r>
-              <a:rPr lang="en-US" dirty="0" err="1" smtClean="0"/>
-              <a:t>IPython</a:t>
-            </a:r>
-            <a:endParaRPr lang="en-US" dirty="0" smtClean="0"/>
-          </a:p>
-          <a:p>
-            <a:endParaRPr lang="en-US" dirty="0" smtClean="0"/>
-          </a:p>
-          <a:p>
-            <a:r>
-              <a:rPr lang="en-US" dirty="0" smtClean="0"/>
-              <a:t>Libraries:</a:t>
-            </a:r>
-          </a:p>
-          <a:p>
-            <a:pPr lvl="1"/>
-            <a:r>
-              <a:rPr lang="en-US" dirty="0" err="1" smtClean="0"/>
-              <a:t>pymarc</a:t>
-            </a:r>
-            <a:endParaRPr lang="en-US" dirty="0" smtClean="0"/>
-          </a:p>
-          <a:p>
-            <a:pPr lvl="1"/>
-            <a:r>
-              <a:rPr lang="en-US" dirty="0" err="1" smtClean="0"/>
-              <a:t>ptree</a:t>
-            </a:r>
-            <a:r>
-              <a:rPr lang="en-US" dirty="0" smtClean="0"/>
-              <a:t>, </a:t>
-            </a:r>
-            <a:r>
-              <a:rPr lang="en-US" dirty="0" err="1" smtClean="0"/>
-              <a:t>Pairtree</a:t>
-            </a:r>
-            <a:endParaRPr lang="en-US" dirty="0" smtClean="0"/>
-          </a:p>
-          <a:p>
-            <a:pPr lvl="1"/>
-            <a:r>
-              <a:rPr lang="en-US" dirty="0" err="1" smtClean="0"/>
-              <a:t>Scikit</a:t>
-            </a:r>
-            <a:r>
-              <a:rPr lang="en-US" dirty="0" smtClean="0"/>
-              <a:t>-Learn</a:t>
-            </a:r>
-          </a:p>
-          <a:p>
-            <a:pPr lvl="1"/>
-            <a:endParaRPr lang="en-US" dirty="0" smtClean="0"/>
-          </a:p>
-        </p:txBody>
-      </p:sp>
-    </p:spTree>
-  </p:cSld>
-  <p:clrMapOvr>
-    <a:masterClrMapping/>
-  </p:clrMapOvr>
-</p:sld>
-</file>
-
-<file path=ppt/slides/slide28.xml><?xml version="1.0" encoding="utf-8"?>
-<p:sld xmlns:a="http://schemas.openxmlformats.org/drawingml/2006/main" xmlns:r="http://schemas.openxmlformats.org/officeDocument/2006/relationships" xmlns:mc="http://schemas.openxmlformats.org/markup-compatibility/2006" xmlns:mv="urn:schemas-microsoft-com:mac:vml" xmlns:p="http://schemas.openxmlformats.org/presentationml/2006/main" mc:Ignorable="mv" mc:PreserveAttributes="mv:*">
-  <p:cSld>
-    <p:spTree>
-      <p:nvGrpSpPr>
-        <p:cNvPr id="1" name=""/>
-        <p:cNvGrpSpPr/>
-        <p:nvPr/>
-      </p:nvGrpSpPr>
-      <p:grpSpPr>
-        <a:xfrm>
-          <a:off x="0" y="0"/>
-          <a:ext cx="0" cy="0"/>
-          <a:chOff x="0" y="0"/>
-          <a:chExt cx="0" cy="0"/>
-        </a:xfrm>
-      </p:grpSpPr>
-      <p:sp>
-        <p:nvSpPr>
-          <p:cNvPr id="2" name="Title 1"/>
-          <p:cNvSpPr>
-            <a:spLocks noGrp="1"/>
-          </p:cNvSpPr>
-          <p:nvPr>
-            <p:ph type="title"/>
-          </p:nvPr>
-        </p:nvSpPr>
-        <p:spPr/>
-        <p:txBody>
-          <a:bodyPr/>
-          <a:lstStyle/>
-          <a:p>
-            <a:r>
-              <a:rPr lang="en-US" dirty="0" smtClean="0"/>
-              <a:t>Thank you:</a:t>
-            </a:r>
-            <a:endParaRPr lang="en-US" dirty="0"/>
-          </a:p>
-        </p:txBody>
-      </p:sp>
-      <p:sp>
-        <p:nvSpPr>
-          <p:cNvPr id="3" name="Content Placeholder 2"/>
-          <p:cNvSpPr>
-            <a:spLocks noGrp="1"/>
-          </p:cNvSpPr>
-          <p:nvPr>
-            <p:ph idx="1"/>
-          </p:nvPr>
-        </p:nvSpPr>
-        <p:spPr/>
-        <p:txBody>
-          <a:bodyPr/>
-          <a:lstStyle/>
-          <a:p>
-            <a:r>
-              <a:rPr lang="en-US" dirty="0" smtClean="0"/>
-              <a:t>James Smithies</a:t>
-            </a:r>
-          </a:p>
-          <a:p>
-            <a:r>
-              <a:rPr lang="en-US" dirty="0" err="1" smtClean="0"/>
-              <a:t>Yiming</a:t>
-            </a:r>
-            <a:r>
-              <a:rPr lang="en-US" dirty="0" smtClean="0"/>
-              <a:t> Sun, Stephen </a:t>
-            </a:r>
-            <a:r>
-              <a:rPr lang="en-US" dirty="0" err="1" smtClean="0"/>
-              <a:t>Downie</a:t>
-            </a:r>
-            <a:r>
-              <a:rPr lang="en-US" dirty="0" smtClean="0"/>
-              <a:t>, and the HTRC</a:t>
-            </a:r>
-          </a:p>
-          <a:p>
-            <a:pPr>
-              <a:buNone/>
-            </a:pPr>
-            <a:endParaRPr lang="en-US" dirty="0"/>
-          </a:p>
-        </p:txBody>
-      </p:sp>
-    </p:spTree>
-  </p:cSld>
-  <p:clrMapOvr>
-    <a:masterClrMapping/>
-  </p:clrMapOvr>
+  <p:timing>
+    <p:tnLst>
+      <p:par>
+        <p:cTn id="1" dur="indefinite" restart="never" nodeType="tmRoot"/>
+      </p:par>
+    </p:tnLst>
+  </p:timing>
 </p:sld>
 </file>
 
@@ -5419,7 +9163,7 @@
       </p:grpSpPr>
       <p:sp>
         <p:nvSpPr>
-          <p:cNvPr id="4" name="Title 3"/>
+          <p:cNvPr id="9" name="Title 8"/>
           <p:cNvSpPr>
             <a:spLocks noGrp="1"/>
           </p:cNvSpPr>
@@ -5434,7 +9178,15 @@
           <a:p>
             <a:r>
               <a:rPr lang="en-US" dirty="0" smtClean="0"/>
-              <a:t>The Collection</a:t>
+              <a:t>The </a:t>
+            </a:r>
+            <a:r>
+              <a:rPr lang="en-US" dirty="0" err="1" smtClean="0"/>
+              <a:t>HathiTrust</a:t>
+            </a:r>
+            <a:r>
+              <a:rPr lang="en-US" dirty="0" smtClean="0"/>
+              <a:t> Digital Library</a:t>
             </a:r>
             <a:endParaRPr lang="en-US" dirty="0"/>
           </a:p>
@@ -5442,74 +9194,117 @@
       </p:sp>
       <p:sp>
         <p:nvSpPr>
-          <p:cNvPr id="7" name="Content Placeholder 6"/>
-          <p:cNvSpPr>
-            <a:spLocks noGrp="1"/>
-          </p:cNvSpPr>
-          <p:nvPr>
-            <p:ph idx="1"/>
-          </p:nvPr>
-        </p:nvSpPr>
-        <p:spPr/>
+          <p:cNvPr id="10" name="Content Placeholder 9"/>
+          <p:cNvSpPr>
+            <a:spLocks noGrp="1"/>
+          </p:cNvSpPr>
+          <p:nvPr>
+            <p:ph sz="half" idx="1"/>
+          </p:nvPr>
+        </p:nvSpPr>
+        <p:spPr>
+          <a:xfrm>
+            <a:off x="958850" y="2391833"/>
+            <a:ext cx="3749040" cy="3236383"/>
+          </a:xfrm>
+        </p:spPr>
         <p:txBody>
           <a:bodyPr/>
           <a:lstStyle/>
           <a:p>
-            <a:r>
-              <a:rPr lang="en-US" dirty="0" smtClean="0"/>
-              <a:t>72 contributing organizations</a:t>
-            </a:r>
-          </a:p>
-          <a:p>
-            <a:r>
-              <a:rPr lang="en-US" dirty="0" smtClean="0"/>
-              <a:t>10,641,980 volumes</a:t>
-            </a:r>
-          </a:p>
-          <a:p>
-            <a:r>
-              <a:rPr lang="en-US" dirty="0" smtClean="0"/>
-              <a:t>477 </a:t>
-            </a:r>
-            <a:r>
-              <a:rPr lang="en-US" i="1" dirty="0" smtClean="0"/>
-              <a:t>terabytes</a:t>
-            </a:r>
-            <a:r>
-              <a:rPr lang="en-US" dirty="0" smtClean="0"/>
-              <a:t> of data</a:t>
-            </a:r>
-          </a:p>
-          <a:p>
+            <a:pPr>
+              <a:buNone/>
+            </a:pPr>
+            <a:r>
+              <a:rPr lang="en-US" dirty="0" smtClean="0"/>
+              <a:t>	</a:t>
+            </a:r>
+            <a:r>
+              <a:rPr lang="en-US" dirty="0" smtClean="0">
+                <a:latin typeface="Gill Sans Light"/>
+              </a:rPr>
+              <a:t>Founded in 2008, the </a:t>
+            </a:r>
+            <a:r>
+              <a:rPr lang="en-US" dirty="0" err="1" smtClean="0">
+                <a:latin typeface="Gill Sans Light"/>
+              </a:rPr>
+              <a:t>HathiTrust</a:t>
+            </a:r>
+            <a:r>
+              <a:rPr lang="en-US" dirty="0" smtClean="0">
+                <a:latin typeface="Gill Sans Light"/>
+              </a:rPr>
+              <a:t> is a joint venture between 70 </a:t>
+            </a:r>
+            <a:r>
+              <a:rPr lang="en-US" dirty="0" err="1" smtClean="0">
+                <a:latin typeface="Gill Sans Light"/>
+              </a:rPr>
+              <a:t>parters</a:t>
+            </a:r>
+            <a:r>
+              <a:rPr lang="en-US" dirty="0" smtClean="0">
+                <a:latin typeface="Gill Sans Light"/>
+              </a:rPr>
+              <a:t> – including Google, the Internet Archive, and major US research institutions.</a:t>
+            </a:r>
+          </a:p>
+          <a:p>
+            <a:pPr>
+              <a:buNone/>
+            </a:pPr>
             <a:endParaRPr lang="en-US" dirty="0" smtClean="0"/>
           </a:p>
           <a:p>
-            <a:r>
-              <a:rPr lang="en-US" dirty="0" smtClean="0"/>
-              <a:t>~1/3 of the collection is in the public domain</a:t>
-            </a:r>
-          </a:p>
-          <a:p>
-            <a:r>
-              <a:rPr lang="en-US" dirty="0" smtClean="0"/>
-              <a:t>(…discuss: Google </a:t>
-            </a:r>
-            <a:r>
-              <a:rPr lang="en-US" dirty="0" err="1" smtClean="0"/>
-              <a:t>v</a:t>
-            </a:r>
-            <a:r>
-              <a:rPr lang="en-US" dirty="0" smtClean="0"/>
-              <a:t>. non-Google.)</a:t>
-            </a:r>
-          </a:p>
-        </p:txBody>
-      </p:sp>
+            <a:endParaRPr lang="en-US" dirty="0" smtClean="0"/>
+          </a:p>
+        </p:txBody>
+      </p:sp>
+      <p:pic>
+        <p:nvPicPr>
+          <p:cNvPr id="16" name="Picture 15"/>
+          <p:cNvPicPr>
+            <a:picLocks noChangeAspect="1" noChangeArrowheads="1"/>
+          </p:cNvPicPr>
+          <p:nvPr/>
+        </p:nvPicPr>
+        <p:blipFill>
+          <a:blip r:embed="rId2"/>
+          <a:srcRect/>
+          <a:stretch>
+            <a:fillRect/>
+          </a:stretch>
+        </p:blipFill>
+        <p:spPr bwMode="auto">
+          <a:xfrm>
+            <a:off x="5014084" y="1600200"/>
+            <a:ext cx="2933999" cy="4558329"/>
+          </a:xfrm>
+          <a:prstGeom prst="rect">
+            <a:avLst/>
+          </a:prstGeom>
+          <a:noFill/>
+          <a:ln w="12700">
+            <a:noFill/>
+            <a:miter lim="800000"/>
+            <a:headEnd/>
+            <a:tailEnd/>
+          </a:ln>
+        </p:spPr>
+      </p:pic>
     </p:spTree>
   </p:cSld>
   <p:clrMapOvr>
     <a:masterClrMapping/>
   </p:clrMapOvr>
+  <p:timing>
+    <p:tnLst>
+      <p:par>
+        <p:cTn id="1" dur="indefinite" restart="never" nodeType="tmRoot"/>
+      </p:par>
+    </p:tnLst>
+  </p:timing>
 </p:sld>
 </file>
 
@@ -5532,7 +9327,7 @@
       </p:grpSpPr>
       <p:sp>
         <p:nvSpPr>
-          <p:cNvPr id="6" name="Title 5"/>
+          <p:cNvPr id="4" name="Title 3"/>
           <p:cNvSpPr>
             <a:spLocks noGrp="1"/>
           </p:cNvSpPr>
@@ -5542,18 +9337,12 @@
         </p:nvSpPr>
         <p:spPr/>
         <p:txBody>
-          <a:bodyPr>
-            <a:normAutofit fontScale="90000"/>
-          </a:bodyPr>
-          <a:lstStyle/>
-          <a:p>
-            <a:r>
-              <a:rPr lang="en-US" dirty="0" err="1" smtClean="0"/>
-              <a:t>HathiTrust</a:t>
-            </a:r>
-            <a:r>
-              <a:rPr lang="en-US" dirty="0" smtClean="0"/>
-              <a:t> Research Center (HTRC)</a:t>
+          <a:bodyPr/>
+          <a:lstStyle/>
+          <a:p>
+            <a:r>
+              <a:rPr lang="en-US" dirty="0" smtClean="0"/>
+              <a:t>Vision and Goals</a:t>
             </a:r>
             <a:endParaRPr lang="en-US" dirty="0"/>
           </a:p>
@@ -5561,7 +9350,7 @@
       </p:sp>
       <p:sp>
         <p:nvSpPr>
-          <p:cNvPr id="7" name="Content Placeholder 6"/>
+          <p:cNvPr id="5" name="Content Placeholder 4"/>
           <p:cNvSpPr>
             <a:spLocks noGrp="1"/>
           </p:cNvSpPr>
@@ -5571,42 +9360,50 @@
         </p:nvSpPr>
         <p:spPr>
           <a:xfrm>
-            <a:off x="457200" y="1551200"/>
-            <a:ext cx="8229600" cy="4525963"/>
+            <a:off x="641350" y="2218765"/>
+            <a:ext cx="7878788" cy="4639235"/>
           </a:xfrm>
         </p:spPr>
         <p:txBody>
-          <a:bodyPr>
-            <a:normAutofit lnSpcReduction="10000"/>
-          </a:bodyPr>
-          <a:lstStyle/>
-          <a:p>
-            <a:r>
-              <a:rPr lang="en-US" dirty="0" smtClean="0"/>
-              <a:t>The </a:t>
+          <a:bodyPr/>
+          <a:lstStyle/>
+          <a:p>
+            <a:r>
+              <a:rPr lang="en-US" dirty="0" smtClean="0"/>
+              <a:t>Be the first of it’s kind in </a:t>
+            </a:r>
+            <a:r>
+              <a:rPr lang="en-US" dirty="0" smtClean="0"/>
+              <a:t>providing a comprehensive and accessible digital repository of human culture.</a:t>
+            </a:r>
+          </a:p>
+          <a:p>
+            <a:r>
+              <a:rPr lang="en-US" dirty="0" smtClean="0"/>
+              <a:t>Meet </a:t>
+            </a:r>
+            <a:r>
+              <a:rPr lang="en-US" dirty="0" smtClean="0"/>
+              <a:t>the archival needs of its partner institutions.</a:t>
+            </a:r>
+          </a:p>
+          <a:p>
+            <a:r>
+              <a:rPr lang="en-US" dirty="0" smtClean="0"/>
+              <a:t>D</a:t>
+            </a:r>
+            <a:r>
+              <a:rPr lang="en-US" dirty="0" smtClean="0"/>
+              <a:t>evelop tools and best practices for large scale and long term digital </a:t>
             </a:r>
             <a:r>
               <a:rPr lang="en-US" dirty="0" err="1" smtClean="0"/>
-              <a:t>HathiTrust</a:t>
-            </a:r>
-            <a:r>
-              <a:rPr lang="en-US" dirty="0" smtClean="0"/>
-              <a:t> represents a new scale in digital text collections–and hence new challenges in managing and accessing data.</a:t>
-            </a:r>
-          </a:p>
-          <a:p>
-            <a:r>
-              <a:rPr lang="en-US" dirty="0" smtClean="0"/>
-              <a:t>HTRC is committed to providing computational tools and access to researchers, academics and librarians.</a:t>
-            </a:r>
-          </a:p>
-          <a:p>
-            <a:r>
-              <a:rPr lang="en-US" dirty="0" smtClean="0"/>
-              <a:t>Pioneering ‘non-consumptive’ research tools which allow full access to the collection without breaking copyright laws.</a:t>
-            </a:r>
-          </a:p>
-          <a:p>
+              <a:t>curation</a:t>
+            </a:r>
+            <a:r>
+              <a:rPr lang="en-US" dirty="0" smtClean="0"/>
+              <a:t>.</a:t>
+            </a:r>
             <a:endParaRPr lang="en-US" dirty="0" smtClean="0"/>
           </a:p>
           <a:p>
@@ -5616,7 +9413,7 @@
             <a:endParaRPr lang="en-US" dirty="0" smtClean="0"/>
           </a:p>
           <a:p>
-            <a:endParaRPr lang="en-US" dirty="0"/>
+            <a:endParaRPr lang="en-US" dirty="0" smtClean="0"/>
           </a:p>
         </p:txBody>
       </p:sp>
@@ -5625,6 +9422,13 @@
   <p:clrMapOvr>
     <a:masterClrMapping/>
   </p:clrMapOvr>
+  <p:timing>
+    <p:tnLst>
+      <p:par>
+        <p:cTn id="1" dur="indefinite" restart="never" nodeType="tmRoot"/>
+      </p:par>
+    </p:tnLst>
+  </p:timing>
 </p:sld>
 </file>
 
@@ -5647,7 +9451,7 @@
       </p:grpSpPr>
       <p:sp>
         <p:nvSpPr>
-          <p:cNvPr id="2" name="Title 1"/>
+          <p:cNvPr id="4" name="Title 3"/>
           <p:cNvSpPr>
             <a:spLocks noGrp="1"/>
           </p:cNvSpPr>
@@ -5661,16 +9465,22 @@
           <a:lstStyle/>
           <a:p>
             <a:r>
-              <a:rPr lang="en-US" dirty="0" smtClean="0"/>
-              <a:t>(Non-consumptive research?)</a:t>
-            </a:r>
-            <a:endParaRPr lang="en-US" dirty="0"/>
-          </a:p>
-        </p:txBody>
-      </p:sp>
-      <p:sp>
-        <p:nvSpPr>
-          <p:cNvPr id="3" name="Content Placeholder 2"/>
+              <a:rPr lang="en-US" dirty="0" smtClean="0">
+                <a:latin typeface="Gill Sans"/>
+                <a:cs typeface="Gill Sans"/>
+              </a:rPr>
+              <a:t>The Collection</a:t>
+            </a:r>
+            <a:endParaRPr lang="en-US" dirty="0">
+              <a:latin typeface="Gill Sans"/>
+              <a:cs typeface="Gill Sans"/>
+            </a:endParaRPr>
+          </a:p>
+        </p:txBody>
+      </p:sp>
+      <p:sp>
+        <p:nvSpPr>
+          <p:cNvPr id="7" name="Content Placeholder 6"/>
           <p:cNvSpPr>
             <a:spLocks noGrp="1"/>
           </p:cNvSpPr>
@@ -5678,51 +9488,71 @@
             <p:ph idx="1"/>
           </p:nvPr>
         </p:nvSpPr>
-        <p:spPr/>
+        <p:spPr>
+          <a:xfrm>
+            <a:off x="618565" y="2218765"/>
+            <a:ext cx="7878788" cy="4639235"/>
+          </a:xfrm>
+        </p:spPr>
         <p:txBody>
           <a:bodyPr/>
           <a:lstStyle/>
           <a:p>
             <a:r>
               <a:rPr lang="en-US" dirty="0" smtClean="0"/>
-              <a:t>In-copyright </a:t>
-            </a:r>
-            <a:r>
-              <a:rPr lang="en-US" dirty="0" smtClean="0"/>
-              <a:t>volumes are a valuable resource to digital scholars.</a:t>
-            </a:r>
-          </a:p>
-          <a:p>
-            <a:r>
-              <a:rPr lang="en-US" dirty="0" smtClean="0"/>
-              <a:t>Non-consumptive research</a:t>
-            </a:r>
-          </a:p>
-          <a:p>
-            <a:r>
-              <a:rPr lang="en-US" dirty="0" smtClean="0"/>
-              <a:t>….</a:t>
-            </a:r>
-          </a:p>
-          <a:p>
-            <a:r>
-              <a:rPr lang="en-US" dirty="0" smtClean="0"/>
-              <a:t>Access without access…. </a:t>
-            </a:r>
-          </a:p>
-          <a:p>
-            <a:r>
-              <a:rPr lang="en-US" dirty="0" smtClean="0"/>
-              <a:t>Remote computation….</a:t>
-            </a:r>
-          </a:p>
-          <a:p>
-            <a:r>
-              <a:rPr lang="en-US" dirty="0" smtClean="0"/>
-              <a:t>(Hmm, how to explain this succinctly?)</a:t>
-            </a:r>
-          </a:p>
-          <a:p>
+              <a:t>72 contributing organizations</a:t>
+            </a:r>
+          </a:p>
+          <a:p>
+            <a:r>
+              <a:rPr lang="en-US" dirty="0" smtClean="0"/>
+              <a:t>10,641,980 </a:t>
+            </a:r>
+            <a:r>
+              <a:rPr lang="en-US" dirty="0" smtClean="0"/>
+              <a:t>volumes</a:t>
+            </a:r>
+          </a:p>
+          <a:p>
+            <a:r>
+              <a:rPr lang="en-US" dirty="0" smtClean="0"/>
+              <a:t>3,725,089,550  pages</a:t>
+            </a:r>
+          </a:p>
+          <a:p>
+            <a:r>
+              <a:rPr lang="en-US" dirty="0" smtClean="0"/>
+              <a:t>477 terabytes of data</a:t>
+            </a:r>
+            <a:endParaRPr lang="en-US" dirty="0" smtClean="0"/>
+          </a:p>
+          <a:p>
+            <a:r>
+              <a:rPr lang="en-US" dirty="0" smtClean="0"/>
+              <a:t>1</a:t>
+            </a:r>
+            <a:r>
+              <a:rPr lang="en-US" dirty="0" smtClean="0"/>
+              <a:t>/3</a:t>
+            </a:r>
+            <a:r>
+              <a:rPr lang="en-US" dirty="0" smtClean="0"/>
+              <a:t> in </a:t>
+            </a:r>
+            <a:r>
+              <a:rPr lang="en-US" dirty="0" smtClean="0"/>
+              <a:t>the public </a:t>
+            </a:r>
+            <a:r>
+              <a:rPr lang="en-US" dirty="0" smtClean="0"/>
+              <a:t>domain</a:t>
+            </a:r>
+          </a:p>
+          <a:p>
+            <a:r>
+              <a:rPr lang="en-US" dirty="0" smtClean="0"/>
+              <a:t>Hosted at the University of Michigan.</a:t>
+            </a:r>
             <a:endParaRPr lang="en-US" dirty="0" smtClean="0"/>
           </a:p>
         </p:txBody>
@@ -5732,6 +9562,13 @@
   <p:clrMapOvr>
     <a:masterClrMapping/>
   </p:clrMapOvr>
+  <p:timing>
+    <p:tnLst>
+      <p:par>
+        <p:cTn id="1" dur="indefinite" restart="never" nodeType="tmRoot"/>
+      </p:par>
+    </p:tnLst>
+  </p:timing>
 </p:sld>
 </file>
 
@@ -5754,7 +9591,7 @@
       </p:grpSpPr>
       <p:sp>
         <p:nvSpPr>
-          <p:cNvPr id="4" name="Title 3"/>
+          <p:cNvPr id="6" name="Title 5"/>
           <p:cNvSpPr>
             <a:spLocks noGrp="1"/>
           </p:cNvSpPr>
@@ -5763,99 +9600,150 @@
           </p:nvPr>
         </p:nvSpPr>
         <p:spPr/>
+        <p:txBody>
+          <a:bodyPr>
+            <a:normAutofit fontScale="90000"/>
+          </a:bodyPr>
+          <a:lstStyle/>
+          <a:p>
+            <a:r>
+              <a:rPr lang="en-US" dirty="0" err="1" smtClean="0"/>
+              <a:t>HathiTrust</a:t>
+            </a:r>
+            <a:r>
+              <a:rPr lang="en-US" dirty="0" smtClean="0"/>
+              <a:t> Research Center (HTRC)</a:t>
+            </a:r>
+            <a:endParaRPr lang="en-US" dirty="0"/>
+          </a:p>
+        </p:txBody>
+      </p:sp>
+      <p:sp>
+        <p:nvSpPr>
+          <p:cNvPr id="7" name="Content Placeholder 6"/>
+          <p:cNvSpPr>
+            <a:spLocks noGrp="1"/>
+          </p:cNvSpPr>
+          <p:nvPr>
+            <p:ph idx="1"/>
+          </p:nvPr>
+        </p:nvSpPr>
+        <p:spPr>
+          <a:xfrm>
+            <a:off x="457200" y="2332037"/>
+            <a:ext cx="8229600" cy="4525963"/>
+          </a:xfrm>
+        </p:spPr>
         <p:txBody>
           <a:bodyPr>
             <a:normAutofit/>
           </a:bodyPr>
           <a:lstStyle/>
           <a:p>
-            <a:r>
-              <a:rPr lang="en-US" dirty="0" smtClean="0"/>
-              <a:t>Access</a:t>
-            </a:r>
+            <a:pPr>
+              <a:buNone/>
+            </a:pPr>
+            <a:r>
+              <a:rPr lang="en-US" dirty="0" smtClean="0"/>
+              <a:t>	The HTRC is a collaboration between Indiana University, the University of Illinois, </a:t>
+            </a:r>
+            <a:r>
+              <a:rPr lang="en-US" dirty="0" smtClean="0"/>
+              <a:t>and the </a:t>
+            </a:r>
+            <a:r>
+              <a:rPr lang="en-US" dirty="0" err="1" smtClean="0"/>
+              <a:t>HathiTrust</a:t>
+            </a:r>
+            <a:r>
+              <a:rPr lang="en-US" dirty="0" smtClean="0"/>
+              <a:t> digital library.</a:t>
+            </a:r>
+            <a:endParaRPr lang="en-US" dirty="0" smtClean="0"/>
+          </a:p>
+          <a:p>
+            <a:pPr>
+              <a:buNone/>
+            </a:pPr>
+            <a:r>
+              <a:rPr lang="en-US" dirty="0" smtClean="0"/>
+              <a:t>	HTRC </a:t>
+            </a:r>
+            <a:r>
+              <a:rPr lang="en-US" dirty="0" smtClean="0"/>
+              <a:t>is</a:t>
+            </a:r>
+            <a:r>
+              <a:rPr lang="en-US" dirty="0" smtClean="0"/>
+              <a:t> committed to:</a:t>
+            </a:r>
+          </a:p>
+          <a:p>
+            <a:pPr lvl="1"/>
+            <a:r>
+              <a:rPr lang="en-US" dirty="0" smtClean="0"/>
+              <a:t>Enabling research within the </a:t>
+            </a:r>
+            <a:r>
+              <a:rPr lang="en-US" dirty="0" err="1" smtClean="0"/>
+              <a:t>HathiTrust</a:t>
+            </a:r>
+            <a:r>
+              <a:rPr lang="en-US" dirty="0" smtClean="0"/>
+              <a:t> collection.</a:t>
+            </a:r>
+          </a:p>
+          <a:p>
+            <a:pPr lvl="1"/>
+            <a:r>
+              <a:rPr lang="en-US" dirty="0" smtClean="0"/>
+              <a:t>P</a:t>
+            </a:r>
+            <a:r>
+              <a:rPr lang="en-US" dirty="0" smtClean="0"/>
+              <a:t>ioneering a paradigm of</a:t>
+            </a:r>
+            <a:r>
+              <a:rPr lang="en-US" dirty="0" smtClean="0"/>
+              <a:t> </a:t>
+            </a:r>
+            <a:r>
+              <a:rPr lang="en-US" dirty="0" smtClean="0"/>
+              <a:t> </a:t>
+            </a:r>
+            <a:r>
+              <a:rPr lang="en-US" dirty="0" smtClean="0"/>
+              <a:t>‘non-consumptive’ research </a:t>
+            </a:r>
+            <a:r>
+              <a:rPr lang="en-US" dirty="0" smtClean="0"/>
+              <a:t>tools allowing full access to the </a:t>
+            </a:r>
+            <a:r>
+              <a:rPr lang="en-US" dirty="0" err="1" smtClean="0"/>
+              <a:t>HathiTrust</a:t>
+            </a:r>
+            <a:r>
+              <a:rPr lang="en-US" dirty="0" smtClean="0"/>
+              <a:t> </a:t>
+            </a:r>
+            <a:r>
+              <a:rPr lang="en-US" dirty="0" smtClean="0"/>
+              <a:t>without infringing academic copyright laws.</a:t>
+            </a:r>
+            <a:endParaRPr lang="en-US" dirty="0" smtClean="0"/>
+          </a:p>
+          <a:p>
+            <a:endParaRPr lang="en-US" dirty="0" smtClean="0"/>
+          </a:p>
+          <a:p>
+            <a:endParaRPr lang="en-US" dirty="0" smtClean="0"/>
+          </a:p>
+          <a:p>
+            <a:endParaRPr lang="en-US" dirty="0" smtClean="0"/>
+          </a:p>
+          <a:p>
             <a:endParaRPr lang="en-US" dirty="0"/>
-          </a:p>
-        </p:txBody>
-      </p:sp>
-      <p:sp>
-        <p:nvSpPr>
-          <p:cNvPr id="11" name="Content Placeholder 10"/>
-          <p:cNvSpPr>
-            <a:spLocks noGrp="1"/>
-          </p:cNvSpPr>
-          <p:nvPr>
-            <p:ph idx="1"/>
-          </p:nvPr>
-        </p:nvSpPr>
-        <p:spPr/>
-        <p:txBody>
-          <a:bodyPr>
-            <a:normAutofit lnSpcReduction="10000"/>
-          </a:bodyPr>
-          <a:lstStyle/>
-          <a:p>
-            <a:r>
-              <a:rPr lang="en-US" dirty="0" smtClean="0"/>
-              <a:t>APIs (Application Programming Interfaces):</a:t>
-            </a:r>
-          </a:p>
-          <a:p>
-            <a:pPr lvl="1"/>
-            <a:r>
-              <a:rPr lang="en-US" dirty="0" smtClean="0"/>
-              <a:t>Bibliographic</a:t>
-            </a:r>
-          </a:p>
-          <a:p>
-            <a:pPr lvl="1"/>
-            <a:r>
-              <a:rPr lang="en-US" dirty="0" smtClean="0"/>
-              <a:t>Data (public domain volumes only)</a:t>
-            </a:r>
-          </a:p>
-          <a:p>
-            <a:r>
-              <a:rPr lang="en-US" dirty="0" smtClean="0"/>
-              <a:t>HTRC APIs:</a:t>
-            </a:r>
-          </a:p>
-          <a:p>
-            <a:pPr lvl="1"/>
-            <a:r>
-              <a:rPr lang="en-US" dirty="0" err="1" smtClean="0"/>
-              <a:t>Solr</a:t>
-            </a:r>
-            <a:r>
-              <a:rPr lang="en-US" dirty="0" smtClean="0"/>
-              <a:t> Index</a:t>
-            </a:r>
-          </a:p>
-          <a:p>
-            <a:pPr lvl="1"/>
-            <a:r>
-              <a:rPr lang="en-US" dirty="0" smtClean="0"/>
-              <a:t>Data (not externally available)</a:t>
-            </a:r>
-          </a:p>
-          <a:p>
-            <a:r>
-              <a:rPr lang="en-US" dirty="0" smtClean="0"/>
-              <a:t>Datasets:</a:t>
-            </a:r>
-          </a:p>
-          <a:p>
-            <a:pPr lvl="1"/>
-            <a:r>
-              <a:rPr lang="en-US" dirty="0" smtClean="0"/>
-              <a:t>Non-Google </a:t>
-            </a:r>
-          </a:p>
-          <a:p>
-            <a:pPr lvl="1"/>
-            <a:r>
-              <a:rPr lang="en-US" dirty="0" smtClean="0"/>
-              <a:t>Google Digitized </a:t>
-            </a:r>
           </a:p>
         </p:txBody>
       </p:sp>
@@ -5864,6 +9752,13 @@
   <p:clrMapOvr>
     <a:masterClrMapping/>
   </p:clrMapOvr>
+  <p:timing>
+    <p:tnLst>
+      <p:par>
+        <p:cTn id="1" dur="indefinite" restart="never" nodeType="tmRoot"/>
+      </p:par>
+    </p:tnLst>
+  </p:timing>
 </p:sld>
 </file>
 
@@ -5886,7 +9781,7 @@
       </p:grpSpPr>
       <p:sp>
         <p:nvSpPr>
-          <p:cNvPr id="4" name="Title 3"/>
+          <p:cNvPr id="26" name="Title 25"/>
           <p:cNvSpPr>
             <a:spLocks noGrp="1"/>
           </p:cNvSpPr>
@@ -5896,20 +9791,26 @@
         </p:nvSpPr>
         <p:spPr/>
         <p:txBody>
-          <a:bodyPr/>
-          <a:lstStyle/>
-          <a:p>
-            <a:r>
-              <a:rPr lang="en-US" dirty="0" smtClean="0"/>
-              <a:t>The Data</a:t>
-            </a:r>
-            <a:endParaRPr lang="en-US" dirty="0"/>
-          </a:p>
-        </p:txBody>
-      </p:sp>
-      <p:sp>
-        <p:nvSpPr>
-          <p:cNvPr id="9" name="Content Placeholder 8"/>
+          <a:bodyPr>
+            <a:normAutofit/>
+          </a:bodyPr>
+          <a:lstStyle/>
+          <a:p>
+            <a:r>
+              <a:rPr lang="en-US" dirty="0" smtClean="0"/>
+              <a:t>The Digital </a:t>
+            </a:r>
+            <a:r>
+              <a:rPr lang="en-US" dirty="0" smtClean="0"/>
+              <a:t>Humanities</a:t>
+            </a:r>
+            <a:endParaRPr lang="en-US" i="1" dirty="0"/>
+          </a:p>
+        </p:txBody>
+      </p:sp>
+      <p:sp>
+        <p:nvSpPr>
+          <p:cNvPr id="3" name="Content Placeholder 2"/>
           <p:cNvSpPr>
             <a:spLocks noGrp="1"/>
           </p:cNvSpPr>
@@ -5917,66 +9818,60 @@
             <p:ph idx="1"/>
           </p:nvPr>
         </p:nvSpPr>
-        <p:spPr/>
-        <p:txBody>
-          <a:bodyPr/>
-          <a:lstStyle/>
-          <a:p>
-            <a:pPr marL="342900" lvl="1" indent="-342900">
-              <a:buNone/>
-            </a:pPr>
+        <p:spPr>
+          <a:xfrm>
+            <a:off x="618565" y="2159000"/>
+            <a:ext cx="7878788" cy="4080435"/>
+          </a:xfrm>
+        </p:spPr>
+        <p:txBody>
+          <a:bodyPr>
+            <a:normAutofit/>
+          </a:bodyPr>
+          <a:lstStyle/>
+          <a:p>
+            <a:r>
+              <a:rPr lang="en-US" dirty="0" smtClean="0"/>
+              <a:t>The term Digital Humanities encompasses a </a:t>
+            </a:r>
+            <a:r>
+              <a:rPr lang="en-US" dirty="0" smtClean="0"/>
+              <a:t>diverse and rapidly evolving set of </a:t>
+            </a:r>
+            <a:r>
+              <a:rPr lang="en-US" dirty="0" smtClean="0"/>
+              <a:t>fields seeking to apply modern computational techniques to research questions in the arts and humanities.</a:t>
+            </a:r>
+            <a:endParaRPr lang="en-US" dirty="0" smtClean="0"/>
+          </a:p>
+          <a:p>
+            <a:r>
+              <a:rPr lang="en-US" dirty="0" smtClean="0"/>
+              <a:t>Acquiring </a:t>
+            </a:r>
+            <a:r>
+              <a:rPr lang="en-US" dirty="0" smtClean="0"/>
+              <a:t>high-quality datasets can be challenging, depending on the desired content.  As such, the size of </a:t>
+            </a:r>
             <a:r>
               <a:rPr lang="en-US" dirty="0" err="1" smtClean="0"/>
               <a:t>HathiTrust</a:t>
             </a:r>
             <a:r>
               <a:rPr lang="en-US" dirty="0" smtClean="0"/>
-              <a:t> catalogues the following data:</a:t>
-            </a:r>
+              <a:t> collection is an invaluable resource for digital humanities scholars.</a:t>
+            </a:r>
+          </a:p>
+          <a:p>
             <a:endParaRPr lang="en-US" dirty="0" smtClean="0"/>
           </a:p>
           <a:p>
-            <a:pPr marL="342900" lvl="1" indent="-342900">
-              <a:buFont typeface="Arial"/>
-              <a:buChar char="•"/>
+            <a:endParaRPr lang="en-US" dirty="0" smtClean="0"/>
+          </a:p>
+          <a:p>
+            <a:pPr>
+              <a:buNone/>
             </a:pPr>
-            <a:r>
-              <a:rPr lang="en-US" dirty="0" smtClean="0"/>
-              <a:t>Raw scanned images</a:t>
-            </a:r>
-            <a:endParaRPr lang="en-US" dirty="0" smtClean="0"/>
-          </a:p>
-          <a:p>
-            <a:pPr marL="342900" lvl="1" indent="-342900">
-              <a:buFont typeface="Arial"/>
-              <a:buChar char="•"/>
-            </a:pPr>
-            <a:r>
-              <a:rPr lang="en-US" dirty="0" smtClean="0"/>
-              <a:t>OCR (Optical Character Recognition) plain text</a:t>
-            </a:r>
-          </a:p>
-          <a:p>
-            <a:pPr marL="342900" lvl="1" indent="-342900">
-              <a:buFont typeface="Arial"/>
-              <a:buChar char="•"/>
-            </a:pPr>
-            <a:r>
-              <a:rPr lang="en-US" dirty="0" smtClean="0"/>
-              <a:t>MARC bibliographic metadata</a:t>
-            </a:r>
-          </a:p>
-          <a:p>
-            <a:pPr marL="342900" lvl="1" indent="-342900">
-              <a:buFont typeface="Arial"/>
-              <a:buChar char="•"/>
-            </a:pPr>
-            <a:r>
-              <a:rPr lang="en-US" dirty="0" smtClean="0"/>
-              <a:t>METS structural metadata</a:t>
-            </a:r>
-          </a:p>
-          <a:p>
             <a:endParaRPr lang="en-US" dirty="0"/>
           </a:p>
         </p:txBody>
@@ -5986,6 +9881,13 @@
   <p:clrMapOvr>
     <a:masterClrMapping/>
   </p:clrMapOvr>
+  <p:timing>
+    <p:tnLst>
+      <p:par>
+        <p:cTn id="1" dur="indefinite" restart="never" nodeType="tmRoot"/>
+      </p:par>
+    </p:tnLst>
+  </p:timing>
 </p:sld>
 </file>
 
@@ -6013,32 +9915,112 @@
             <a:spLocks noGrp="1"/>
           </p:cNvSpPr>
           <p:nvPr>
-            <p:ph type="ctrTitle"/>
-          </p:nvPr>
-        </p:nvSpPr>
+            <p:ph type="title"/>
+          </p:nvPr>
+        </p:nvSpPr>
+        <p:spPr/>
+        <p:txBody>
+          <a:bodyPr/>
+          <a:lstStyle/>
+          <a:p>
+            <a:r>
+              <a:rPr lang="en-US" smtClean="0"/>
+              <a:t>An example…</a:t>
+            </a:r>
+            <a:endParaRPr lang="en-US" dirty="0"/>
+          </a:p>
+        </p:txBody>
+      </p:sp>
+      <p:sp>
+        <p:nvSpPr>
+          <p:cNvPr id="10" name="Content Placeholder 9"/>
+          <p:cNvSpPr>
+            <a:spLocks noGrp="1"/>
+          </p:cNvSpPr>
+          <p:nvPr>
+            <p:ph sz="half" idx="1"/>
+          </p:nvPr>
+        </p:nvSpPr>
+        <p:spPr/>
+        <p:txBody>
+          <a:bodyPr/>
+          <a:lstStyle/>
+          <a:p>
+            <a:pPr>
+              <a:buNone/>
+            </a:pPr>
+            <a:r>
+              <a:rPr lang="en-US" dirty="0" smtClean="0"/>
+              <a:t>	Ted Underwood, Associate Professor at the University of Illinois, has been working with a collection of 18</a:t>
+            </a:r>
+            <a:r>
+              <a:rPr lang="en-US" baseline="30000" dirty="0" smtClean="0"/>
+              <a:t>th</a:t>
+            </a:r>
+            <a:r>
+              <a:rPr lang="en-US" dirty="0" smtClean="0"/>
+              <a:t> and 19</a:t>
+            </a:r>
+            <a:r>
+              <a:rPr lang="en-US" baseline="30000" dirty="0" smtClean="0"/>
+              <a:t>th</a:t>
+            </a:r>
+            <a:r>
+              <a:rPr lang="en-US" dirty="0" smtClean="0"/>
+              <a:t> century texts drawn from the </a:t>
+            </a:r>
+            <a:r>
+              <a:rPr lang="en-US" dirty="0" err="1" smtClean="0"/>
+              <a:t>HathiTrust</a:t>
+            </a:r>
+            <a:r>
+              <a:rPr lang="en-US" dirty="0" smtClean="0"/>
+              <a:t>. His thesis: ‘We don’t already know the broad outlines of literary history’, but computational tools can provide the answer.</a:t>
+            </a:r>
+            <a:r>
+              <a:rPr lang="en-US" baseline="30000" dirty="0" smtClean="0"/>
+              <a:t>2</a:t>
+            </a:r>
+            <a:endParaRPr lang="en-US" dirty="0"/>
+          </a:p>
+        </p:txBody>
+      </p:sp>
+      <p:pic>
+        <p:nvPicPr>
+          <p:cNvPr id="7" name="Content Placeholder 6" descr="ted_underwood_results.jpg"/>
+          <p:cNvPicPr>
+            <a:picLocks noGrp="1" noChangeAspect="1"/>
+          </p:cNvPicPr>
+          <p:nvPr>
+            <p:ph sz="half" idx="2"/>
+          </p:nvPr>
+        </p:nvPicPr>
+        <p:blipFill>
+          <a:blip r:embed="rId2"/>
+          <a:srcRect t="-25810" b="-25810"/>
+          <a:stretch>
+            <a:fillRect/>
+          </a:stretch>
+        </p:blipFill>
         <p:spPr>
           <a:xfrm>
-            <a:off x="685800" y="2320720"/>
-            <a:ext cx="7772400" cy="1470025"/>
+            <a:off x="4748848" y="1600200"/>
+            <a:ext cx="3749040" cy="4651375"/>
           </a:xfrm>
         </p:spPr>
-        <p:txBody>
-          <a:bodyPr/>
-          <a:lstStyle/>
-          <a:p>
-            <a:r>
-              <a:rPr lang="en-US" dirty="0" smtClean="0"/>
-              <a:t>The Project  </a:t>
-            </a:r>
-            <a:endParaRPr lang="en-US" dirty="0"/>
-          </a:p>
-        </p:txBody>
-      </p:sp>
+      </p:pic>
     </p:spTree>
   </p:cSld>
   <p:clrMapOvr>
     <a:masterClrMapping/>
   </p:clrMapOvr>
+  <p:timing>
+    <p:tnLst>
+      <p:par>
+        <p:cTn id="1" dur="indefinite" restart="never" nodeType="tmRoot"/>
+      </p:par>
+    </p:tnLst>
+  </p:timing>
 </p:sld>
 </file>
 
@@ -6061,7 +10043,7 @@
       </p:grpSpPr>
       <p:sp>
         <p:nvSpPr>
-          <p:cNvPr id="26" name="Title 25"/>
+          <p:cNvPr id="2" name="Title 1"/>
           <p:cNvSpPr>
             <a:spLocks noGrp="1"/>
           </p:cNvSpPr>
@@ -6078,22 +10060,34 @@
           <a:p>
             <a:r>
               <a:rPr lang="en-US" dirty="0" smtClean="0"/>
-              <a:t>The Digital Humanities</a:t>
+              <a:t>Summer of </a:t>
+            </a:r>
+            <a:r>
+              <a:rPr lang="en-US" dirty="0" err="1" smtClean="0"/>
+              <a:t>eResearch</a:t>
+            </a:r>
+            <a:r>
+              <a:rPr lang="en-US" dirty="0" smtClean="0"/>
+              <a:t>  </a:t>
             </a:r>
             <a:br>
               <a:rPr lang="en-US" dirty="0" smtClean="0"/>
             </a:br>
             <a:r>
-              <a:rPr lang="en-US" i="1" dirty="0" smtClean="0"/>
-              <a:t>(in a nutshell)</a:t>
-            </a:r>
-            <a:endParaRPr lang="en-US" i="1" dirty="0"/>
-          </a:p>
-        </p:txBody>
-      </p:sp>
-      <p:sp>
-        <p:nvSpPr>
-          <p:cNvPr id="3" name="Content Placeholder 2"/>
+              <a:rPr lang="en-US" dirty="0" smtClean="0"/>
+              <a:t>P</a:t>
+            </a:r>
+            <a:r>
+              <a:rPr lang="en-US" dirty="0" smtClean="0"/>
+              <a:t>roject Goals</a:t>
+            </a:r>
+            <a:endParaRPr lang="en-US" dirty="0"/>
+          </a:p>
+        </p:txBody>
+      </p:sp>
+      <p:sp>
+        <p:nvSpPr>
+          <p:cNvPr id="9" name="Content Placeholder 8"/>
           <p:cNvSpPr>
             <a:spLocks noGrp="1"/>
           </p:cNvSpPr>
@@ -6101,42 +10095,66 @@
             <p:ph idx="1"/>
           </p:nvPr>
         </p:nvSpPr>
-        <p:spPr/>
-        <p:txBody>
-          <a:bodyPr/>
-          <a:lstStyle/>
-          <a:p>
-            <a:r>
-              <a:rPr lang="en-US" dirty="0" smtClean="0"/>
-              <a:t>A diverse, rapidly evolving, rapidly growing field which seeks to apply digital techniques to historical and contemporary data.</a:t>
-            </a:r>
-          </a:p>
-          <a:p>
-            <a:r>
-              <a:rPr lang="en-US" dirty="0" smtClean="0"/>
-              <a:t>Quantitative and qualitative. </a:t>
-            </a:r>
-          </a:p>
-          <a:p>
-            <a:r>
-              <a:rPr lang="en-US" dirty="0" smtClean="0"/>
-              <a:t>…</a:t>
-            </a:r>
-          </a:p>
-          <a:p>
-            <a:endParaRPr lang="en-US" dirty="0" smtClean="0"/>
-          </a:p>
-          <a:p>
-            <a:r>
-              <a:rPr lang="en-US" dirty="0" smtClean="0"/>
-              <a:t>(segue, segue….)</a:t>
-            </a:r>
-          </a:p>
-          <a:p>
-            <a:pPr>
-              <a:buNone/>
-            </a:pPr>
-            <a:endParaRPr lang="en-US" dirty="0"/>
+        <p:spPr>
+          <a:xfrm>
+            <a:off x="1027579" y="1824037"/>
+            <a:ext cx="6824676" cy="4525963"/>
+          </a:xfrm>
+        </p:spPr>
+        <p:txBody>
+          <a:bodyPr>
+            <a:normAutofit/>
+          </a:bodyPr>
+          <a:lstStyle/>
+          <a:p>
+            <a:r>
+              <a:rPr lang="en-US" dirty="0" smtClean="0"/>
+              <a:t>Explore and leverage the </a:t>
+            </a:r>
+            <a:r>
+              <a:rPr lang="en-US" dirty="0" err="1" smtClean="0"/>
+              <a:t>HathiTrust’s</a:t>
+            </a:r>
+            <a:r>
+              <a:rPr lang="en-US" dirty="0" smtClean="0"/>
+              <a:t> APIs, tools and datasets, and attempt to assess the usefulness of the </a:t>
+            </a:r>
+            <a:r>
+              <a:rPr lang="en-US" dirty="0" err="1" smtClean="0"/>
+              <a:t>HathiTrust</a:t>
+            </a:r>
+            <a:r>
+              <a:rPr lang="en-US" dirty="0" smtClean="0"/>
+              <a:t> for New Zealand researchers.</a:t>
+            </a:r>
+          </a:p>
+          <a:p>
+            <a:r>
+              <a:rPr lang="en-US" dirty="0" smtClean="0"/>
+              <a:t>Attempt to identify a ‘New Zealand corpus’; a subset of the </a:t>
+            </a:r>
+            <a:r>
+              <a:rPr lang="en-US" dirty="0" err="1" smtClean="0"/>
+              <a:t>HathiTrust</a:t>
+            </a:r>
+            <a:r>
+              <a:rPr lang="en-US" dirty="0" smtClean="0"/>
+              <a:t> collection pertaining to NZ and relevant to NZ researchers. </a:t>
+            </a:r>
+          </a:p>
+          <a:p>
+            <a:r>
+              <a:rPr lang="en-US" dirty="0" smtClean="0"/>
+              <a:t>Lay groundwork for future access to </a:t>
+            </a:r>
+            <a:r>
+              <a:rPr lang="en-US" dirty="0" err="1" smtClean="0"/>
+              <a:t>HathiTrust</a:t>
+            </a:r>
+            <a:r>
+              <a:rPr lang="en-US" dirty="0" smtClean="0"/>
+              <a:t> resources by NZ researchers.</a:t>
+            </a:r>
           </a:p>
         </p:txBody>
       </p:sp>
@@ -6145,13 +10163,20 @@
   <p:clrMapOvr>
     <a:masterClrMapping/>
   </p:clrMapOvr>
+  <p:timing>
+    <p:tnLst>
+      <p:par>
+        <p:cTn id="1" dur="indefinite" restart="never" nodeType="tmRoot"/>
+      </p:par>
+    </p:tnLst>
+  </p:timing>
 </p:sld>
 </file>
 
 <file path=ppt/theme/theme1.xml><?xml version="1.0" encoding="utf-8"?>
-<a:theme xmlns:a="http://schemas.openxmlformats.org/drawingml/2006/main" name="Office Theme">
+<a:theme xmlns:a="http://schemas.openxmlformats.org/drawingml/2006/main" name="Exhibit">
   <a:themeElements>
-    <a:clrScheme name="Office">
+    <a:clrScheme name="Exhibit">
       <a:dk1>
         <a:sysClr val="windowText" lastClr="000000"/>
       </a:dk1>
@@ -6159,107 +10184,51 @@
         <a:sysClr val="window" lastClr="FFFFFF"/>
       </a:lt1>
       <a:dk2>
-        <a:srgbClr val="1F497D"/>
+        <a:srgbClr val="1C3264"/>
       </a:dk2>
       <a:lt2>
-        <a:srgbClr val="EEECE1"/>
+        <a:srgbClr val="CCCCCC"/>
       </a:lt2>
       <a:accent1>
-        <a:srgbClr val="4F81BD"/>
+        <a:srgbClr val="3399FF"/>
       </a:accent1>
       <a:accent2>
-        <a:srgbClr val="C0504D"/>
+        <a:srgbClr val="69FFFF"/>
       </a:accent2>
       <a:accent3>
-        <a:srgbClr val="9BBB59"/>
+        <a:srgbClr val="CCFF33"/>
       </a:accent3>
       <a:accent4>
-        <a:srgbClr val="8064A2"/>
+        <a:srgbClr val="3333FF"/>
       </a:accent4>
       <a:accent5>
-        <a:srgbClr val="4BACC6"/>
+        <a:srgbClr val="9933FF"/>
       </a:accent5>
       <a:accent6>
-        <a:srgbClr val="F79646"/>
+        <a:srgbClr val="FF33FF"/>
       </a:accent6>
       <a:hlink>
-        <a:srgbClr val="0000FF"/>
+        <a:srgbClr val="6699FF"/>
       </a:hlink>
       <a:folHlink>
-        <a:srgbClr val="800080"/>
+        <a:srgbClr val="9999CC"/>
       </a:folHlink>
     </a:clrScheme>
-    <a:fontScheme name="Office">
+    <a:fontScheme name="Exhibit">
       <a:majorFont>
-        <a:latin typeface="Calibri"/>
+        <a:latin typeface="Corbel"/>
         <a:ea typeface=""/>
         <a:cs typeface=""/>
         <a:font script="Jpan" typeface="ＭＳ Ｐゴシック"/>
-        <a:font script="Hang" typeface="맑은 고딕"/>
-        <a:font script="Hans" typeface="宋体"/>
-        <a:font script="Hant" typeface="新細明體"/>
-        <a:font script="Arab" typeface="Times New Roman"/>
-        <a:font script="Hebr" typeface="Times New Roman"/>
-        <a:font script="Thai" typeface="Angsana New"/>
-        <a:font script="Ethi" typeface="Nyala"/>
-        <a:font script="Beng" typeface="Vrinda"/>
-        <a:font script="Gujr" typeface="Shruti"/>
-        <a:font script="Khmr" typeface="MoolBoran"/>
-        <a:font script="Knda" typeface="Tunga"/>
-        <a:font script="Guru" typeface="Raavi"/>
-        <a:font script="Cans" typeface="Euphemia"/>
-        <a:font script="Cher" typeface="Plantagenet Cherokee"/>
-        <a:font script="Yiii" typeface="Microsoft Yi Baiti"/>
-        <a:font script="Tibt" typeface="Microsoft Himalaya"/>
-        <a:font script="Thaa" typeface="MV Boli"/>
-        <a:font script="Deva" typeface="Mangal"/>
-        <a:font script="Telu" typeface="Gautami"/>
-        <a:font script="Taml" typeface="Latha"/>
-        <a:font script="Syrc" typeface="Estrangelo Edessa"/>
-        <a:font script="Orya" typeface="Kalinga"/>
-        <a:font script="Mlym" typeface="Kartika"/>
-        <a:font script="Laoo" typeface="DokChampa"/>
-        <a:font script="Sinh" typeface="Iskoola Pota"/>
-        <a:font script="Mong" typeface="Mongolian Baiti"/>
-        <a:font script="Viet" typeface="Times New Roman"/>
-        <a:font script="Uigh" typeface="Microsoft Uighur"/>
       </a:majorFont>
       <a:minorFont>
-        <a:latin typeface="Calibri"/>
+        <a:latin typeface="Corbel"/>
         <a:ea typeface=""/>
         <a:cs typeface=""/>
         <a:font script="Jpan" typeface="ＭＳ Ｐゴシック"/>
-        <a:font script="Hang" typeface="맑은 고딕"/>
-        <a:font script="Hans" typeface="宋体"/>
-        <a:font script="Hant" typeface="新細明體"/>
-        <a:font script="Arab" typeface="Arial"/>
-        <a:font script="Hebr" typeface="Arial"/>
-        <a:font script="Thai" typeface="Cordia New"/>
-        <a:font script="Ethi" typeface="Nyala"/>
-        <a:font script="Beng" typeface="Vrinda"/>
-        <a:font script="Gujr" typeface="Shruti"/>
-        <a:font script="Khmr" typeface="DaunPenh"/>
-        <a:font script="Knda" typeface="Tunga"/>
-        <a:font script="Guru" typeface="Raavi"/>
-        <a:font script="Cans" typeface="Euphemia"/>
-        <a:font script="Cher" typeface="Plantagenet Cherokee"/>
-        <a:font script="Yiii" typeface="Microsoft Yi Baiti"/>
-        <a:font script="Tibt" typeface="Microsoft Himalaya"/>
-        <a:font script="Thaa" typeface="MV Boli"/>
-        <a:font script="Deva" typeface="Mangal"/>
-        <a:font script="Telu" typeface="Gautami"/>
-        <a:font script="Taml" typeface="Latha"/>
-        <a:font script="Syrc" typeface="Estrangelo Edessa"/>
-        <a:font script="Orya" typeface="Kalinga"/>
-        <a:font script="Mlym" typeface="Kartika"/>
-        <a:font script="Laoo" typeface="DokChampa"/>
-        <a:font script="Sinh" typeface="Iskoola Pota"/>
-        <a:font script="Mong" typeface="Mongolian Baiti"/>
-        <a:font script="Viet" typeface="Arial"/>
-        <a:font script="Uigh" typeface="Microsoft Uighur"/>
       </a:minorFont>
     </a:fontScheme>
-    <a:fmtScheme name="Office">
+    <a:fmtScheme name="Exhibit">
       <a:fillStyleLst>
         <a:solidFill>
           <a:schemeClr val="phClr"/>
@@ -6268,20 +10237,22 @@
           <a:gsLst>
             <a:gs pos="0">
               <a:schemeClr val="phClr">
-                <a:tint val="50000"/>
-                <a:satMod val="300000"/>
+                <a:tint val="100000"/>
+                <a:shade val="50000"/>
+                <a:satMod val="110000"/>
+                <a:lumMod val="70000"/>
               </a:schemeClr>
             </a:gs>
-            <a:gs pos="35000">
+            <a:gs pos="50000">
               <a:schemeClr val="phClr">
-                <a:tint val="37000"/>
-                <a:satMod val="300000"/>
+                <a:tint val="80000"/>
+                <a:satMod val="135000"/>
               </a:schemeClr>
             </a:gs>
             <a:gs pos="100000">
               <a:schemeClr val="phClr">
-                <a:tint val="15000"/>
-                <a:satMod val="350000"/>
+                <a:tint val="30000"/>
+                <a:satMod val="150000"/>
               </a:schemeClr>
             </a:gs>
           </a:gsLst>
@@ -6291,69 +10262,75 @@
           <a:gsLst>
             <a:gs pos="0">
               <a:schemeClr val="phClr">
-                <a:tint val="100000"/>
-                <a:shade val="100000"/>
-                <a:satMod val="130000"/>
+                <a:shade val="50000"/>
+                <a:satMod val="110000"/>
+                <a:lumMod val="70000"/>
+              </a:schemeClr>
+            </a:gs>
+            <a:gs pos="65000">
+              <a:schemeClr val="phClr">
+                <a:shade val="90000"/>
+                <a:satMod val="200000"/>
+                <a:lumMod val="110000"/>
               </a:schemeClr>
             </a:gs>
             <a:gs pos="100000">
               <a:schemeClr val="phClr">
-                <a:tint val="50000"/>
+                <a:tint val="90000"/>
                 <a:shade val="100000"/>
-                <a:satMod val="350000"/>
+                <a:satMod val="250000"/>
+                <a:lumMod val="150000"/>
               </a:schemeClr>
             </a:gs>
           </a:gsLst>
-          <a:lin ang="16200000" scaled="0"/>
+          <a:lin ang="16200000" scaled="1"/>
         </a:gradFill>
       </a:fillStyleLst>
       <a:lnStyleLst>
-        <a:ln w="9525" cap="flat" cmpd="sng" algn="ctr">
+        <a:ln w="31750" cap="flat" cmpd="sng" algn="ctr">
           <a:solidFill>
             <a:schemeClr val="phClr">
-              <a:shade val="95000"/>
               <a:satMod val="105000"/>
             </a:schemeClr>
           </a:solidFill>
           <a:prstDash val="solid"/>
         </a:ln>
-        <a:ln w="25400" cap="flat" cmpd="sng" algn="ctr">
+        <a:ln w="50800" cap="flat" cmpd="sng" algn="ctr">
           <a:solidFill>
-            <a:schemeClr val="phClr"/>
+            <a:schemeClr val="phClr">
+              <a:alpha val="95000"/>
+            </a:schemeClr>
           </a:solidFill>
           <a:prstDash val="solid"/>
         </a:ln>
-        <a:ln w="38100" cap="flat" cmpd="sng" algn="ctr">
+        <a:ln w="50800" cap="flat" cmpd="sng" algn="ctr">
           <a:solidFill>
-            <a:schemeClr val="phClr"/>
+            <a:schemeClr val="phClr">
+              <a:alpha val="90000"/>
+            </a:schemeClr>
           </a:solidFill>
           <a:prstDash val="solid"/>
         </a:ln>
       </a:lnStyleLst>
       <a:effectStyleLst>
         <a:effectStyle>
+          <a:effectLst/>
+        </a:effectStyle>
+        <a:effectStyle>
           <a:effectLst>
-            <a:outerShdw blurRad="40000" dist="20000" dir="5400000" rotWithShape="0">
-              <a:srgbClr val="000000">
-                <a:alpha val="38000"/>
-              </a:srgbClr>
-            </a:outerShdw>
+            <a:reflection blurRad="12700" stA="25000" endPos="15000" dist="50800" dir="5400000" sy="-100000" rotWithShape="0"/>
           </a:effectLst>
         </a:effectStyle>
         <a:effectStyle>
           <a:effectLst>
-            <a:outerShdw blurRad="40000" dist="23000" dir="5400000" rotWithShape="0">
+            <a:innerShdw blurRad="76200" dist="25400" dir="5400000">
+              <a:srgbClr val="FFFFFF">
+                <a:alpha val="50000"/>
+              </a:srgbClr>
+            </a:innerShdw>
+            <a:outerShdw blurRad="254000" dist="254000" dir="5400000" sx="90000" sy="-30000" rotWithShape="0">
               <a:srgbClr val="000000">
-                <a:alpha val="35000"/>
-              </a:srgbClr>
-            </a:outerShdw>
-          </a:effectLst>
-        </a:effectStyle>
-        <a:effectStyle>
-          <a:effectLst>
-            <a:outerShdw blurRad="40000" dist="23000" dir="5400000" rotWithShape="0">
-              <a:srgbClr val="000000">
-                <a:alpha val="35000"/>
+                <a:alpha val="25000"/>
               </a:srgbClr>
             </a:outerShdw>
           </a:effectLst>
@@ -6361,12 +10338,12 @@
             <a:camera prst="orthographicFront">
               <a:rot lat="0" lon="0" rev="0"/>
             </a:camera>
-            <a:lightRig rig="threePt" dir="t">
-              <a:rot lat="0" lon="0" rev="1200000"/>
+            <a:lightRig rig="twoPt" dir="t">
+              <a:rot lat="0" lon="0" rev="5400000"/>
             </a:lightRig>
           </a:scene3d>
           <a:sp3d>
-            <a:bevelT w="63500" h="25400"/>
+            <a:bevelT w="0" h="0"/>
           </a:sp3d>
         </a:effectStyle>
       </a:effectStyleLst>
@@ -6400,33 +10377,35 @@
             <a:fillToRect l="50000" t="-80000" r="50000" b="180000"/>
           </a:path>
         </a:gradFill>
-        <a:gradFill rotWithShape="1">
-          <a:gsLst>
-            <a:gs pos="0">
+        <a:blipFill rotWithShape="1">
+          <a:blip xmlns:r="http://schemas.openxmlformats.org/officeDocument/2006/relationships" r:embed="rId1">
+            <a:duotone>
               <a:schemeClr val="phClr">
-                <a:tint val="80000"/>
-                <a:satMod val="300000"/>
+                <a:shade val="70000"/>
+                <a:satMod val="120000"/>
+                <a:lumMod val="30000"/>
               </a:schemeClr>
-            </a:gs>
-            <a:gs pos="100000">
               <a:schemeClr val="phClr">
-                <a:shade val="30000"/>
-                <a:satMod val="200000"/>
+                <a:tint val="70000"/>
+                <a:satMod val="500000"/>
+                <a:lumMod val="500000"/>
               </a:schemeClr>
-            </a:gs>
-          </a:gsLst>
-          <a:path path="circle">
-            <a:fillToRect l="50000" t="50000" r="50000" b="50000"/>
-          </a:path>
-        </a:gradFill>
+            </a:duotone>
+          </a:blip>
+          <a:stretch/>
+        </a:blipFill>
       </a:bgFillStyleLst>
     </a:fmtScheme>
   </a:themeElements>
   <a:objectDefaults>
     <a:spDef>
       <a:spPr/>
-      <a:bodyPr/>
-      <a:lstStyle/>
+      <a:bodyPr rtlCol="0" anchor="ctr"/>
+      <a:lstStyle>
+        <a:defPPr algn="ctr">
+          <a:defRPr/>
+        </a:defPPr>
+      </a:lstStyle>
       <a:style>
         <a:lnRef idx="1">
           <a:schemeClr val="accent1"/>
